--- a/doc/diagrams/highlevelArchitecture.pptx
+++ b/doc/diagrams/highlevelArchitecture.pptx
@@ -7,7 +7,7 @@
   <p:sldIdLst>
     <p:sldId id="256" r:id="rId2"/>
   </p:sldIdLst>
-  <p:sldSz cx="9144000" cy="5418138"/>
+  <p:sldSz cx="8229600" cy="4846638"/>
   <p:notesSz cx="6858000" cy="9144000"/>
   <p:defaultTextStyle>
     <a:defPPr>
@@ -136,8 +136,8 @@
         </p:nvSpPr>
         <p:spPr>
           <a:xfrm>
-            <a:off x="685800" y="1683136"/>
-            <a:ext cx="7772400" cy="1161388"/>
+            <a:off x="617220" y="1505600"/>
+            <a:ext cx="6995160" cy="1038886"/>
           </a:xfrm>
         </p:spPr>
         <p:txBody>
@@ -164,8 +164,8 @@
         </p:nvSpPr>
         <p:spPr>
           <a:xfrm>
-            <a:off x="1371600" y="3070278"/>
-            <a:ext cx="6400800" cy="1384636"/>
+            <a:off x="1234440" y="2746428"/>
+            <a:ext cx="5760720" cy="1238586"/>
           </a:xfrm>
         </p:spPr>
         <p:txBody>
@@ -289,7 +289,7 @@
             <a:fld id="{1D8BD707-D9CF-40AE-B4C6-C98DA3205C09}" type="datetimeFigureOut">
               <a:rPr lang="en-US" smtClean="0"/>
               <a:pPr/>
-              <a:t>7/6/2012</a:t>
+              <a:t>7/8/2012</a:t>
             </a:fld>
             <a:endParaRPr lang="en-US"/>
           </a:p>
@@ -456,7 +456,7 @@
             <a:fld id="{1D8BD707-D9CF-40AE-B4C6-C98DA3205C09}" type="datetimeFigureOut">
               <a:rPr lang="en-US" smtClean="0"/>
               <a:pPr/>
-              <a:t>7/6/2012</a:t>
+              <a:t>7/8/2012</a:t>
             </a:fld>
             <a:endParaRPr lang="en-US"/>
           </a:p>
@@ -542,8 +542,8 @@
         </p:nvSpPr>
         <p:spPr>
           <a:xfrm>
-            <a:off x="6629400" y="216978"/>
-            <a:ext cx="2057400" cy="4622976"/>
+            <a:off x="5966460" y="194092"/>
+            <a:ext cx="1851660" cy="4135349"/>
           </a:xfrm>
         </p:spPr>
         <p:txBody>
@@ -570,8 +570,8 @@
         </p:nvSpPr>
         <p:spPr>
           <a:xfrm>
-            <a:off x="457200" y="216978"/>
-            <a:ext cx="6019800" cy="4622976"/>
+            <a:off x="411480" y="194092"/>
+            <a:ext cx="5417820" cy="4135349"/>
           </a:xfrm>
         </p:spPr>
         <p:txBody>
@@ -633,7 +633,7 @@
             <a:fld id="{1D8BD707-D9CF-40AE-B4C6-C98DA3205C09}" type="datetimeFigureOut">
               <a:rPr lang="en-US" smtClean="0"/>
               <a:pPr/>
-              <a:t>7/6/2012</a:t>
+              <a:t>7/8/2012</a:t>
             </a:fld>
             <a:endParaRPr lang="en-US"/>
           </a:p>
@@ -800,7 +800,7 @@
             <a:fld id="{1D8BD707-D9CF-40AE-B4C6-C98DA3205C09}" type="datetimeFigureOut">
               <a:rPr lang="en-US" smtClean="0"/>
               <a:pPr/>
-              <a:t>7/6/2012</a:t>
+              <a:t>7/8/2012</a:t>
             </a:fld>
             <a:endParaRPr lang="en-US"/>
           </a:p>
@@ -886,8 +886,8 @@
         </p:nvSpPr>
         <p:spPr>
           <a:xfrm>
-            <a:off x="722313" y="3481656"/>
-            <a:ext cx="7772400" cy="1076102"/>
+            <a:off x="650082" y="3114414"/>
+            <a:ext cx="6995160" cy="962596"/>
           </a:xfrm>
         </p:spPr>
         <p:txBody>
@@ -918,8 +918,8 @@
         </p:nvSpPr>
         <p:spPr>
           <a:xfrm>
-            <a:off x="722313" y="2296438"/>
-            <a:ext cx="7772400" cy="1185217"/>
+            <a:off x="650082" y="2054214"/>
+            <a:ext cx="6995160" cy="1060201"/>
           </a:xfrm>
         </p:spPr>
         <p:txBody>
@@ -1043,7 +1043,7 @@
             <a:fld id="{1D8BD707-D9CF-40AE-B4C6-C98DA3205C09}" type="datetimeFigureOut">
               <a:rPr lang="en-US" smtClean="0"/>
               <a:pPr/>
-              <a:t>7/6/2012</a:t>
+              <a:t>7/8/2012</a:t>
             </a:fld>
             <a:endParaRPr lang="en-US"/>
           </a:p>
@@ -1152,8 +1152,8 @@
         </p:nvSpPr>
         <p:spPr>
           <a:xfrm>
-            <a:off x="457200" y="1264233"/>
-            <a:ext cx="4038600" cy="3575721"/>
+            <a:off x="411480" y="1130885"/>
+            <a:ext cx="3634740" cy="3198557"/>
           </a:xfrm>
         </p:spPr>
         <p:txBody>
@@ -1237,8 +1237,8 @@
         </p:nvSpPr>
         <p:spPr>
           <a:xfrm>
-            <a:off x="4648200" y="1264233"/>
-            <a:ext cx="4038600" cy="3575721"/>
+            <a:off x="4183380" y="1130885"/>
+            <a:ext cx="3634740" cy="3198557"/>
           </a:xfrm>
         </p:spPr>
         <p:txBody>
@@ -1328,7 +1328,7 @@
             <a:fld id="{1D8BD707-D9CF-40AE-B4C6-C98DA3205C09}" type="datetimeFigureOut">
               <a:rPr lang="en-US" smtClean="0"/>
               <a:pPr/>
-              <a:t>7/6/2012</a:t>
+              <a:t>7/8/2012</a:t>
             </a:fld>
             <a:endParaRPr lang="en-US"/>
           </a:p>
@@ -1441,8 +1441,8 @@
         </p:nvSpPr>
         <p:spPr>
           <a:xfrm>
-            <a:off x="457200" y="1212810"/>
-            <a:ext cx="4040188" cy="505442"/>
+            <a:off x="411480" y="1084884"/>
+            <a:ext cx="3636169" cy="452128"/>
           </a:xfrm>
         </p:spPr>
         <p:txBody>
@@ -1506,8 +1506,8 @@
         </p:nvSpPr>
         <p:spPr>
           <a:xfrm>
-            <a:off x="457200" y="1718252"/>
-            <a:ext cx="4040188" cy="3121701"/>
+            <a:off x="411480" y="1537014"/>
+            <a:ext cx="3636169" cy="2792427"/>
           </a:xfrm>
         </p:spPr>
         <p:txBody>
@@ -1591,8 +1591,8 @@
         </p:nvSpPr>
         <p:spPr>
           <a:xfrm>
-            <a:off x="4645027" y="1212810"/>
-            <a:ext cx="4041775" cy="505442"/>
+            <a:off x="4180525" y="1084884"/>
+            <a:ext cx="3637598" cy="452128"/>
           </a:xfrm>
         </p:spPr>
         <p:txBody>
@@ -1656,8 +1656,8 @@
         </p:nvSpPr>
         <p:spPr>
           <a:xfrm>
-            <a:off x="4645027" y="1718252"/>
-            <a:ext cx="4041775" cy="3121701"/>
+            <a:off x="4180525" y="1537014"/>
+            <a:ext cx="3637598" cy="2792427"/>
           </a:xfrm>
         </p:spPr>
         <p:txBody>
@@ -1747,7 +1747,7 @@
             <a:fld id="{1D8BD707-D9CF-40AE-B4C6-C98DA3205C09}" type="datetimeFigureOut">
               <a:rPr lang="en-US" smtClean="0"/>
               <a:pPr/>
-              <a:t>7/6/2012</a:t>
+              <a:t>7/8/2012</a:t>
             </a:fld>
             <a:endParaRPr lang="en-US"/>
           </a:p>
@@ -1862,7 +1862,7 @@
             <a:fld id="{1D8BD707-D9CF-40AE-B4C6-C98DA3205C09}" type="datetimeFigureOut">
               <a:rPr lang="en-US" smtClean="0"/>
               <a:pPr/>
-              <a:t>7/6/2012</a:t>
+              <a:t>7/8/2012</a:t>
             </a:fld>
             <a:endParaRPr lang="en-US"/>
           </a:p>
@@ -1954,7 +1954,7 @@
             <a:fld id="{1D8BD707-D9CF-40AE-B4C6-C98DA3205C09}" type="datetimeFigureOut">
               <a:rPr lang="en-US" smtClean="0"/>
               <a:pPr/>
-              <a:t>7/6/2012</a:t>
+              <a:t>7/8/2012</a:t>
             </a:fld>
             <a:endParaRPr lang="en-US"/>
           </a:p>
@@ -2040,8 +2040,8 @@
         </p:nvSpPr>
         <p:spPr>
           <a:xfrm>
-            <a:off x="457202" y="215723"/>
-            <a:ext cx="3008313" cy="918073"/>
+            <a:off x="411482" y="192969"/>
+            <a:ext cx="2707482" cy="821236"/>
           </a:xfrm>
         </p:spPr>
         <p:txBody>
@@ -2072,8 +2072,8 @@
         </p:nvSpPr>
         <p:spPr>
           <a:xfrm>
-            <a:off x="3575050" y="215723"/>
-            <a:ext cx="5111750" cy="4624230"/>
+            <a:off x="3217545" y="192969"/>
+            <a:ext cx="4600575" cy="4136471"/>
           </a:xfrm>
         </p:spPr>
         <p:txBody>
@@ -2157,8 +2157,8 @@
         </p:nvSpPr>
         <p:spPr>
           <a:xfrm>
-            <a:off x="457202" y="1133797"/>
-            <a:ext cx="3008313" cy="3706157"/>
+            <a:off x="411482" y="1014207"/>
+            <a:ext cx="2707482" cy="3315235"/>
           </a:xfrm>
         </p:spPr>
         <p:txBody>
@@ -2228,7 +2228,7 @@
             <a:fld id="{1D8BD707-D9CF-40AE-B4C6-C98DA3205C09}" type="datetimeFigureOut">
               <a:rPr lang="en-US" smtClean="0"/>
               <a:pPr/>
-              <a:t>7/6/2012</a:t>
+              <a:t>7/8/2012</a:t>
             </a:fld>
             <a:endParaRPr lang="en-US"/>
           </a:p>
@@ -2314,8 +2314,8 @@
         </p:nvSpPr>
         <p:spPr>
           <a:xfrm>
-            <a:off x="1792288" y="3792697"/>
-            <a:ext cx="5486400" cy="447749"/>
+            <a:off x="1613059" y="3392648"/>
+            <a:ext cx="4937760" cy="400521"/>
           </a:xfrm>
         </p:spPr>
         <p:txBody>
@@ -2346,8 +2346,8 @@
         </p:nvSpPr>
         <p:spPr>
           <a:xfrm>
-            <a:off x="1792288" y="484121"/>
-            <a:ext cx="5486400" cy="3250883"/>
+            <a:off x="1613059" y="433058"/>
+            <a:ext cx="4937760" cy="2907983"/>
           </a:xfrm>
         </p:spPr>
         <p:txBody>
@@ -2407,8 +2407,8 @@
         </p:nvSpPr>
         <p:spPr>
           <a:xfrm>
-            <a:off x="1792288" y="4240447"/>
-            <a:ext cx="5486400" cy="635878"/>
+            <a:off x="1613059" y="3793169"/>
+            <a:ext cx="4937760" cy="568806"/>
           </a:xfrm>
         </p:spPr>
         <p:txBody>
@@ -2478,7 +2478,7 @@
             <a:fld id="{1D8BD707-D9CF-40AE-B4C6-C98DA3205C09}" type="datetimeFigureOut">
               <a:rPr lang="en-US" smtClean="0"/>
               <a:pPr/>
-              <a:t>7/6/2012</a:t>
+              <a:t>7/8/2012</a:t>
             </a:fld>
             <a:endParaRPr lang="en-US"/>
           </a:p>
@@ -2569,8 +2569,8 @@
         </p:nvSpPr>
         <p:spPr>
           <a:xfrm>
-            <a:off x="457200" y="216977"/>
-            <a:ext cx="8229600" cy="903023"/>
+            <a:off x="411480" y="194092"/>
+            <a:ext cx="7406640" cy="807773"/>
           </a:xfrm>
           <a:prstGeom prst="rect">
             <a:avLst/>
@@ -2602,8 +2602,8 @@
         </p:nvSpPr>
         <p:spPr>
           <a:xfrm>
-            <a:off x="457200" y="1264233"/>
-            <a:ext cx="8229600" cy="3575721"/>
+            <a:off x="411480" y="1130885"/>
+            <a:ext cx="7406640" cy="3198557"/>
           </a:xfrm>
           <a:prstGeom prst="rect">
             <a:avLst/>
@@ -2664,8 +2664,8 @@
         </p:nvSpPr>
         <p:spPr>
           <a:xfrm>
-            <a:off x="457200" y="5021812"/>
-            <a:ext cx="2133600" cy="288466"/>
+            <a:off x="411480" y="4492117"/>
+            <a:ext cx="1920240" cy="258039"/>
           </a:xfrm>
           <a:prstGeom prst="rect">
             <a:avLst/>
@@ -2688,7 +2688,7 @@
             <a:fld id="{1D8BD707-D9CF-40AE-B4C6-C98DA3205C09}" type="datetimeFigureOut">
               <a:rPr lang="en-US" smtClean="0"/>
               <a:pPr/>
-              <a:t>7/6/2012</a:t>
+              <a:t>7/8/2012</a:t>
             </a:fld>
             <a:endParaRPr lang="en-US"/>
           </a:p>
@@ -2706,8 +2706,8 @@
         </p:nvSpPr>
         <p:spPr>
           <a:xfrm>
-            <a:off x="3124200" y="5021812"/>
-            <a:ext cx="2895600" cy="288466"/>
+            <a:off x="2811780" y="4492117"/>
+            <a:ext cx="2606040" cy="258039"/>
           </a:xfrm>
           <a:prstGeom prst="rect">
             <a:avLst/>
@@ -2743,8 +2743,8 @@
         </p:nvSpPr>
         <p:spPr>
           <a:xfrm>
-            <a:off x="6553200" y="5021812"/>
-            <a:ext cx="2133600" cy="288466"/>
+            <a:off x="5897880" y="4492117"/>
+            <a:ext cx="1920240" cy="258039"/>
           </a:xfrm>
           <a:prstGeom prst="rect">
             <a:avLst/>
@@ -3061,14 +3061,14 @@
       </p:grpSpPr>
       <p:sp>
         <p:nvSpPr>
-          <p:cNvPr id="166" name="Rounded Rectangle 165"/>
+          <p:cNvPr id="61" name="Rounded Rectangle 60"/>
           <p:cNvSpPr/>
           <p:nvPr/>
         </p:nvSpPr>
         <p:spPr>
           <a:xfrm>
-            <a:off x="3124200" y="118269"/>
-            <a:ext cx="5256242" cy="5105400"/>
+            <a:off x="3048000" y="118269"/>
+            <a:ext cx="4648200" cy="4419600"/>
           </a:xfrm>
           <a:prstGeom prst="roundRect">
             <a:avLst>
@@ -3111,13 +3111,13 @@
       </p:sp>
       <p:sp>
         <p:nvSpPr>
-          <p:cNvPr id="167" name="Rounded Rectangle 166"/>
+          <p:cNvPr id="62" name="Rounded Rectangle 61"/>
           <p:cNvSpPr/>
           <p:nvPr/>
         </p:nvSpPr>
         <p:spPr>
           <a:xfrm>
-            <a:off x="381000" y="3242469"/>
+            <a:off x="304800" y="3242469"/>
             <a:ext cx="1524000" cy="1373381"/>
           </a:xfrm>
           <a:prstGeom prst="roundRect">
@@ -3183,13 +3183,13 @@
       </p:sp>
       <p:sp>
         <p:nvSpPr>
-          <p:cNvPr id="168" name="Rounded Rectangle 167"/>
+          <p:cNvPr id="63" name="Rounded Rectangle 62"/>
           <p:cNvSpPr/>
           <p:nvPr/>
         </p:nvSpPr>
         <p:spPr>
           <a:xfrm>
-            <a:off x="4800600" y="1109583"/>
+            <a:off x="4724400" y="1109583"/>
             <a:ext cx="1219200" cy="3038832"/>
           </a:xfrm>
           <a:prstGeom prst="roundRect">
@@ -3243,13 +3243,13 @@
       </p:sp>
       <p:sp>
         <p:nvSpPr>
-          <p:cNvPr id="169" name="Rounded Rectangle 168"/>
+          <p:cNvPr id="64" name="Rounded Rectangle 63"/>
           <p:cNvSpPr/>
           <p:nvPr/>
         </p:nvSpPr>
         <p:spPr>
           <a:xfrm>
-            <a:off x="6477000" y="1109582"/>
+            <a:off x="6400800" y="1109582"/>
             <a:ext cx="1143000" cy="1789987"/>
           </a:xfrm>
           <a:prstGeom prst="roundRect">
@@ -3303,13 +3303,13 @@
       </p:sp>
       <p:sp>
         <p:nvSpPr>
-          <p:cNvPr id="170" name="Rounded Rectangle 169"/>
+          <p:cNvPr id="65" name="Rounded Rectangle 64"/>
           <p:cNvSpPr/>
           <p:nvPr/>
         </p:nvSpPr>
         <p:spPr>
           <a:xfrm>
-            <a:off x="1447800" y="1108869"/>
+            <a:off x="1219200" y="1108869"/>
             <a:ext cx="1143000" cy="1752600"/>
           </a:xfrm>
           <a:prstGeom prst="roundRect">
@@ -3363,14 +3363,14 @@
       </p:sp>
       <p:sp>
         <p:nvSpPr>
-          <p:cNvPr id="171" name="Rounded Rectangle 170"/>
+          <p:cNvPr id="66" name="Rounded Rectangle 65"/>
           <p:cNvSpPr/>
           <p:nvPr/>
         </p:nvSpPr>
         <p:spPr>
           <a:xfrm>
-            <a:off x="3250428" y="194469"/>
-            <a:ext cx="4979172" cy="457200"/>
+            <a:off x="3174228" y="194469"/>
+            <a:ext cx="4369572" cy="457200"/>
           </a:xfrm>
           <a:prstGeom prst="roundRect">
             <a:avLst>
@@ -3422,13 +3422,13 @@
       </p:sp>
       <p:cxnSp>
         <p:nvCxnSpPr>
-          <p:cNvPr id="172" name="Straight Arrow Connector 171"/>
+          <p:cNvPr id="67" name="Straight Arrow Connector 66"/>
           <p:cNvCxnSpPr/>
           <p:nvPr/>
         </p:nvCxnSpPr>
         <p:spPr>
           <a:xfrm>
-            <a:off x="6019800" y="2103387"/>
+            <a:off x="5943600" y="2103387"/>
             <a:ext cx="457200" cy="0"/>
           </a:xfrm>
           <a:prstGeom prst="straightConnector1">
@@ -3459,13 +3459,13 @@
       </p:cxnSp>
       <p:cxnSp>
         <p:nvCxnSpPr>
-          <p:cNvPr id="173" name="Straight Arrow Connector 172"/>
+          <p:cNvPr id="68" name="Straight Arrow Connector 67"/>
           <p:cNvCxnSpPr/>
           <p:nvPr/>
         </p:nvCxnSpPr>
         <p:spPr>
           <a:xfrm>
-            <a:off x="1905000" y="3780320"/>
+            <a:off x="1828800" y="3780320"/>
             <a:ext cx="2895600" cy="0"/>
           </a:xfrm>
           <a:prstGeom prst="straightConnector1">
@@ -3498,13 +3498,13 @@
       </p:cxnSp>
       <p:cxnSp>
         <p:nvCxnSpPr>
-          <p:cNvPr id="174" name="Straight Arrow Connector 173"/>
+          <p:cNvPr id="69" name="Straight Arrow Connector 68"/>
           <p:cNvCxnSpPr/>
           <p:nvPr/>
         </p:nvCxnSpPr>
         <p:spPr>
           <a:xfrm>
-            <a:off x="3810000" y="645260"/>
+            <a:off x="3733800" y="645260"/>
             <a:ext cx="0" cy="457198"/>
           </a:xfrm>
           <a:prstGeom prst="straightConnector1">
@@ -3536,13 +3536,13 @@
       </p:cxnSp>
       <p:cxnSp>
         <p:nvCxnSpPr>
-          <p:cNvPr id="175" name="Straight Arrow Connector 174"/>
+          <p:cNvPr id="70" name="Straight Arrow Connector 69"/>
           <p:cNvCxnSpPr/>
           <p:nvPr/>
         </p:nvCxnSpPr>
         <p:spPr>
           <a:xfrm>
-            <a:off x="5410200" y="647397"/>
+            <a:off x="5334000" y="647397"/>
             <a:ext cx="0" cy="457198"/>
           </a:xfrm>
           <a:prstGeom prst="straightConnector1">
@@ -3574,13 +3574,13 @@
       </p:cxnSp>
       <p:cxnSp>
         <p:nvCxnSpPr>
-          <p:cNvPr id="176" name="Straight Arrow Connector 175"/>
+          <p:cNvPr id="71" name="Straight Arrow Connector 70"/>
           <p:cNvCxnSpPr/>
           <p:nvPr/>
         </p:nvCxnSpPr>
         <p:spPr>
           <a:xfrm flipV="1">
-            <a:off x="7010400" y="647397"/>
+            <a:off x="6934200" y="647397"/>
             <a:ext cx="0" cy="462186"/>
           </a:xfrm>
           <a:prstGeom prst="straightConnector1">
@@ -3612,17 +3612,17 @@
       </p:cxnSp>
       <p:cxnSp>
         <p:nvCxnSpPr>
-          <p:cNvPr id="177" name="Straight Arrow Connector 176"/>
+          <p:cNvPr id="72" name="Straight Arrow Connector 71"/>
           <p:cNvCxnSpPr>
-            <a:stCxn id="185" idx="1"/>
-            <a:endCxn id="170" idx="3"/>
+            <a:stCxn id="79" idx="1"/>
+            <a:endCxn id="65" idx="3"/>
           </p:cNvCxnSpPr>
           <p:nvPr/>
         </p:nvCxnSpPr>
         <p:spPr>
           <a:xfrm flipH="1">
-            <a:off x="2590800" y="1984457"/>
-            <a:ext cx="706540" cy="712"/>
+            <a:off x="2362200" y="1984457"/>
+            <a:ext cx="858940" cy="712"/>
           </a:xfrm>
           <a:prstGeom prst="straightConnector1">
             <a:avLst/>
@@ -3653,13 +3653,13 @@
       </p:cxnSp>
       <p:sp>
         <p:nvSpPr>
-          <p:cNvPr id="178" name="Smiley Face 177"/>
+          <p:cNvPr id="73" name="Smiley Face 72"/>
           <p:cNvSpPr/>
           <p:nvPr/>
         </p:nvSpPr>
         <p:spPr>
           <a:xfrm>
-            <a:off x="533400" y="1769745"/>
+            <a:off x="304800" y="1769745"/>
             <a:ext cx="381000" cy="429425"/>
           </a:xfrm>
           <a:prstGeom prst="smileyFace">
@@ -3693,57 +3693,16 @@
       </p:sp>
       <p:cxnSp>
         <p:nvCxnSpPr>
-          <p:cNvPr id="179" name="Elbow Connector 178"/>
-          <p:cNvCxnSpPr/>
-          <p:nvPr/>
-        </p:nvCxnSpPr>
-        <p:spPr>
-          <a:xfrm flipV="1">
-            <a:off x="1905000" y="647397"/>
-            <a:ext cx="6172200" cy="3814272"/>
-          </a:xfrm>
-          <a:prstGeom prst="bentConnector3">
-            <a:avLst>
-              <a:gd name="adj1" fmla="val 99983"/>
-            </a:avLst>
-          </a:prstGeom>
-          <a:ln w="38100">
-            <a:solidFill>
-              <a:schemeClr val="accent2">
-                <a:lumMod val="75000"/>
-              </a:schemeClr>
-            </a:solidFill>
-            <a:prstDash val="sysDot"/>
-            <a:tailEnd type="arrow"/>
-          </a:ln>
-        </p:spPr>
-        <p:style>
-          <a:lnRef idx="1">
-            <a:schemeClr val="accent1"/>
-          </a:lnRef>
-          <a:fillRef idx="0">
-            <a:schemeClr val="accent1"/>
-          </a:fillRef>
-          <a:effectRef idx="0">
-            <a:schemeClr val="accent1"/>
-          </a:effectRef>
-          <a:fontRef idx="minor">
-            <a:schemeClr val="tx1"/>
-          </a:fontRef>
-        </p:style>
-      </p:cxnSp>
-      <p:cxnSp>
-        <p:nvCxnSpPr>
-          <p:cNvPr id="180" name="Straight Arrow Connector 179"/>
+          <p:cNvPr id="74" name="Straight Arrow Connector 73"/>
           <p:cNvCxnSpPr>
-            <a:stCxn id="178" idx="6"/>
-            <a:endCxn id="170" idx="1"/>
+            <a:stCxn id="73" idx="6"/>
+            <a:endCxn id="65" idx="1"/>
           </p:cNvCxnSpPr>
           <p:nvPr/>
         </p:nvCxnSpPr>
         <p:spPr>
           <a:xfrm>
-            <a:off x="914400" y="1984458"/>
+            <a:off x="685800" y="1984458"/>
             <a:ext cx="533400" cy="711"/>
           </a:xfrm>
           <a:prstGeom prst="straightConnector1">
@@ -3777,13 +3736,13 @@
       </p:cxnSp>
       <p:sp>
         <p:nvSpPr>
-          <p:cNvPr id="181" name="TextBox 180"/>
+          <p:cNvPr id="75" name="TextBox 74"/>
           <p:cNvSpPr txBox="1"/>
           <p:nvPr/>
         </p:nvSpPr>
         <p:spPr>
           <a:xfrm>
-            <a:off x="1550170" y="1769744"/>
+            <a:off x="1321570" y="1769744"/>
             <a:ext cx="964429" cy="864015"/>
           </a:xfrm>
           <a:prstGeom prst="rect">
@@ -3900,13 +3859,13 @@
       </p:sp>
       <p:sp>
         <p:nvSpPr>
-          <p:cNvPr id="182" name="TextBox 181"/>
+          <p:cNvPr id="76" name="TextBox 75"/>
           <p:cNvSpPr txBox="1"/>
           <p:nvPr/>
         </p:nvSpPr>
         <p:spPr>
           <a:xfrm>
-            <a:off x="483371" y="3780320"/>
+            <a:off x="407171" y="3780320"/>
             <a:ext cx="1319257" cy="533400"/>
           </a:xfrm>
           <a:prstGeom prst="rect">
@@ -4047,13 +4006,13 @@
       </p:sp>
       <p:sp>
         <p:nvSpPr>
-          <p:cNvPr id="183" name="TextBox 182"/>
+          <p:cNvPr id="77" name="TextBox 76"/>
           <p:cNvSpPr txBox="1"/>
           <p:nvPr/>
         </p:nvSpPr>
         <p:spPr>
           <a:xfrm>
-            <a:off x="4953000" y="2480469"/>
+            <a:off x="4876800" y="2480469"/>
             <a:ext cx="888228" cy="533400"/>
           </a:xfrm>
           <a:prstGeom prst="rect">
@@ -4170,13 +4129,13 @@
       </p:sp>
       <p:sp>
         <p:nvSpPr>
-          <p:cNvPr id="184" name="TextBox 183"/>
+          <p:cNvPr id="78" name="TextBox 77"/>
           <p:cNvSpPr txBox="1"/>
           <p:nvPr/>
         </p:nvSpPr>
         <p:spPr>
           <a:xfrm>
-            <a:off x="2868003" y="3504539"/>
+            <a:off x="2791803" y="3504539"/>
             <a:ext cx="1319257" cy="457200"/>
           </a:xfrm>
           <a:prstGeom prst="rect">
@@ -4316,13 +4275,13 @@
       </p:sp>
       <p:sp>
         <p:nvSpPr>
-          <p:cNvPr id="185" name="Rounded Rectangle 184"/>
+          <p:cNvPr id="79" name="Rounded Rectangle 78"/>
           <p:cNvSpPr/>
           <p:nvPr/>
         </p:nvSpPr>
         <p:spPr>
           <a:xfrm>
-            <a:off x="3297340" y="1108157"/>
+            <a:off x="3221140" y="1108157"/>
             <a:ext cx="969859" cy="1752600"/>
           </a:xfrm>
           <a:prstGeom prst="roundRect">
@@ -4376,13 +4335,13 @@
       </p:sp>
       <p:sp>
         <p:nvSpPr>
-          <p:cNvPr id="186" name="TextBox 185"/>
+          <p:cNvPr id="80" name="TextBox 79"/>
           <p:cNvSpPr txBox="1"/>
           <p:nvPr/>
         </p:nvSpPr>
         <p:spPr>
           <a:xfrm>
-            <a:off x="3297341" y="1569987"/>
+            <a:off x="3221141" y="1569987"/>
             <a:ext cx="889919" cy="1066800"/>
           </a:xfrm>
           <a:prstGeom prst="rect">
@@ -4507,13 +4466,13 @@
       </p:sp>
       <p:sp>
         <p:nvSpPr>
-          <p:cNvPr id="187" name="TextBox 186"/>
+          <p:cNvPr id="81" name="TextBox 80"/>
           <p:cNvSpPr txBox="1"/>
           <p:nvPr/>
         </p:nvSpPr>
         <p:spPr>
           <a:xfrm>
-            <a:off x="2590800" y="1718469"/>
+            <a:off x="2438400" y="1718469"/>
             <a:ext cx="659628" cy="457200"/>
           </a:xfrm>
           <a:prstGeom prst="rect">
@@ -4630,13 +4589,13 @@
       </p:sp>
       <p:cxnSp>
         <p:nvCxnSpPr>
-          <p:cNvPr id="188" name="Straight Arrow Connector 187"/>
+          <p:cNvPr id="82" name="Straight Arrow Connector 81"/>
           <p:cNvCxnSpPr/>
           <p:nvPr/>
         </p:nvCxnSpPr>
         <p:spPr>
           <a:xfrm flipH="1">
-            <a:off x="4267199" y="2023269"/>
+            <a:off x="4190999" y="2023269"/>
             <a:ext cx="533401" cy="0"/>
           </a:xfrm>
           <a:prstGeom prst="straightConnector1">
@@ -4668,15 +4627,13 @@
       </p:cxnSp>
       <p:cxnSp>
         <p:nvCxnSpPr>
-          <p:cNvPr id="189" name="Elbow Connector 188"/>
-          <p:cNvCxnSpPr>
-            <a:stCxn id="167" idx="0"/>
-          </p:cNvCxnSpPr>
+          <p:cNvPr id="83" name="Elbow Connector 82"/>
+          <p:cNvCxnSpPr/>
           <p:nvPr/>
         </p:nvCxnSpPr>
         <p:spPr>
           <a:xfrm rot="5400000" flipH="1" flipV="1">
-            <a:off x="952500" y="2747169"/>
+            <a:off x="723900" y="2747169"/>
             <a:ext cx="685800" cy="304800"/>
           </a:xfrm>
           <a:prstGeom prst="bentConnector3">
@@ -4711,13 +4668,13 @@
       </p:cxnSp>
       <p:sp>
         <p:nvSpPr>
-          <p:cNvPr id="190" name="TextBox 189"/>
+          <p:cNvPr id="84" name="TextBox 83"/>
           <p:cNvSpPr txBox="1"/>
           <p:nvPr/>
         </p:nvSpPr>
         <p:spPr>
           <a:xfrm>
-            <a:off x="6604386" y="1908969"/>
+            <a:off x="6528186" y="1908969"/>
             <a:ext cx="888228" cy="533400"/>
           </a:xfrm>
           <a:prstGeom prst="rect">
@@ -4834,13 +4791,13 @@
       </p:sp>
       <p:sp>
         <p:nvSpPr>
-          <p:cNvPr id="191" name="Flowchart: Direct Access Storage 190"/>
+          <p:cNvPr id="85" name="Flowchart: Direct Access Storage 84"/>
           <p:cNvSpPr/>
           <p:nvPr/>
         </p:nvSpPr>
         <p:spPr>
           <a:xfrm rot="16200000">
-            <a:off x="6608037" y="3187634"/>
+            <a:off x="6531837" y="3187634"/>
             <a:ext cx="905944" cy="1015615"/>
           </a:xfrm>
           <a:prstGeom prst="flowChartMagneticDrum">
@@ -4881,12 +4838,8 @@
           <a:p>
             <a:pPr algn="ctr"/>
             <a:r>
-              <a:rPr lang="en-US" sz="1600" b="1" dirty="0" smtClean="0"/>
-              <a:t>App Engine </a:t>
-            </a:r>
-            <a:r>
-              <a:rPr lang="en-US" sz="1600" b="1" dirty="0" err="1" smtClean="0"/>
-              <a:t>Datastore</a:t>
+              <a:rPr lang="en-US" sz="1600" b="1" smtClean="0"/>
+              <a:t>GAE Datastore</a:t>
             </a:r>
             <a:endParaRPr lang="en-SG" sz="1600" b="1" dirty="0"/>
           </a:p>
@@ -4894,13 +4847,13 @@
       </p:sp>
       <p:cxnSp>
         <p:nvCxnSpPr>
-          <p:cNvPr id="192" name="Straight Arrow Connector 191"/>
+          <p:cNvPr id="86" name="Straight Arrow Connector 85"/>
           <p:cNvCxnSpPr/>
           <p:nvPr/>
         </p:nvCxnSpPr>
         <p:spPr>
           <a:xfrm flipV="1">
-            <a:off x="7048500" y="2899569"/>
+            <a:off x="6972300" y="2899569"/>
             <a:ext cx="0" cy="462186"/>
           </a:xfrm>
           <a:prstGeom prst="straightConnector1">
@@ -4932,13 +4885,13 @@
       </p:cxnSp>
       <p:sp>
         <p:nvSpPr>
-          <p:cNvPr id="193" name="TextBox 192"/>
+          <p:cNvPr id="87" name="TextBox 86"/>
           <p:cNvSpPr txBox="1"/>
           <p:nvPr/>
         </p:nvSpPr>
         <p:spPr>
           <a:xfrm>
-            <a:off x="7036572" y="2899213"/>
+            <a:off x="6525582" y="2899213"/>
             <a:ext cx="888228" cy="419456"/>
           </a:xfrm>
           <a:prstGeom prst="rect">
@@ -5055,14 +5008,14 @@
       </p:sp>
       <p:sp>
         <p:nvSpPr>
-          <p:cNvPr id="194" name="Rounded Rectangle 126"/>
+          <p:cNvPr id="88" name="Rounded Rectangle 126"/>
           <p:cNvSpPr/>
           <p:nvPr/>
         </p:nvSpPr>
         <p:spPr>
           <a:xfrm>
-            <a:off x="2819399" y="4615849"/>
-            <a:ext cx="5867400" cy="684020"/>
+            <a:off x="2779059" y="4080669"/>
+            <a:ext cx="5145741" cy="684020"/>
           </a:xfrm>
           <a:custGeom>
             <a:avLst/>
@@ -5192,14 +5145,14 @@
       </p:sp>
       <p:sp>
         <p:nvSpPr>
-          <p:cNvPr id="195" name="TextBox 194"/>
+          <p:cNvPr id="89" name="TextBox 88"/>
           <p:cNvSpPr txBox="1"/>
           <p:nvPr/>
         </p:nvSpPr>
         <p:spPr>
           <a:xfrm>
-            <a:off x="5011039" y="4995069"/>
-            <a:ext cx="2304161" cy="227111"/>
+            <a:off x="4267200" y="4459889"/>
+            <a:ext cx="2438400" cy="227111"/>
           </a:xfrm>
           <a:prstGeom prst="rect">
             <a:avLst/>
@@ -5303,7 +5256,11 @@
           <a:p>
             <a:r>
               <a:rPr lang="en-US" dirty="0"/>
-              <a:t>Google App Engine</a:t>
+              <a:t>Google App </a:t>
+            </a:r>
+            <a:r>
+              <a:rPr lang="en-US" dirty="0" smtClean="0"/>
+              <a:t>Engine (GAE)</a:t>
             </a:r>
             <a:endParaRPr lang="en-SG" dirty="0"/>
           </a:p>
@@ -5312,7 +5269,7 @@
     </p:spTree>
     <p:extLst>
       <p:ext uri="{BB962C8B-B14F-4D97-AF65-F5344CB8AC3E}">
-        <p14:creationId xmlns:p14="http://schemas.microsoft.com/office/powerpoint/2010/main" val="2312643091"/>
+        <p14:creationId xmlns:p14="http://schemas.microsoft.com/office/powerpoint/2010/main" xmlns="" val="2312643091"/>
       </p:ext>
     </p:extLst>
   </p:cSld>

--- a/doc/diagrams/highlevelArchitecture.pptx
+++ b/doc/diagrams/highlevelArchitecture.pptx
@@ -289,7 +289,7 @@
             <a:fld id="{1D8BD707-D9CF-40AE-B4C6-C98DA3205C09}" type="datetimeFigureOut">
               <a:rPr lang="en-US" smtClean="0"/>
               <a:pPr/>
-              <a:t>7/8/2012</a:t>
+              <a:t>12/9/2012</a:t>
             </a:fld>
             <a:endParaRPr lang="en-US"/>
           </a:p>
@@ -456,7 +456,7 @@
             <a:fld id="{1D8BD707-D9CF-40AE-B4C6-C98DA3205C09}" type="datetimeFigureOut">
               <a:rPr lang="en-US" smtClean="0"/>
               <a:pPr/>
-              <a:t>7/8/2012</a:t>
+              <a:t>12/9/2012</a:t>
             </a:fld>
             <a:endParaRPr lang="en-US"/>
           </a:p>
@@ -633,7 +633,7 @@
             <a:fld id="{1D8BD707-D9CF-40AE-B4C6-C98DA3205C09}" type="datetimeFigureOut">
               <a:rPr lang="en-US" smtClean="0"/>
               <a:pPr/>
-              <a:t>7/8/2012</a:t>
+              <a:t>12/9/2012</a:t>
             </a:fld>
             <a:endParaRPr lang="en-US"/>
           </a:p>
@@ -800,7 +800,7 @@
             <a:fld id="{1D8BD707-D9CF-40AE-B4C6-C98DA3205C09}" type="datetimeFigureOut">
               <a:rPr lang="en-US" smtClean="0"/>
               <a:pPr/>
-              <a:t>7/8/2012</a:t>
+              <a:t>12/9/2012</a:t>
             </a:fld>
             <a:endParaRPr lang="en-US"/>
           </a:p>
@@ -1043,7 +1043,7 @@
             <a:fld id="{1D8BD707-D9CF-40AE-B4C6-C98DA3205C09}" type="datetimeFigureOut">
               <a:rPr lang="en-US" smtClean="0"/>
               <a:pPr/>
-              <a:t>7/8/2012</a:t>
+              <a:t>12/9/2012</a:t>
             </a:fld>
             <a:endParaRPr lang="en-US"/>
           </a:p>
@@ -1328,7 +1328,7 @@
             <a:fld id="{1D8BD707-D9CF-40AE-B4C6-C98DA3205C09}" type="datetimeFigureOut">
               <a:rPr lang="en-US" smtClean="0"/>
               <a:pPr/>
-              <a:t>7/8/2012</a:t>
+              <a:t>12/9/2012</a:t>
             </a:fld>
             <a:endParaRPr lang="en-US"/>
           </a:p>
@@ -1747,7 +1747,7 @@
             <a:fld id="{1D8BD707-D9CF-40AE-B4C6-C98DA3205C09}" type="datetimeFigureOut">
               <a:rPr lang="en-US" smtClean="0"/>
               <a:pPr/>
-              <a:t>7/8/2012</a:t>
+              <a:t>12/9/2012</a:t>
             </a:fld>
             <a:endParaRPr lang="en-US"/>
           </a:p>
@@ -1862,7 +1862,7 @@
             <a:fld id="{1D8BD707-D9CF-40AE-B4C6-C98DA3205C09}" type="datetimeFigureOut">
               <a:rPr lang="en-US" smtClean="0"/>
               <a:pPr/>
-              <a:t>7/8/2012</a:t>
+              <a:t>12/9/2012</a:t>
             </a:fld>
             <a:endParaRPr lang="en-US"/>
           </a:p>
@@ -1954,7 +1954,7 @@
             <a:fld id="{1D8BD707-D9CF-40AE-B4C6-C98DA3205C09}" type="datetimeFigureOut">
               <a:rPr lang="en-US" smtClean="0"/>
               <a:pPr/>
-              <a:t>7/8/2012</a:t>
+              <a:t>12/9/2012</a:t>
             </a:fld>
             <a:endParaRPr lang="en-US"/>
           </a:p>
@@ -2228,7 +2228,7 @@
             <a:fld id="{1D8BD707-D9CF-40AE-B4C6-C98DA3205C09}" type="datetimeFigureOut">
               <a:rPr lang="en-US" smtClean="0"/>
               <a:pPr/>
-              <a:t>7/8/2012</a:t>
+              <a:t>12/9/2012</a:t>
             </a:fld>
             <a:endParaRPr lang="en-US"/>
           </a:p>
@@ -2478,7 +2478,7 @@
             <a:fld id="{1D8BD707-D9CF-40AE-B4C6-C98DA3205C09}" type="datetimeFigureOut">
               <a:rPr lang="en-US" smtClean="0"/>
               <a:pPr/>
-              <a:t>7/8/2012</a:t>
+              <a:t>12/9/2012</a:t>
             </a:fld>
             <a:endParaRPr lang="en-US"/>
           </a:p>
@@ -2688,7 +2688,7 @@
             <a:fld id="{1D8BD707-D9CF-40AE-B4C6-C98DA3205C09}" type="datetimeFigureOut">
               <a:rPr lang="en-US" smtClean="0"/>
               <a:pPr/>
-              <a:t>7/8/2012</a:t>
+              <a:t>12/9/2012</a:t>
             </a:fld>
             <a:endParaRPr lang="en-US"/>
           </a:p>
@@ -3061,14 +3061,14 @@
       </p:grpSpPr>
       <p:sp>
         <p:nvSpPr>
-          <p:cNvPr id="61" name="Rounded Rectangle 60"/>
+          <p:cNvPr id="32" name="Rounded Rectangle 31"/>
           <p:cNvSpPr/>
           <p:nvPr/>
         </p:nvSpPr>
         <p:spPr>
           <a:xfrm>
-            <a:off x="3048000" y="118269"/>
-            <a:ext cx="4648200" cy="4419600"/>
+            <a:off x="76200" y="61119"/>
+            <a:ext cx="2438400" cy="4703570"/>
           </a:xfrm>
           <a:prstGeom prst="roundRect">
             <a:avLst>
@@ -3076,12 +3076,74 @@
             </a:avLst>
           </a:prstGeom>
           <a:solidFill>
-            <a:schemeClr val="bg1">
-              <a:lumMod val="85000"/>
+            <a:schemeClr val="accent3">
+              <a:lumMod val="20000"/>
+              <a:lumOff val="80000"/>
             </a:schemeClr>
           </a:solidFill>
           <a:ln>
-            <a:noFill/>
+            <a:solidFill>
+              <a:schemeClr val="accent3">
+                <a:lumMod val="20000"/>
+                <a:lumOff val="80000"/>
+              </a:schemeClr>
+            </a:solidFill>
+          </a:ln>
+        </p:spPr>
+        <p:style>
+          <a:lnRef idx="2">
+            <a:schemeClr val="accent1">
+              <a:shade val="50000"/>
+            </a:schemeClr>
+          </a:lnRef>
+          <a:fillRef idx="1">
+            <a:schemeClr val="accent1"/>
+          </a:fillRef>
+          <a:effectRef idx="0">
+            <a:schemeClr val="accent1"/>
+          </a:effectRef>
+          <a:fontRef idx="minor">
+            <a:schemeClr val="lt1"/>
+          </a:fontRef>
+        </p:style>
+        <p:txBody>
+          <a:bodyPr rtlCol="0" anchor="ctr"/>
+          <a:lstStyle/>
+          <a:p>
+            <a:pPr algn="ctr"/>
+            <a:endParaRPr lang="en-SG"/>
+          </a:p>
+        </p:txBody>
+      </p:sp>
+      <p:sp>
+        <p:nvSpPr>
+          <p:cNvPr id="61" name="Rounded Rectangle 60"/>
+          <p:cNvSpPr/>
+          <p:nvPr/>
+        </p:nvSpPr>
+        <p:spPr>
+          <a:xfrm>
+            <a:off x="3505200" y="61119"/>
+            <a:ext cx="4602178" cy="4476750"/>
+          </a:xfrm>
+          <a:prstGeom prst="roundRect">
+            <a:avLst>
+              <a:gd name="adj" fmla="val 3209"/>
+            </a:avLst>
+          </a:prstGeom>
+          <a:solidFill>
+            <a:schemeClr val="accent6">
+              <a:lumMod val="20000"/>
+              <a:lumOff val="80000"/>
+            </a:schemeClr>
+          </a:solidFill>
+          <a:ln>
+            <a:solidFill>
+              <a:schemeClr val="accent6">
+                <a:lumMod val="20000"/>
+                <a:lumOff val="80000"/>
+              </a:schemeClr>
+            </a:solidFill>
           </a:ln>
         </p:spPr>
         <p:style>
@@ -3133,10 +3195,7 @@
           </a:solidFill>
           <a:ln>
             <a:solidFill>
-              <a:schemeClr val="accent2">
-                <a:lumMod val="60000"/>
-                <a:lumOff val="40000"/>
-              </a:schemeClr>
+              <a:schemeClr val="accent2"/>
             </a:solidFill>
           </a:ln>
         </p:spPr>
@@ -3189,7 +3248,7 @@
         </p:nvSpPr>
         <p:spPr>
           <a:xfrm>
-            <a:off x="4724400" y="1109583"/>
+            <a:off x="5178182" y="1109583"/>
             <a:ext cx="1219200" cy="3038832"/>
           </a:xfrm>
           <a:prstGeom prst="roundRect">
@@ -3205,10 +3264,7 @@
           </a:solidFill>
           <a:ln>
             <a:solidFill>
-              <a:schemeClr val="accent4">
-                <a:lumMod val="60000"/>
-                <a:lumOff val="40000"/>
-              </a:schemeClr>
+              <a:schemeClr val="accent4"/>
             </a:solidFill>
           </a:ln>
         </p:spPr>
@@ -3234,10 +3290,18 @@
           <a:p>
             <a:pPr algn="ctr"/>
             <a:r>
-              <a:rPr lang="en-US" sz="1600" b="1" dirty="0" smtClean="0"/>
+              <a:rPr lang="en-US" sz="1600" b="1" dirty="0" smtClean="0">
+                <a:solidFill>
+                  <a:schemeClr val="accent4"/>
+                </a:solidFill>
+              </a:rPr>
               <a:t>Logic</a:t>
             </a:r>
-            <a:endParaRPr lang="en-SG" sz="1600" b="1" dirty="0"/>
+            <a:endParaRPr lang="en-SG" sz="1600" b="1" dirty="0">
+              <a:solidFill>
+                <a:schemeClr val="accent4"/>
+              </a:solidFill>
+            </a:endParaRPr>
           </a:p>
         </p:txBody>
       </p:sp>
@@ -3249,7 +3313,7 @@
         </p:nvSpPr>
         <p:spPr>
           <a:xfrm>
-            <a:off x="6400800" y="1109582"/>
+            <a:off x="6854582" y="1109582"/>
             <a:ext cx="1143000" cy="1789987"/>
           </a:xfrm>
           <a:prstGeom prst="roundRect">
@@ -3266,8 +3330,7 @@
           <a:ln>
             <a:solidFill>
               <a:schemeClr val="accent3">
-                <a:lumMod val="60000"/>
-                <a:lumOff val="40000"/>
+                <a:lumMod val="75000"/>
               </a:schemeClr>
             </a:solidFill>
           </a:ln>
@@ -3294,10 +3357,22 @@
           <a:p>
             <a:pPr algn="r"/>
             <a:r>
-              <a:rPr lang="en-US" sz="1600" b="1" dirty="0" smtClean="0"/>
+              <a:rPr lang="en-US" sz="1600" b="1" dirty="0" smtClean="0">
+                <a:solidFill>
+                  <a:schemeClr val="accent3">
+                    <a:lumMod val="75000"/>
+                  </a:schemeClr>
+                </a:solidFill>
+              </a:rPr>
               <a:t>Storage</a:t>
             </a:r>
-            <a:endParaRPr lang="en-SG" sz="1600" b="1" dirty="0"/>
+            <a:endParaRPr lang="en-SG" sz="1600" b="1" dirty="0">
+              <a:solidFill>
+                <a:schemeClr val="accent3">
+                  <a:lumMod val="75000"/>
+                </a:schemeClr>
+              </a:solidFill>
+            </a:endParaRPr>
           </a:p>
         </p:txBody>
       </p:sp>
@@ -3325,10 +3400,7 @@
           </a:solidFill>
           <a:ln>
             <a:solidFill>
-              <a:schemeClr val="accent1">
-                <a:lumMod val="60000"/>
-                <a:lumOff val="40000"/>
-              </a:schemeClr>
+              <a:schemeClr val="accent1"/>
             </a:solidFill>
           </a:ln>
         </p:spPr>
@@ -3354,10 +3426,18 @@
           <a:p>
             <a:pPr algn="ctr"/>
             <a:r>
-              <a:rPr lang="en-US" sz="1600" b="1" dirty="0" smtClean="0"/>
+              <a:rPr lang="en-US" sz="1600" b="1" dirty="0" smtClean="0">
+                <a:solidFill>
+                  <a:schemeClr val="accent1"/>
+                </a:solidFill>
+              </a:rPr>
               <a:t>UI (browser)</a:t>
             </a:r>
-            <a:endParaRPr lang="en-SG" sz="1600" b="1" dirty="0"/>
+            <a:endParaRPr lang="en-SG" sz="1600" b="1" dirty="0">
+              <a:solidFill>
+                <a:schemeClr val="accent1"/>
+              </a:solidFill>
+            </a:endParaRPr>
           </a:p>
         </p:txBody>
       </p:sp>
@@ -3369,7 +3449,7 @@
         </p:nvSpPr>
         <p:spPr>
           <a:xfrm>
-            <a:off x="3174228" y="194469"/>
+            <a:off x="3628010" y="194469"/>
             <a:ext cx="4369572" cy="457200"/>
           </a:xfrm>
           <a:prstGeom prst="roundRect">
@@ -3385,10 +3465,7 @@
           </a:solidFill>
           <a:ln>
             <a:solidFill>
-              <a:schemeClr val="accent5">
-                <a:lumMod val="60000"/>
-                <a:lumOff val="40000"/>
-              </a:schemeClr>
+              <a:schemeClr val="accent5"/>
             </a:solidFill>
           </a:ln>
         </p:spPr>
@@ -3413,10 +3490,18 @@
           <a:lstStyle/>
           <a:p>
             <a:r>
-              <a:rPr lang="en-US" sz="1600" b="1" dirty="0" smtClean="0"/>
+              <a:rPr lang="en-US" sz="1600" b="1" dirty="0" smtClean="0">
+                <a:solidFill>
+                  <a:schemeClr val="accent5"/>
+                </a:solidFill>
+              </a:rPr>
               <a:t>Common</a:t>
             </a:r>
-            <a:endParaRPr lang="en-SG" sz="1600" b="1" dirty="0"/>
+            <a:endParaRPr lang="en-SG" sz="1600" b="1" dirty="0">
+              <a:solidFill>
+                <a:schemeClr val="accent5"/>
+              </a:solidFill>
+            </a:endParaRPr>
           </a:p>
         </p:txBody>
       </p:sp>
@@ -3428,7 +3513,7 @@
         </p:nvCxnSpPr>
         <p:spPr>
           <a:xfrm>
-            <a:off x="5943600" y="2103387"/>
+            <a:off x="6397382" y="2103387"/>
             <a:ext cx="457200" cy="0"/>
           </a:xfrm>
           <a:prstGeom prst="straightConnector1">
@@ -3439,7 +3524,8 @@
               <a:srgbClr val="7030A0"/>
             </a:solidFill>
             <a:prstDash val="sysDot"/>
-            <a:tailEnd type="arrow"/>
+            <a:headEnd type="none" w="med" len="med"/>
+            <a:tailEnd type="triangle" w="med" len="med"/>
           </a:ln>
         </p:spPr>
         <p:style>
@@ -3466,7 +3552,7 @@
         <p:spPr>
           <a:xfrm>
             <a:off x="1828800" y="3780320"/>
-            <a:ext cx="2895600" cy="0"/>
+            <a:ext cx="3349382" cy="0"/>
           </a:xfrm>
           <a:prstGeom prst="straightConnector1">
             <a:avLst/>
@@ -3478,7 +3564,8 @@
               </a:schemeClr>
             </a:solidFill>
             <a:prstDash val="sysDot"/>
-            <a:tailEnd type="arrow"/>
+            <a:headEnd type="none" w="med" len="med"/>
+            <a:tailEnd type="triangle" w="med" len="med"/>
           </a:ln>
         </p:spPr>
         <p:style>
@@ -3504,7 +3591,7 @@
         </p:nvCxnSpPr>
         <p:spPr>
           <a:xfrm>
-            <a:off x="3733800" y="645260"/>
+            <a:off x="4187582" y="645260"/>
             <a:ext cx="0" cy="457198"/>
           </a:xfrm>
           <a:prstGeom prst="straightConnector1">
@@ -3515,7 +3602,7 @@
               <a:schemeClr val="accent1"/>
             </a:solidFill>
             <a:prstDash val="sysDot"/>
-            <a:headEnd type="arrow" w="med" len="med"/>
+            <a:headEnd type="triangle" w="med" len="med"/>
             <a:tailEnd type="none" w="med" len="med"/>
           </a:ln>
         </p:spPr>
@@ -3542,7 +3629,7 @@
         </p:nvCxnSpPr>
         <p:spPr>
           <a:xfrm>
-            <a:off x="5334000" y="647397"/>
+            <a:off x="5787782" y="647397"/>
             <a:ext cx="0" cy="457198"/>
           </a:xfrm>
           <a:prstGeom prst="straightConnector1">
@@ -3553,7 +3640,7 @@
               <a:srgbClr val="7030A0"/>
             </a:solidFill>
             <a:prstDash val="sysDot"/>
-            <a:headEnd type="arrow" w="med" len="med"/>
+            <a:headEnd type="triangle" w="med" len="med"/>
             <a:tailEnd type="none" w="med" len="med"/>
           </a:ln>
         </p:spPr>
@@ -3580,7 +3667,7 @@
         </p:nvCxnSpPr>
         <p:spPr>
           <a:xfrm flipV="1">
-            <a:off x="6934200" y="647397"/>
+            <a:off x="7387982" y="647397"/>
             <a:ext cx="0" cy="462186"/>
           </a:xfrm>
           <a:prstGeom prst="straightConnector1">
@@ -3588,11 +3675,13 @@
           </a:prstGeom>
           <a:ln w="38100">
             <a:solidFill>
-              <a:srgbClr val="00B050"/>
+              <a:schemeClr val="accent3">
+                <a:lumMod val="75000"/>
+              </a:schemeClr>
             </a:solidFill>
             <a:prstDash val="sysDot"/>
-            <a:headEnd type="arrow" w="med" len="med"/>
-            <a:tailEnd type="arrow" w="med" len="med"/>
+            <a:headEnd type="triangle" w="med" len="med"/>
+            <a:tailEnd type="triangle" w="med" len="med"/>
           </a:ln>
         </p:spPr>
         <p:style>
@@ -3622,7 +3711,7 @@
         <p:spPr>
           <a:xfrm flipH="1">
             <a:off x="2362200" y="1984457"/>
-            <a:ext cx="858940" cy="712"/>
+            <a:ext cx="1312722" cy="712"/>
           </a:xfrm>
           <a:prstGeom prst="straightConnector1">
             <a:avLst/>
@@ -3632,7 +3721,7 @@
               <a:schemeClr val="accent1"/>
             </a:solidFill>
             <a:prstDash val="sysDot"/>
-            <a:headEnd type="arrow" w="med" len="med"/>
+            <a:headEnd type="triangle" w="med" len="med"/>
             <a:tailEnd type="none" w="med" len="med"/>
           </a:ln>
         </p:spPr>
@@ -3659,8 +3748,8 @@
         </p:nvSpPr>
         <p:spPr>
           <a:xfrm>
-            <a:off x="304800" y="1769745"/>
-            <a:ext cx="381000" cy="429425"/>
+            <a:off x="189414" y="1593131"/>
+            <a:ext cx="304800" cy="353225"/>
           </a:xfrm>
           <a:prstGeom prst="smileyFace">
             <a:avLst/>
@@ -3668,18 +3757,16 @@
         </p:spPr>
         <p:style>
           <a:lnRef idx="2">
-            <a:schemeClr val="accent6">
-              <a:shade val="50000"/>
-            </a:schemeClr>
+            <a:schemeClr val="dk1"/>
           </a:lnRef>
           <a:fillRef idx="1">
-            <a:schemeClr val="accent6"/>
+            <a:schemeClr val="lt1"/>
           </a:fillRef>
           <a:effectRef idx="0">
-            <a:schemeClr val="accent6"/>
+            <a:schemeClr val="dk1"/>
           </a:effectRef>
           <a:fontRef idx="minor">
-            <a:schemeClr val="lt1"/>
+            <a:schemeClr val="dk1"/>
           </a:fontRef>
         </p:style>
         <p:txBody>
@@ -3694,29 +3781,24 @@
       <p:cxnSp>
         <p:nvCxnSpPr>
           <p:cNvPr id="74" name="Straight Arrow Connector 73"/>
-          <p:cNvCxnSpPr>
-            <a:stCxn id="73" idx="6"/>
-            <a:endCxn id="65" idx="1"/>
-          </p:cNvCxnSpPr>
+          <p:cNvCxnSpPr/>
           <p:nvPr/>
         </p:nvCxnSpPr>
         <p:spPr>
-          <a:xfrm>
-            <a:off x="685800" y="1984458"/>
-            <a:ext cx="533400" cy="711"/>
+          <a:xfrm flipV="1">
+            <a:off x="533400" y="1750338"/>
+            <a:ext cx="609600" cy="19406"/>
           </a:xfrm>
           <a:prstGeom prst="straightConnector1">
             <a:avLst/>
           </a:prstGeom>
           <a:ln w="38100">
             <a:solidFill>
-              <a:schemeClr val="accent6">
-                <a:lumMod val="75000"/>
-              </a:schemeClr>
+              <a:schemeClr val="tx1"/>
             </a:solidFill>
             <a:prstDash val="sysDot"/>
-            <a:headEnd type="arrow" w="med" len="med"/>
-            <a:tailEnd type="arrow" w="med" len="med"/>
+            <a:headEnd type="triangle" w="med" len="med"/>
+            <a:tailEnd type="triangle" w="med" len="med"/>
           </a:ln>
         </p:spPr>
         <p:style>
@@ -3844,14 +3926,14 @@
             <a:r>
               <a:rPr lang="en-US" dirty="0" smtClean="0">
                 <a:solidFill>
-                  <a:schemeClr val="tx1"/>
+                  <a:schemeClr val="bg1"/>
                 </a:solidFill>
               </a:rPr>
               <a:t>HTML, CSS, JavaScript</a:t>
             </a:r>
             <a:endParaRPr lang="en-SG" dirty="0">
               <a:solidFill>
-                <a:schemeClr val="tx1"/>
+                <a:schemeClr val="bg1"/>
               </a:solidFill>
             </a:endParaRPr>
           </a:p>
@@ -3967,7 +4049,7 @@
             <a:r>
               <a:rPr lang="en-US" dirty="0" err="1" smtClean="0">
                 <a:solidFill>
-                  <a:schemeClr val="tx1"/>
+                  <a:schemeClr val="bg1"/>
                 </a:solidFill>
               </a:rPr>
               <a:t>JUnit</a:t>
@@ -3975,7 +4057,7 @@
             <a:r>
               <a:rPr lang="en-US" dirty="0" smtClean="0">
                 <a:solidFill>
-                  <a:schemeClr val="tx1"/>
+                  <a:schemeClr val="bg1"/>
                 </a:solidFill>
               </a:rPr>
               <a:t>, </a:t>
@@ -3983,7 +4065,7 @@
             <a:r>
               <a:rPr lang="en-US" dirty="0" err="1" smtClean="0">
                 <a:solidFill>
-                  <a:schemeClr val="tx1"/>
+                  <a:schemeClr val="bg1"/>
                 </a:solidFill>
               </a:rPr>
               <a:t>Qunit</a:t>
@@ -3991,14 +4073,14 @@
             <a:r>
               <a:rPr lang="en-US" dirty="0" smtClean="0">
                 <a:solidFill>
-                  <a:schemeClr val="tx1"/>
+                  <a:schemeClr val="bg1"/>
                 </a:solidFill>
               </a:rPr>
               <a:t>, Selenium</a:t>
             </a:r>
             <a:endParaRPr lang="en-SG" dirty="0">
               <a:solidFill>
-                <a:schemeClr val="tx1"/>
+                <a:schemeClr val="bg1"/>
               </a:solidFill>
             </a:endParaRPr>
           </a:p>
@@ -4012,7 +4094,7 @@
         </p:nvSpPr>
         <p:spPr>
           <a:xfrm>
-            <a:off x="4876800" y="2480469"/>
+            <a:off x="5330582" y="2480469"/>
             <a:ext cx="888228" cy="533400"/>
           </a:xfrm>
           <a:prstGeom prst="rect">
@@ -4114,14 +4196,14 @@
             <a:r>
               <a:rPr lang="en-US" dirty="0" smtClean="0">
                 <a:solidFill>
-                  <a:schemeClr val="tx1"/>
+                  <a:schemeClr val="bg1"/>
                 </a:solidFill>
               </a:rPr>
               <a:t>Java, Servlets</a:t>
             </a:r>
             <a:endParaRPr lang="en-SG" dirty="0">
               <a:solidFill>
-                <a:schemeClr val="tx1"/>
+                <a:schemeClr val="bg1"/>
               </a:solidFill>
             </a:endParaRPr>
           </a:p>
@@ -4135,8 +4217,8 @@
         </p:nvSpPr>
         <p:spPr>
           <a:xfrm>
-            <a:off x="2791803" y="3504539"/>
-            <a:ext cx="1319257" cy="457200"/>
+            <a:off x="3554125" y="3490119"/>
+            <a:ext cx="1395457" cy="457200"/>
           </a:xfrm>
           <a:prstGeom prst="rect">
             <a:avLst/>
@@ -4235,39 +4317,22 @@
           <a:p>
             <a:pPr algn="ctr"/>
             <a:r>
-              <a:rPr lang="en-US" dirty="0" err="1" smtClean="0">
-                <a:solidFill>
-                  <a:schemeClr val="tx1"/>
+              <a:rPr lang="en-US" dirty="0" smtClean="0">
+                <a:solidFill>
+                  <a:schemeClr val="accent2">
+                    <a:lumMod val="40000"/>
+                    <a:lumOff val="60000"/>
+                  </a:schemeClr>
                 </a:solidFill>
               </a:rPr>
-              <a:t>Json</a:t>
-            </a:r>
-            <a:r>
-              <a:rPr lang="en-US" dirty="0" smtClean="0">
-                <a:solidFill>
-                  <a:schemeClr val="tx1"/>
-                </a:solidFill>
-              </a:rPr>
-              <a:t> </a:t>
-            </a:r>
-            <a:br>
-              <a:rPr lang="en-US" dirty="0" smtClean="0">
-                <a:solidFill>
-                  <a:schemeClr val="tx1"/>
-                </a:solidFill>
-              </a:rPr>
-            </a:br>
-            <a:r>
-              <a:rPr lang="en-US" dirty="0" smtClean="0">
-                <a:solidFill>
-                  <a:schemeClr val="tx1"/>
-                </a:solidFill>
-              </a:rPr>
-              <a:t>over HTTP</a:t>
+              <a:t>JSON over HTTP</a:t>
             </a:r>
             <a:endParaRPr lang="en-SG" dirty="0">
               <a:solidFill>
-                <a:schemeClr val="tx1"/>
+                <a:schemeClr val="accent2">
+                  <a:lumMod val="40000"/>
+                  <a:lumOff val="60000"/>
+                </a:schemeClr>
               </a:solidFill>
             </a:endParaRPr>
           </a:p>
@@ -4281,7 +4346,7 @@
         </p:nvSpPr>
         <p:spPr>
           <a:xfrm>
-            <a:off x="3221140" y="1108157"/>
+            <a:off x="3674922" y="1108157"/>
             <a:ext cx="969859" cy="1752600"/>
           </a:xfrm>
           <a:prstGeom prst="roundRect">
@@ -4297,10 +4362,7 @@
           </a:solidFill>
           <a:ln>
             <a:solidFill>
-              <a:schemeClr val="accent1">
-                <a:lumMod val="60000"/>
-                <a:lumOff val="40000"/>
-              </a:schemeClr>
+              <a:schemeClr val="accent1"/>
             </a:solidFill>
           </a:ln>
         </p:spPr>
@@ -4326,10 +4388,18 @@
           <a:p>
             <a:pPr algn="ctr"/>
             <a:r>
-              <a:rPr lang="en-US" sz="1600" b="1" dirty="0" smtClean="0"/>
+              <a:rPr lang="en-US" sz="1600" b="1" dirty="0" smtClean="0">
+                <a:solidFill>
+                  <a:schemeClr val="accent1"/>
+                </a:solidFill>
+              </a:rPr>
               <a:t>UI (server)</a:t>
             </a:r>
-            <a:endParaRPr lang="en-SG" sz="1600" b="1" dirty="0"/>
+            <a:endParaRPr lang="en-SG" sz="1600" b="1" dirty="0">
+              <a:solidFill>
+                <a:schemeClr val="accent1"/>
+              </a:solidFill>
+            </a:endParaRPr>
           </a:p>
         </p:txBody>
       </p:sp>
@@ -4341,7 +4411,7 @@
         </p:nvSpPr>
         <p:spPr>
           <a:xfrm>
-            <a:off x="3221141" y="1569987"/>
+            <a:off x="3674923" y="1569987"/>
             <a:ext cx="889919" cy="1066800"/>
           </a:xfrm>
           <a:prstGeom prst="rect">
@@ -4442,7 +4512,7 @@
             <a:pPr algn="ctr"/>
             <a:endParaRPr lang="en-US" dirty="0">
               <a:solidFill>
-                <a:schemeClr val="tx1"/>
+                <a:schemeClr val="bg1"/>
               </a:solidFill>
             </a:endParaRPr>
           </a:p>
@@ -4451,14 +4521,14 @@
             <a:r>
               <a:rPr lang="en-US" dirty="0" smtClean="0">
                 <a:solidFill>
-                  <a:schemeClr val="tx1"/>
+                  <a:schemeClr val="bg1"/>
                 </a:solidFill>
               </a:rPr>
               <a:t>JSP, Servlets </a:t>
             </a:r>
             <a:endParaRPr lang="en-SG" dirty="0">
               <a:solidFill>
-                <a:schemeClr val="tx1"/>
+                <a:schemeClr val="bg1"/>
               </a:solidFill>
             </a:endParaRPr>
           </a:p>
@@ -4472,7 +4542,7 @@
         </p:nvSpPr>
         <p:spPr>
           <a:xfrm>
-            <a:off x="2438400" y="1718469"/>
+            <a:off x="2693172" y="1432719"/>
             <a:ext cx="659628" cy="457200"/>
           </a:xfrm>
           <a:prstGeom prst="rect">
@@ -4574,14 +4644,20 @@
             <a:r>
               <a:rPr lang="en-US" dirty="0" smtClean="0">
                 <a:solidFill>
-                  <a:schemeClr val="tx1"/>
+                  <a:schemeClr val="accent1">
+                    <a:lumMod val="40000"/>
+                    <a:lumOff val="60000"/>
+                  </a:schemeClr>
                 </a:solidFill>
               </a:rPr>
               <a:t>HTTP, AJAX</a:t>
             </a:r>
             <a:endParaRPr lang="en-SG" dirty="0">
               <a:solidFill>
-                <a:schemeClr val="tx1"/>
+                <a:schemeClr val="accent1">
+                  <a:lumMod val="40000"/>
+                  <a:lumOff val="60000"/>
+                </a:schemeClr>
               </a:solidFill>
             </a:endParaRPr>
           </a:p>
@@ -4595,7 +4671,7 @@
         </p:nvCxnSpPr>
         <p:spPr>
           <a:xfrm flipH="1">
-            <a:off x="4190999" y="2023269"/>
+            <a:off x="4644781" y="2023269"/>
             <a:ext cx="533401" cy="0"/>
           </a:xfrm>
           <a:prstGeom prst="straightConnector1">
@@ -4606,7 +4682,7 @@
               <a:schemeClr val="accent1"/>
             </a:solidFill>
             <a:prstDash val="sysDot"/>
-            <a:headEnd type="arrow" w="med" len="med"/>
+            <a:headEnd type="triangle" w="med" len="med"/>
             <a:tailEnd type="none" w="med" len="med"/>
           </a:ln>
         </p:spPr>
@@ -4648,7 +4724,8 @@
               </a:schemeClr>
             </a:solidFill>
             <a:prstDash val="sysDot"/>
-            <a:tailEnd type="arrow"/>
+            <a:headEnd type="none" w="med" len="med"/>
+            <a:tailEnd type="triangle" w="med" len="med"/>
           </a:ln>
         </p:spPr>
         <p:style>
@@ -4674,7 +4751,7 @@
         </p:nvSpPr>
         <p:spPr>
           <a:xfrm>
-            <a:off x="6528186" y="1908969"/>
+            <a:off x="6981968" y="1908969"/>
             <a:ext cx="888228" cy="533400"/>
           </a:xfrm>
           <a:prstGeom prst="rect">
@@ -4776,113 +4853,19 @@
             <a:r>
               <a:rPr lang="en-US" dirty="0" smtClean="0">
                 <a:solidFill>
-                  <a:schemeClr val="tx1"/>
+                  <a:schemeClr val="bg1"/>
                 </a:solidFill>
               </a:rPr>
               <a:t>Java</a:t>
             </a:r>
             <a:endParaRPr lang="en-SG" dirty="0">
               <a:solidFill>
-                <a:schemeClr val="tx1"/>
+                <a:schemeClr val="bg1"/>
               </a:solidFill>
             </a:endParaRPr>
           </a:p>
         </p:txBody>
       </p:sp>
-      <p:sp>
-        <p:nvSpPr>
-          <p:cNvPr id="85" name="Flowchart: Direct Access Storage 84"/>
-          <p:cNvSpPr/>
-          <p:nvPr/>
-        </p:nvSpPr>
-        <p:spPr>
-          <a:xfrm rot="16200000">
-            <a:off x="6531837" y="3187634"/>
-            <a:ext cx="905944" cy="1015615"/>
-          </a:xfrm>
-          <a:prstGeom prst="flowChartMagneticDrum">
-            <a:avLst/>
-          </a:prstGeom>
-          <a:solidFill>
-            <a:schemeClr val="bg1">
-              <a:lumMod val="75000"/>
-            </a:schemeClr>
-          </a:solidFill>
-          <a:ln>
-            <a:solidFill>
-              <a:schemeClr val="bg1">
-                <a:lumMod val="50000"/>
-              </a:schemeClr>
-            </a:solidFill>
-          </a:ln>
-        </p:spPr>
-        <p:style>
-          <a:lnRef idx="2">
-            <a:schemeClr val="accent1">
-              <a:shade val="50000"/>
-            </a:schemeClr>
-          </a:lnRef>
-          <a:fillRef idx="1">
-            <a:schemeClr val="accent1"/>
-          </a:fillRef>
-          <a:effectRef idx="0">
-            <a:schemeClr val="accent1"/>
-          </a:effectRef>
-          <a:fontRef idx="minor">
-            <a:schemeClr val="lt1"/>
-          </a:fontRef>
-        </p:style>
-        <p:txBody>
-          <a:bodyPr vert="vert" rtlCol="0" anchor="ctr"/>
-          <a:lstStyle/>
-          <a:p>
-            <a:pPr algn="ctr"/>
-            <a:r>
-              <a:rPr lang="en-US" sz="1600" b="1" smtClean="0"/>
-              <a:t>GAE Datastore</a:t>
-            </a:r>
-            <a:endParaRPr lang="en-SG" sz="1600" b="1" dirty="0"/>
-          </a:p>
-        </p:txBody>
-      </p:sp>
-      <p:cxnSp>
-        <p:nvCxnSpPr>
-          <p:cNvPr id="86" name="Straight Arrow Connector 85"/>
-          <p:cNvCxnSpPr/>
-          <p:nvPr/>
-        </p:nvCxnSpPr>
-        <p:spPr>
-          <a:xfrm flipV="1">
-            <a:off x="6972300" y="2899569"/>
-            <a:ext cx="0" cy="462186"/>
-          </a:xfrm>
-          <a:prstGeom prst="straightConnector1">
-            <a:avLst/>
-          </a:prstGeom>
-          <a:ln w="38100">
-            <a:solidFill>
-              <a:srgbClr val="00B050"/>
-            </a:solidFill>
-            <a:prstDash val="sysDot"/>
-            <a:headEnd type="arrow" w="med" len="med"/>
-            <a:tailEnd type="none" w="med" len="med"/>
-          </a:ln>
-        </p:spPr>
-        <p:style>
-          <a:lnRef idx="1">
-            <a:schemeClr val="accent1"/>
-          </a:lnRef>
-          <a:fillRef idx="0">
-            <a:schemeClr val="accent1"/>
-          </a:fillRef>
-          <a:effectRef idx="0">
-            <a:schemeClr val="accent1"/>
-          </a:effectRef>
-          <a:fontRef idx="minor">
-            <a:schemeClr val="tx1"/>
-          </a:fontRef>
-        </p:style>
-      </p:cxnSp>
       <p:sp>
         <p:nvSpPr>
           <p:cNvPr id="87" name="TextBox 86"/>
@@ -4891,8 +4874,8 @@
         </p:nvSpPr>
         <p:spPr>
           <a:xfrm>
-            <a:off x="6525582" y="2899213"/>
-            <a:ext cx="888228" cy="419456"/>
+            <a:off x="7261754" y="3051613"/>
+            <a:ext cx="888228" cy="514706"/>
           </a:xfrm>
           <a:prstGeom prst="rect">
             <a:avLst/>
@@ -4993,14 +4976,41 @@
             <a:r>
               <a:rPr lang="en-US" dirty="0" smtClean="0">
                 <a:solidFill>
-                  <a:schemeClr val="tx1"/>
+                  <a:schemeClr val="accent3">
+                    <a:lumMod val="60000"/>
+                    <a:lumOff val="40000"/>
+                  </a:schemeClr>
                 </a:solidFill>
               </a:rPr>
-              <a:t>JDO, GQL</a:t>
+              <a:t>JDO</a:t>
+            </a:r>
+            <a:br>
+              <a:rPr lang="en-US" dirty="0" smtClean="0">
+                <a:solidFill>
+                  <a:schemeClr val="accent3">
+                    <a:lumMod val="60000"/>
+                    <a:lumOff val="40000"/>
+                  </a:schemeClr>
+                </a:solidFill>
+              </a:rPr>
+            </a:br>
+            <a:r>
+              <a:rPr lang="en-US" dirty="0" smtClean="0">
+                <a:solidFill>
+                  <a:schemeClr val="accent3">
+                    <a:lumMod val="60000"/>
+                    <a:lumOff val="40000"/>
+                  </a:schemeClr>
+                </a:solidFill>
+              </a:rPr>
+              <a:t> GQL</a:t>
             </a:r>
             <a:endParaRPr lang="en-SG" dirty="0">
               <a:solidFill>
-                <a:schemeClr val="tx1"/>
+                <a:schemeClr val="accent3">
+                  <a:lumMod val="60000"/>
+                  <a:lumOff val="40000"/>
+                </a:schemeClr>
               </a:solidFill>
             </a:endParaRPr>
           </a:p>
@@ -5014,8 +5024,8 @@
         </p:nvSpPr>
         <p:spPr>
           <a:xfrm>
-            <a:off x="2779059" y="4080669"/>
-            <a:ext cx="5145741" cy="684020"/>
+            <a:off x="3505200" y="4080669"/>
+            <a:ext cx="4602178" cy="684020"/>
           </a:xfrm>
           <a:custGeom>
             <a:avLst/>
@@ -5101,29 +5111,28 @@
             </a:pathLst>
           </a:custGeom>
           <a:solidFill>
-            <a:schemeClr val="bg1">
-              <a:lumMod val="75000"/>
+            <a:schemeClr val="accent6">
+              <a:lumMod val="40000"/>
+              <a:lumOff val="60000"/>
             </a:schemeClr>
           </a:solidFill>
           <a:ln>
             <a:solidFill>
-              <a:schemeClr val="bg1">
-                <a:lumMod val="50000"/>
-              </a:schemeClr>
+              <a:schemeClr val="accent6"/>
             </a:solidFill>
           </a:ln>
         </p:spPr>
         <p:style>
           <a:lnRef idx="2">
-            <a:schemeClr val="accent1">
+            <a:schemeClr val="accent6">
               <a:shade val="50000"/>
             </a:schemeClr>
           </a:lnRef>
           <a:fillRef idx="1">
-            <a:schemeClr val="accent1"/>
+            <a:schemeClr val="accent6"/>
           </a:fillRef>
           <a:effectRef idx="0">
-            <a:schemeClr val="accent1"/>
+            <a:schemeClr val="accent6"/>
           </a:effectRef>
           <a:fontRef idx="minor">
             <a:schemeClr val="lt1"/>
@@ -5139,7 +5148,11 @@
           <a:lstStyle/>
           <a:p>
             <a:pPr algn="ctr"/>
-            <a:endParaRPr lang="en-SG" sz="1600" b="1" dirty="0"/>
+            <a:endParaRPr lang="en-SG" sz="1600" b="1" dirty="0">
+              <a:solidFill>
+                <a:schemeClr val="accent6"/>
+              </a:solidFill>
+            </a:endParaRPr>
           </a:p>
         </p:txBody>
       </p:sp>
@@ -5151,7 +5164,7 @@
         </p:nvSpPr>
         <p:spPr>
           <a:xfrm>
-            <a:off x="4267200" y="4459889"/>
+            <a:off x="4339982" y="4459889"/>
             <a:ext cx="2438400" cy="227111"/>
           </a:xfrm>
           <a:prstGeom prst="rect">
@@ -5255,21 +5268,141 @@
           </a:lstStyle>
           <a:p>
             <a:r>
-              <a:rPr lang="en-US" dirty="0"/>
+              <a:rPr lang="en-US" dirty="0">
+                <a:solidFill>
+                  <a:schemeClr val="accent6"/>
+                </a:solidFill>
+              </a:rPr>
               <a:t>Google App </a:t>
             </a:r>
             <a:r>
-              <a:rPr lang="en-US" dirty="0" smtClean="0"/>
+              <a:rPr lang="en-US" dirty="0" smtClean="0">
+                <a:solidFill>
+                  <a:schemeClr val="accent6"/>
+                </a:solidFill>
+              </a:rPr>
               <a:t>Engine (GAE)</a:t>
             </a:r>
-            <a:endParaRPr lang="en-SG" dirty="0"/>
-          </a:p>
-        </p:txBody>
-      </p:sp>
+            <a:endParaRPr lang="en-SG" dirty="0">
+              <a:solidFill>
+                <a:schemeClr val="accent6"/>
+              </a:solidFill>
+            </a:endParaRPr>
+          </a:p>
+        </p:txBody>
+      </p:sp>
+      <p:sp>
+        <p:nvSpPr>
+          <p:cNvPr id="85" name="Flowchart: Direct Access Storage 84"/>
+          <p:cNvSpPr/>
+          <p:nvPr/>
+        </p:nvSpPr>
+        <p:spPr>
+          <a:xfrm rot="16200000">
+            <a:off x="6833218" y="3748539"/>
+            <a:ext cx="905944" cy="1015615"/>
+          </a:xfrm>
+          <a:prstGeom prst="flowChartMagneticDrum">
+            <a:avLst/>
+          </a:prstGeom>
+          <a:solidFill>
+            <a:schemeClr val="accent6">
+              <a:lumMod val="40000"/>
+              <a:lumOff val="60000"/>
+            </a:schemeClr>
+          </a:solidFill>
+          <a:ln>
+            <a:solidFill>
+              <a:schemeClr val="accent6"/>
+            </a:solidFill>
+          </a:ln>
+        </p:spPr>
+        <p:style>
+          <a:lnRef idx="2">
+            <a:schemeClr val="accent6">
+              <a:shade val="50000"/>
+            </a:schemeClr>
+          </a:lnRef>
+          <a:fillRef idx="1">
+            <a:schemeClr val="accent6"/>
+          </a:fillRef>
+          <a:effectRef idx="0">
+            <a:schemeClr val="accent6"/>
+          </a:effectRef>
+          <a:fontRef idx="minor">
+            <a:schemeClr val="lt1"/>
+          </a:fontRef>
+        </p:style>
+        <p:txBody>
+          <a:bodyPr rot="0" spcFirstLastPara="0" vertOverflow="overflow" horzOverflow="overflow" vert="vert" wrap="square" lIns="91440" tIns="45720" rIns="91440" bIns="45720" numCol="1" spcCol="0" rtlCol="0" fromWordArt="0" anchor="ctr" anchorCtr="0" forceAA="0" compatLnSpc="1">
+            <a:prstTxWarp prst="textNoShape">
+              <a:avLst/>
+            </a:prstTxWarp>
+            <a:noAutofit/>
+          </a:bodyPr>
+          <a:lstStyle/>
+          <a:p>
+            <a:pPr algn="ctr"/>
+            <a:r>
+              <a:rPr lang="en-US" sz="1600" b="1">
+                <a:solidFill>
+                  <a:schemeClr val="accent6"/>
+                </a:solidFill>
+              </a:rPr>
+              <a:t>GAE Datastore</a:t>
+            </a:r>
+            <a:endParaRPr lang="en-SG" sz="1600" b="1" dirty="0">
+              <a:solidFill>
+                <a:schemeClr val="accent6"/>
+              </a:solidFill>
+            </a:endParaRPr>
+          </a:p>
+        </p:txBody>
+      </p:sp>
+      <p:cxnSp>
+        <p:nvCxnSpPr>
+          <p:cNvPr id="86" name="Straight Arrow Connector 85"/>
+          <p:cNvCxnSpPr/>
+          <p:nvPr/>
+        </p:nvCxnSpPr>
+        <p:spPr>
+          <a:xfrm flipH="1" flipV="1">
+            <a:off x="7426082" y="2899569"/>
+            <a:ext cx="12509" cy="1047750"/>
+          </a:xfrm>
+          <a:prstGeom prst="straightConnector1">
+            <a:avLst/>
+          </a:prstGeom>
+          <a:ln w="38100">
+            <a:solidFill>
+              <a:schemeClr val="accent3">
+                <a:lumMod val="75000"/>
+              </a:schemeClr>
+            </a:solidFill>
+            <a:prstDash val="sysDot"/>
+            <a:headEnd type="triangle" w="med" len="med"/>
+            <a:tailEnd type="none" w="med" len="med"/>
+          </a:ln>
+        </p:spPr>
+        <p:style>
+          <a:lnRef idx="1">
+            <a:schemeClr val="accent1"/>
+          </a:lnRef>
+          <a:fillRef idx="0">
+            <a:schemeClr val="accent1"/>
+          </a:fillRef>
+          <a:effectRef idx="0">
+            <a:schemeClr val="accent1"/>
+          </a:effectRef>
+          <a:fontRef idx="minor">
+            <a:schemeClr val="tx1"/>
+          </a:fontRef>
+        </p:style>
+      </p:cxnSp>
     </p:spTree>
     <p:extLst>
       <p:ext uri="{BB962C8B-B14F-4D97-AF65-F5344CB8AC3E}">
-        <p14:creationId xmlns:p14="http://schemas.microsoft.com/office/powerpoint/2010/main" xmlns="" val="2312643091"/>
+        <p14:creationId xmlns:p14="http://schemas.microsoft.com/office/powerpoint/2010/main" val="2312643091"/>
       </p:ext>
     </p:extLst>
   </p:cSld>

--- a/doc/diagrams/highlevelArchitecture.pptx
+++ b/doc/diagrams/highlevelArchitecture.pptx
@@ -289,7 +289,7 @@
             <a:fld id="{1D8BD707-D9CF-40AE-B4C6-C98DA3205C09}" type="datetimeFigureOut">
               <a:rPr lang="en-US" smtClean="0"/>
               <a:pPr/>
-              <a:t>12/9/2012</a:t>
+              <a:t>3/24/2013</a:t>
             </a:fld>
             <a:endParaRPr lang="en-US"/>
           </a:p>
@@ -456,7 +456,7 @@
             <a:fld id="{1D8BD707-D9CF-40AE-B4C6-C98DA3205C09}" type="datetimeFigureOut">
               <a:rPr lang="en-US" smtClean="0"/>
               <a:pPr/>
-              <a:t>12/9/2012</a:t>
+              <a:t>3/24/2013</a:t>
             </a:fld>
             <a:endParaRPr lang="en-US"/>
           </a:p>
@@ -633,7 +633,7 @@
             <a:fld id="{1D8BD707-D9CF-40AE-B4C6-C98DA3205C09}" type="datetimeFigureOut">
               <a:rPr lang="en-US" smtClean="0"/>
               <a:pPr/>
-              <a:t>12/9/2012</a:t>
+              <a:t>3/24/2013</a:t>
             </a:fld>
             <a:endParaRPr lang="en-US"/>
           </a:p>
@@ -800,7 +800,7 @@
             <a:fld id="{1D8BD707-D9CF-40AE-B4C6-C98DA3205C09}" type="datetimeFigureOut">
               <a:rPr lang="en-US" smtClean="0"/>
               <a:pPr/>
-              <a:t>12/9/2012</a:t>
+              <a:t>3/24/2013</a:t>
             </a:fld>
             <a:endParaRPr lang="en-US"/>
           </a:p>
@@ -1043,7 +1043,7 @@
             <a:fld id="{1D8BD707-D9CF-40AE-B4C6-C98DA3205C09}" type="datetimeFigureOut">
               <a:rPr lang="en-US" smtClean="0"/>
               <a:pPr/>
-              <a:t>12/9/2012</a:t>
+              <a:t>3/24/2013</a:t>
             </a:fld>
             <a:endParaRPr lang="en-US"/>
           </a:p>
@@ -1328,7 +1328,7 @@
             <a:fld id="{1D8BD707-D9CF-40AE-B4C6-C98DA3205C09}" type="datetimeFigureOut">
               <a:rPr lang="en-US" smtClean="0"/>
               <a:pPr/>
-              <a:t>12/9/2012</a:t>
+              <a:t>3/24/2013</a:t>
             </a:fld>
             <a:endParaRPr lang="en-US"/>
           </a:p>
@@ -1747,7 +1747,7 @@
             <a:fld id="{1D8BD707-D9CF-40AE-B4C6-C98DA3205C09}" type="datetimeFigureOut">
               <a:rPr lang="en-US" smtClean="0"/>
               <a:pPr/>
-              <a:t>12/9/2012</a:t>
+              <a:t>3/24/2013</a:t>
             </a:fld>
             <a:endParaRPr lang="en-US"/>
           </a:p>
@@ -1862,7 +1862,7 @@
             <a:fld id="{1D8BD707-D9CF-40AE-B4C6-C98DA3205C09}" type="datetimeFigureOut">
               <a:rPr lang="en-US" smtClean="0"/>
               <a:pPr/>
-              <a:t>12/9/2012</a:t>
+              <a:t>3/24/2013</a:t>
             </a:fld>
             <a:endParaRPr lang="en-US"/>
           </a:p>
@@ -1954,7 +1954,7 @@
             <a:fld id="{1D8BD707-D9CF-40AE-B4C6-C98DA3205C09}" type="datetimeFigureOut">
               <a:rPr lang="en-US" smtClean="0"/>
               <a:pPr/>
-              <a:t>12/9/2012</a:t>
+              <a:t>3/24/2013</a:t>
             </a:fld>
             <a:endParaRPr lang="en-US"/>
           </a:p>
@@ -2228,7 +2228,7 @@
             <a:fld id="{1D8BD707-D9CF-40AE-B4C6-C98DA3205C09}" type="datetimeFigureOut">
               <a:rPr lang="en-US" smtClean="0"/>
               <a:pPr/>
-              <a:t>12/9/2012</a:t>
+              <a:t>3/24/2013</a:t>
             </a:fld>
             <a:endParaRPr lang="en-US"/>
           </a:p>
@@ -2478,7 +2478,7 @@
             <a:fld id="{1D8BD707-D9CF-40AE-B4C6-C98DA3205C09}" type="datetimeFigureOut">
               <a:rPr lang="en-US" smtClean="0"/>
               <a:pPr/>
-              <a:t>12/9/2012</a:t>
+              <a:t>3/24/2013</a:t>
             </a:fld>
             <a:endParaRPr lang="en-US"/>
           </a:p>
@@ -2688,7 +2688,7 @@
             <a:fld id="{1D8BD707-D9CF-40AE-B4C6-C98DA3205C09}" type="datetimeFigureOut">
               <a:rPr lang="en-US" smtClean="0"/>
               <a:pPr/>
-              <a:t>12/9/2012</a:t>
+              <a:t>3/24/2013</a:t>
             </a:fld>
             <a:endParaRPr lang="en-US"/>
           </a:p>
@@ -3067,8 +3067,8 @@
         </p:nvSpPr>
         <p:spPr>
           <a:xfrm>
-            <a:off x="76200" y="61119"/>
-            <a:ext cx="2438400" cy="4703570"/>
+            <a:off x="152400" y="137319"/>
+            <a:ext cx="2362200" cy="4572000"/>
           </a:xfrm>
           <a:prstGeom prst="roundRect">
             <a:avLst>
@@ -3117,6 +3117,75 @@
       </p:sp>
       <p:sp>
         <p:nvSpPr>
+          <p:cNvPr id="90" name="Rounded Rectangle 89"/>
+          <p:cNvSpPr/>
+          <p:nvPr/>
+        </p:nvSpPr>
+        <p:spPr>
+          <a:xfrm>
+            <a:off x="838200" y="2118519"/>
+            <a:ext cx="1524000" cy="762000"/>
+          </a:xfrm>
+          <a:prstGeom prst="roundRect">
+            <a:avLst>
+              <a:gd name="adj" fmla="val 9190"/>
+            </a:avLst>
+          </a:prstGeom>
+          <a:solidFill>
+            <a:schemeClr val="accent2">
+              <a:lumMod val="40000"/>
+              <a:lumOff val="60000"/>
+            </a:schemeClr>
+          </a:solidFill>
+          <a:ln>
+            <a:solidFill>
+              <a:schemeClr val="accent2"/>
+            </a:solidFill>
+          </a:ln>
+        </p:spPr>
+        <p:style>
+          <a:lnRef idx="2">
+            <a:schemeClr val="accent1">
+              <a:shade val="50000"/>
+            </a:schemeClr>
+          </a:lnRef>
+          <a:fillRef idx="1">
+            <a:schemeClr val="accent1"/>
+          </a:fillRef>
+          <a:effectRef idx="0">
+            <a:schemeClr val="accent1"/>
+          </a:effectRef>
+          <a:fontRef idx="minor">
+            <a:schemeClr val="lt1"/>
+          </a:fontRef>
+        </p:style>
+        <p:txBody>
+          <a:bodyPr rtlCol="0" anchor="t" anchorCtr="1"/>
+          <a:lstStyle/>
+          <a:p>
+            <a:pPr algn="ctr"/>
+            <a:r>
+              <a:rPr lang="en-US" sz="1600" b="1" dirty="0" smtClean="0">
+                <a:solidFill>
+                  <a:schemeClr val="accent2">
+                    <a:lumMod val="75000"/>
+                  </a:schemeClr>
+                </a:solidFill>
+              </a:rPr>
+              <a:t>Test Driver</a:t>
+            </a:r>
+            <a:endParaRPr lang="en-SG" sz="1600" b="1" dirty="0">
+              <a:solidFill>
+                <a:schemeClr val="accent2">
+                  <a:lumMod val="75000"/>
+                </a:schemeClr>
+              </a:solidFill>
+            </a:endParaRPr>
+          </a:p>
+        </p:txBody>
+      </p:sp>
+      <p:sp>
+        <p:nvSpPr>
           <p:cNvPr id="61" name="Rounded Rectangle 60"/>
           <p:cNvSpPr/>
           <p:nvPr/>
@@ -3124,7 +3193,7 @@
         <p:spPr>
           <a:xfrm>
             <a:off x="3505200" y="61119"/>
-            <a:ext cx="4602178" cy="4476750"/>
+            <a:ext cx="4602178" cy="4648200"/>
           </a:xfrm>
           <a:prstGeom prst="roundRect">
             <a:avLst>
@@ -3179,37 +3248,27 @@
         </p:nvSpPr>
         <p:spPr>
           <a:xfrm>
-            <a:off x="304800" y="3242469"/>
-            <a:ext cx="1524000" cy="1373381"/>
+            <a:off x="838200" y="2956719"/>
+            <a:ext cx="1524000" cy="1676400"/>
           </a:xfrm>
           <a:prstGeom prst="roundRect">
             <a:avLst>
               <a:gd name="adj" fmla="val 9190"/>
             </a:avLst>
           </a:prstGeom>
-          <a:solidFill>
-            <a:schemeClr val="accent2">
-              <a:lumMod val="40000"/>
-              <a:lumOff val="60000"/>
-            </a:schemeClr>
-          </a:solidFill>
-          <a:ln>
-            <a:solidFill>
-              <a:schemeClr val="accent2"/>
-            </a:solidFill>
-          </a:ln>
+          <a:ln/>
         </p:spPr>
         <p:style>
           <a:lnRef idx="2">
-            <a:schemeClr val="accent1">
+            <a:schemeClr val="accent3">
               <a:shade val="50000"/>
             </a:schemeClr>
           </a:lnRef>
           <a:fillRef idx="1">
-            <a:schemeClr val="accent1"/>
+            <a:schemeClr val="accent3"/>
           </a:fillRef>
           <a:effectRef idx="0">
-            <a:schemeClr val="accent1"/>
+            <a:schemeClr val="accent3"/>
           </a:effectRef>
           <a:fontRef idx="minor">
             <a:schemeClr val="lt1"/>
@@ -3223,17 +3282,17 @@
             <a:r>
               <a:rPr lang="en-US" sz="1600" b="1" dirty="0" smtClean="0">
                 <a:solidFill>
-                  <a:schemeClr val="accent2">
-                    <a:lumMod val="75000"/>
+                  <a:schemeClr val="accent3">
+                    <a:lumMod val="50000"/>
                   </a:schemeClr>
                 </a:solidFill>
               </a:rPr>
-              <a:t>Test Driver</a:t>
+              <a:t>Client</a:t>
             </a:r>
             <a:endParaRPr lang="en-SG" sz="1600" b="1" dirty="0">
               <a:solidFill>
-                <a:schemeClr val="accent2">
-                  <a:lumMod val="75000"/>
+                <a:schemeClr val="accent3">
+                  <a:lumMod val="50000"/>
                 </a:schemeClr>
               </a:solidFill>
             </a:endParaRPr>
@@ -3248,8 +3307,8 @@
         </p:nvSpPr>
         <p:spPr>
           <a:xfrm>
-            <a:off x="5178182" y="1109583"/>
-            <a:ext cx="1219200" cy="3038832"/>
+            <a:off x="5181600" y="975519"/>
+            <a:ext cx="1219200" cy="1143000"/>
           </a:xfrm>
           <a:prstGeom prst="roundRect">
             <a:avLst>
@@ -3313,8 +3372,8 @@
         </p:nvSpPr>
         <p:spPr>
           <a:xfrm>
-            <a:off x="6854582" y="1109582"/>
-            <a:ext cx="1143000" cy="1789987"/>
+            <a:off x="6858000" y="975519"/>
+            <a:ext cx="1143000" cy="1142999"/>
           </a:xfrm>
           <a:prstGeom prst="roundRect">
             <a:avLst>
@@ -3384,8 +3443,8 @@
         </p:nvSpPr>
         <p:spPr>
           <a:xfrm>
-            <a:off x="1219200" y="1108869"/>
-            <a:ext cx="1143000" cy="1752600"/>
+            <a:off x="1219200" y="594519"/>
+            <a:ext cx="1143000" cy="1371600"/>
           </a:xfrm>
           <a:prstGeom prst="roundRect">
             <a:avLst>
@@ -3513,7 +3572,7 @@
         </p:nvCxnSpPr>
         <p:spPr>
           <a:xfrm>
-            <a:off x="6397382" y="2103387"/>
+            <a:off x="6400800" y="1585119"/>
             <a:ext cx="457200" cy="0"/>
           </a:xfrm>
           <a:prstGeom prst="straightConnector1">
@@ -3551,8 +3610,8 @@
         </p:nvCxnSpPr>
         <p:spPr>
           <a:xfrm>
-            <a:off x="1828800" y="3780320"/>
-            <a:ext cx="3349382" cy="0"/>
+            <a:off x="2362200" y="2804319"/>
+            <a:ext cx="4495800" cy="0"/>
           </a:xfrm>
           <a:prstGeom prst="straightConnector1">
             <a:avLst/>
@@ -3592,7 +3651,7 @@
         <p:spPr>
           <a:xfrm>
             <a:off x="4187582" y="645260"/>
-            <a:ext cx="0" cy="457198"/>
+            <a:ext cx="3418" cy="406459"/>
           </a:xfrm>
           <a:prstGeom prst="straightConnector1">
             <a:avLst/>
@@ -3630,7 +3689,7 @@
         <p:spPr>
           <a:xfrm>
             <a:off x="5787782" y="647397"/>
-            <a:ext cx="0" cy="457198"/>
+            <a:ext cx="3418" cy="328122"/>
           </a:xfrm>
           <a:prstGeom prst="straightConnector1">
             <a:avLst/>
@@ -3666,9 +3725,9 @@
           <p:nvPr/>
         </p:nvCxnSpPr>
         <p:spPr>
-          <a:xfrm flipV="1">
+          <a:xfrm flipH="1" flipV="1">
             <a:off x="7387982" y="647397"/>
-            <a:ext cx="0" cy="462186"/>
+            <a:ext cx="3418" cy="328122"/>
           </a:xfrm>
           <a:prstGeom prst="straightConnector1">
             <a:avLst/>
@@ -3702,16 +3761,13 @@
       <p:cxnSp>
         <p:nvCxnSpPr>
           <p:cNvPr id="72" name="Straight Arrow Connector 71"/>
-          <p:cNvCxnSpPr>
-            <a:stCxn id="79" idx="1"/>
-            <a:endCxn id="65" idx="3"/>
-          </p:cNvCxnSpPr>
+          <p:cNvCxnSpPr/>
           <p:nvPr/>
         </p:nvCxnSpPr>
         <p:spPr>
           <a:xfrm flipH="1">
-            <a:off x="2362200" y="1984457"/>
-            <a:ext cx="1312722" cy="712"/>
+            <a:off x="2362200" y="1508919"/>
+            <a:ext cx="1295400" cy="0"/>
           </a:xfrm>
           <a:prstGeom prst="straightConnector1">
             <a:avLst/>
@@ -3748,7 +3804,7 @@
         </p:nvSpPr>
         <p:spPr>
           <a:xfrm>
-            <a:off x="189414" y="1593131"/>
+            <a:off x="152400" y="2374894"/>
             <a:ext cx="304800" cy="353225"/>
           </a:xfrm>
           <a:prstGeom prst="smileyFace">
@@ -3781,13 +3837,15 @@
       <p:cxnSp>
         <p:nvCxnSpPr>
           <p:cNvPr id="74" name="Straight Arrow Connector 73"/>
-          <p:cNvCxnSpPr/>
+          <p:cNvCxnSpPr>
+            <a:stCxn id="114" idx="6"/>
+          </p:cNvCxnSpPr>
           <p:nvPr/>
         </p:nvCxnSpPr>
         <p:spPr>
           <a:xfrm flipV="1">
-            <a:off x="533400" y="1750338"/>
-            <a:ext cx="609600" cy="19406"/>
+            <a:off x="457200" y="1127919"/>
+            <a:ext cx="762000" cy="24213"/>
           </a:xfrm>
           <a:prstGeom prst="straightConnector1">
             <a:avLst/>
@@ -3824,7 +3882,7 @@
         </p:nvSpPr>
         <p:spPr>
           <a:xfrm>
-            <a:off x="1321570" y="1769744"/>
+            <a:off x="1295400" y="1204119"/>
             <a:ext cx="964429" cy="864015"/>
           </a:xfrm>
           <a:prstGeom prst="rect">
@@ -3947,7 +4005,7 @@
         </p:nvSpPr>
         <p:spPr>
           <a:xfrm>
-            <a:off x="407171" y="3780320"/>
+            <a:off x="838200" y="2423319"/>
             <a:ext cx="1319257" cy="533400"/>
           </a:xfrm>
           <a:prstGeom prst="rect">
@@ -4094,7 +4152,7 @@
         </p:nvSpPr>
         <p:spPr>
           <a:xfrm>
-            <a:off x="5330582" y="2480469"/>
+            <a:off x="5334000" y="1356519"/>
             <a:ext cx="888228" cy="533400"/>
           </a:xfrm>
           <a:prstGeom prst="rect">
@@ -4217,8 +4275,8 @@
         </p:nvSpPr>
         <p:spPr>
           <a:xfrm>
-            <a:off x="3554125" y="3490119"/>
-            <a:ext cx="1395457" cy="457200"/>
+            <a:off x="3657600" y="2499519"/>
+            <a:ext cx="1395457" cy="304800"/>
           </a:xfrm>
           <a:prstGeom prst="rect">
             <a:avLst/>
@@ -4346,8 +4404,8 @@
         </p:nvSpPr>
         <p:spPr>
           <a:xfrm>
-            <a:off x="3674922" y="1108157"/>
-            <a:ext cx="969859" cy="1752600"/>
+            <a:off x="3657600" y="975519"/>
+            <a:ext cx="969859" cy="1143000"/>
           </a:xfrm>
           <a:prstGeom prst="roundRect">
             <a:avLst>
@@ -4411,8 +4469,8 @@
         </p:nvSpPr>
         <p:spPr>
           <a:xfrm>
-            <a:off x="3674923" y="1569987"/>
-            <a:ext cx="889919" cy="1066800"/>
+            <a:off x="3733800" y="1508919"/>
+            <a:ext cx="889919" cy="685800"/>
           </a:xfrm>
           <a:prstGeom prst="rect">
             <a:avLst/>
@@ -4510,21 +4568,21 @@
           </a:lstStyle>
           <a:p>
             <a:pPr algn="ctr"/>
-            <a:endParaRPr lang="en-US" dirty="0">
-              <a:solidFill>
-                <a:schemeClr val="bg1"/>
-              </a:solidFill>
-            </a:endParaRPr>
-          </a:p>
-          <a:p>
-            <a:pPr algn="ctr"/>
             <a:r>
               <a:rPr lang="en-US" dirty="0" smtClean="0">
                 <a:solidFill>
                   <a:schemeClr val="bg1"/>
                 </a:solidFill>
               </a:rPr>
-              <a:t>JSP, Servlets </a:t>
+              <a:t>JSP</a:t>
+            </a:r>
+            <a:r>
+              <a:rPr lang="en-US" dirty="0" smtClean="0">
+                <a:solidFill>
+                  <a:schemeClr val="bg1"/>
+                </a:solidFill>
+              </a:rPr>
+              <a:t>, Servlets </a:t>
             </a:r>
             <a:endParaRPr lang="en-SG" dirty="0">
               <a:solidFill>
@@ -4542,8 +4600,8 @@
         </p:nvSpPr>
         <p:spPr>
           <a:xfrm>
-            <a:off x="2693172" y="1432719"/>
-            <a:ext cx="659628" cy="457200"/>
+            <a:off x="2667000" y="1204119"/>
+            <a:ext cx="659628" cy="533400"/>
           </a:xfrm>
           <a:prstGeom prst="rect">
             <a:avLst/>
@@ -4642,7 +4700,7 @@
           <a:p>
             <a:pPr algn="ctr"/>
             <a:r>
-              <a:rPr lang="en-US" dirty="0" smtClean="0">
+              <a:rPr lang="en-US" sz="1600" dirty="0" smtClean="0">
                 <a:solidFill>
                   <a:schemeClr val="accent1">
                     <a:lumMod val="40000"/>
@@ -4652,7 +4710,7 @@
               </a:rPr>
               <a:t>HTTP, AJAX</a:t>
             </a:r>
-            <a:endParaRPr lang="en-SG" dirty="0">
+            <a:endParaRPr lang="en-SG" sz="1600" dirty="0">
               <a:solidFill>
                 <a:schemeClr val="accent1">
                   <a:lumMod val="40000"/>
@@ -4671,7 +4729,7 @@
         </p:nvCxnSpPr>
         <p:spPr>
           <a:xfrm flipH="1">
-            <a:off x="4644781" y="2023269"/>
+            <a:off x="4648200" y="1661319"/>
             <a:ext cx="533401" cy="0"/>
           </a:xfrm>
           <a:prstGeom prst="straightConnector1">
@@ -4709,7 +4767,7 @@
         </p:nvCxnSpPr>
         <p:spPr>
           <a:xfrm rot="5400000" flipH="1" flipV="1">
-            <a:off x="723900" y="2747169"/>
+            <a:off x="723900" y="1623219"/>
             <a:ext cx="685800" cy="304800"/>
           </a:xfrm>
           <a:prstGeom prst="bentConnector3">
@@ -4751,8 +4809,8 @@
         </p:nvSpPr>
         <p:spPr>
           <a:xfrm>
-            <a:off x="6981968" y="1908969"/>
-            <a:ext cx="888228" cy="533400"/>
+            <a:off x="6934200" y="1432719"/>
+            <a:ext cx="888228" cy="285750"/>
           </a:xfrm>
           <a:prstGeom prst="rect">
             <a:avLst/>
@@ -4874,7 +4932,7 @@
         </p:nvSpPr>
         <p:spPr>
           <a:xfrm>
-            <a:off x="7261754" y="3051613"/>
+            <a:off x="7341372" y="2118519"/>
             <a:ext cx="888228" cy="514706"/>
           </a:xfrm>
           <a:prstGeom prst="rect">
@@ -5024,8 +5082,8 @@
         </p:nvSpPr>
         <p:spPr>
           <a:xfrm>
-            <a:off x="3505200" y="4080669"/>
-            <a:ext cx="4602178" cy="684020"/>
+            <a:off x="3505200" y="3490119"/>
+            <a:ext cx="4602178" cy="685800"/>
           </a:xfrm>
           <a:custGeom>
             <a:avLst/>
@@ -5164,7 +5222,7 @@
         </p:nvSpPr>
         <p:spPr>
           <a:xfrm>
-            <a:off x="4339982" y="4459889"/>
+            <a:off x="4267200" y="3871119"/>
             <a:ext cx="2438400" cy="227111"/>
           </a:xfrm>
           <a:prstGeom prst="rect">
@@ -5299,8 +5357,8 @@
         </p:nvSpPr>
         <p:spPr>
           <a:xfrm rot="16200000">
-            <a:off x="6833218" y="3748539"/>
-            <a:ext cx="905944" cy="1015615"/>
+            <a:off x="6680013" y="2753711"/>
+            <a:ext cx="1371600" cy="1015615"/>
           </a:xfrm>
           <a:prstGeom prst="flowChartMagneticDrum">
             <a:avLst/>
@@ -5344,12 +5402,20 @@
           <a:p>
             <a:pPr algn="ctr"/>
             <a:r>
-              <a:rPr lang="en-US" sz="1600" b="1">
+              <a:rPr lang="en-US" sz="1600" b="1" dirty="0">
                 <a:solidFill>
                   <a:schemeClr val="accent6"/>
                 </a:solidFill>
               </a:rPr>
-              <a:t>GAE Datastore</a:t>
+              <a:t>GAE </a:t>
+            </a:r>
+            <a:r>
+              <a:rPr lang="en-US" sz="1600" b="1" dirty="0" err="1">
+                <a:solidFill>
+                  <a:schemeClr val="accent6"/>
+                </a:solidFill>
+              </a:rPr>
+              <a:t>Datastore</a:t>
             </a:r>
             <a:endParaRPr lang="en-SG" sz="1600" b="1" dirty="0">
               <a:solidFill>
@@ -5362,13 +5428,15 @@
       <p:cxnSp>
         <p:nvCxnSpPr>
           <p:cNvPr id="86" name="Straight Arrow Connector 85"/>
-          <p:cNvCxnSpPr/>
+          <p:cNvCxnSpPr>
+            <a:stCxn id="85" idx="4"/>
+          </p:cNvCxnSpPr>
           <p:nvPr/>
         </p:nvCxnSpPr>
         <p:spPr>
-          <a:xfrm flipH="1" flipV="1">
-            <a:off x="7426082" y="2899569"/>
-            <a:ext cx="12509" cy="1047750"/>
+          <a:xfrm flipV="1">
+            <a:off x="7365814" y="2118519"/>
+            <a:ext cx="25586" cy="457200"/>
           </a:xfrm>
           <a:prstGeom prst="straightConnector1">
             <a:avLst/>
@@ -5399,10 +5467,894 @@
           </a:fontRef>
         </p:style>
       </p:cxnSp>
+      <p:cxnSp>
+        <p:nvCxnSpPr>
+          <p:cNvPr id="95" name="Straight Arrow Connector 94"/>
+          <p:cNvCxnSpPr/>
+          <p:nvPr/>
+        </p:nvCxnSpPr>
+        <p:spPr>
+          <a:xfrm flipH="1">
+            <a:off x="2209800" y="3413919"/>
+            <a:ext cx="4648204" cy="0"/>
+          </a:xfrm>
+          <a:prstGeom prst="straightConnector1">
+            <a:avLst/>
+          </a:prstGeom>
+          <a:ln w="38100">
+            <a:solidFill>
+              <a:schemeClr val="accent3">
+                <a:lumMod val="75000"/>
+              </a:schemeClr>
+            </a:solidFill>
+            <a:prstDash val="sysDot"/>
+            <a:headEnd type="triangle" w="med" len="med"/>
+            <a:tailEnd type="none" w="med" len="med"/>
+          </a:ln>
+        </p:spPr>
+        <p:style>
+          <a:lnRef idx="1">
+            <a:schemeClr val="accent1"/>
+          </a:lnRef>
+          <a:fillRef idx="0">
+            <a:schemeClr val="accent1"/>
+          </a:fillRef>
+          <a:effectRef idx="0">
+            <a:schemeClr val="accent1"/>
+          </a:effectRef>
+          <a:fontRef idx="minor">
+            <a:schemeClr val="tx1"/>
+          </a:fontRef>
+        </p:style>
+      </p:cxnSp>
+      <p:sp>
+        <p:nvSpPr>
+          <p:cNvPr id="100" name="Rounded Rectangle 99"/>
+          <p:cNvSpPr/>
+          <p:nvPr/>
+        </p:nvSpPr>
+        <p:spPr>
+          <a:xfrm>
+            <a:off x="990600" y="3337719"/>
+            <a:ext cx="1219200" cy="533400"/>
+          </a:xfrm>
+          <a:prstGeom prst="roundRect">
+            <a:avLst>
+              <a:gd name="adj" fmla="val 9190"/>
+            </a:avLst>
+          </a:prstGeom>
+          <a:solidFill>
+            <a:schemeClr val="accent3">
+              <a:lumMod val="40000"/>
+              <a:lumOff val="60000"/>
+            </a:schemeClr>
+          </a:solidFill>
+          <a:ln>
+            <a:solidFill>
+              <a:schemeClr val="accent3">
+                <a:lumMod val="75000"/>
+              </a:schemeClr>
+            </a:solidFill>
+          </a:ln>
+        </p:spPr>
+        <p:style>
+          <a:lnRef idx="2">
+            <a:schemeClr val="accent1">
+              <a:shade val="50000"/>
+            </a:schemeClr>
+          </a:lnRef>
+          <a:fillRef idx="1">
+            <a:schemeClr val="accent1"/>
+          </a:fillRef>
+          <a:effectRef idx="0">
+            <a:schemeClr val="accent1"/>
+          </a:effectRef>
+          <a:fontRef idx="minor">
+            <a:schemeClr val="lt1"/>
+          </a:fontRef>
+        </p:style>
+        <p:txBody>
+          <a:bodyPr rtlCol="0" anchor="t" anchorCtr="1"/>
+          <a:lstStyle/>
+          <a:p>
+            <a:pPr algn="r"/>
+            <a:r>
+              <a:rPr lang="en-US" sz="1600" b="1" dirty="0" smtClean="0">
+                <a:solidFill>
+                  <a:schemeClr val="accent3">
+                    <a:lumMod val="75000"/>
+                  </a:schemeClr>
+                </a:solidFill>
+              </a:rPr>
+              <a:t>Scripts</a:t>
+            </a:r>
+            <a:endParaRPr lang="en-SG" sz="1600" b="1" dirty="0">
+              <a:solidFill>
+                <a:schemeClr val="accent3">
+                  <a:lumMod val="75000"/>
+                </a:schemeClr>
+              </a:solidFill>
+            </a:endParaRPr>
+          </a:p>
+        </p:txBody>
+      </p:sp>
+      <p:sp>
+        <p:nvSpPr>
+          <p:cNvPr id="102" name="Rounded Rectangle 101"/>
+          <p:cNvSpPr/>
+          <p:nvPr/>
+        </p:nvSpPr>
+        <p:spPr>
+          <a:xfrm>
+            <a:off x="990600" y="4023519"/>
+            <a:ext cx="1219200" cy="533400"/>
+          </a:xfrm>
+          <a:prstGeom prst="roundRect">
+            <a:avLst>
+              <a:gd name="adj" fmla="val 9190"/>
+            </a:avLst>
+          </a:prstGeom>
+          <a:solidFill>
+            <a:schemeClr val="accent3">
+              <a:lumMod val="40000"/>
+              <a:lumOff val="60000"/>
+            </a:schemeClr>
+          </a:solidFill>
+          <a:ln>
+            <a:solidFill>
+              <a:schemeClr val="accent3">
+                <a:lumMod val="75000"/>
+              </a:schemeClr>
+            </a:solidFill>
+          </a:ln>
+        </p:spPr>
+        <p:style>
+          <a:lnRef idx="2">
+            <a:schemeClr val="accent1">
+              <a:shade val="50000"/>
+            </a:schemeClr>
+          </a:lnRef>
+          <a:fillRef idx="1">
+            <a:schemeClr val="accent1"/>
+          </a:fillRef>
+          <a:effectRef idx="0">
+            <a:schemeClr val="accent1"/>
+          </a:effectRef>
+          <a:fontRef idx="minor">
+            <a:schemeClr val="lt1"/>
+          </a:fontRef>
+        </p:style>
+        <p:txBody>
+          <a:bodyPr rtlCol="0" anchor="t" anchorCtr="1"/>
+          <a:lstStyle/>
+          <a:p>
+            <a:pPr algn="r"/>
+            <a:r>
+              <a:rPr lang="en-US" sz="1600" b="1" dirty="0" err="1" smtClean="0">
+                <a:solidFill>
+                  <a:schemeClr val="accent3">
+                    <a:lumMod val="75000"/>
+                  </a:schemeClr>
+                </a:solidFill>
+              </a:rPr>
+              <a:t>RemoteAPI</a:t>
+            </a:r>
+            <a:endParaRPr lang="en-SG" sz="1600" b="1" dirty="0">
+              <a:solidFill>
+                <a:schemeClr val="accent3">
+                  <a:lumMod val="75000"/>
+                </a:schemeClr>
+              </a:solidFill>
+            </a:endParaRPr>
+          </a:p>
+        </p:txBody>
+      </p:sp>
+      <p:cxnSp>
+        <p:nvCxnSpPr>
+          <p:cNvPr id="103" name="Elbow Connector 102"/>
+          <p:cNvCxnSpPr/>
+          <p:nvPr/>
+        </p:nvCxnSpPr>
+        <p:spPr>
+          <a:xfrm flipV="1">
+            <a:off x="2209800" y="3947319"/>
+            <a:ext cx="5181600" cy="533400"/>
+          </a:xfrm>
+          <a:prstGeom prst="bentConnector3">
+            <a:avLst>
+              <a:gd name="adj1" fmla="val 100000"/>
+            </a:avLst>
+          </a:prstGeom>
+          <a:ln w="38100">
+            <a:solidFill>
+              <a:schemeClr val="accent3">
+                <a:lumMod val="75000"/>
+              </a:schemeClr>
+            </a:solidFill>
+            <a:prstDash val="sysDot"/>
+            <a:headEnd type="none" w="med" len="med"/>
+            <a:tailEnd type="triangle" w="med" len="med"/>
+          </a:ln>
+        </p:spPr>
+        <p:style>
+          <a:lnRef idx="1">
+            <a:schemeClr val="accent1"/>
+          </a:lnRef>
+          <a:fillRef idx="0">
+            <a:schemeClr val="accent1"/>
+          </a:fillRef>
+          <a:effectRef idx="0">
+            <a:schemeClr val="accent1"/>
+          </a:effectRef>
+          <a:fontRef idx="minor">
+            <a:schemeClr val="tx1"/>
+          </a:fontRef>
+        </p:style>
+      </p:cxnSp>
+      <p:sp>
+        <p:nvSpPr>
+          <p:cNvPr id="113" name="TextBox 112"/>
+          <p:cNvSpPr txBox="1"/>
+          <p:nvPr/>
+        </p:nvSpPr>
+        <p:spPr>
+          <a:xfrm>
+            <a:off x="4648200" y="4175919"/>
+            <a:ext cx="2133600" cy="304800"/>
+          </a:xfrm>
+          <a:prstGeom prst="rect">
+            <a:avLst/>
+          </a:prstGeom>
+          <a:grpFill/>
+          <a:ln>
+            <a:noFill/>
+          </a:ln>
+        </p:spPr>
+        <p:style>
+          <a:lnRef idx="2">
+            <a:schemeClr val="accent1">
+              <a:shade val="50000"/>
+            </a:schemeClr>
+          </a:lnRef>
+          <a:fillRef idx="1">
+            <a:schemeClr val="accent1"/>
+          </a:fillRef>
+          <a:effectRef idx="0">
+            <a:schemeClr val="accent1"/>
+          </a:effectRef>
+          <a:fontRef idx="minor">
+            <a:schemeClr val="lt1"/>
+          </a:fontRef>
+        </p:style>
+        <p:txBody>
+          <a:bodyPr rtlCol="0" anchor="t" anchorCtr="0"/>
+          <a:lstStyle>
+            <a:defPPr>
+              <a:defRPr lang="en-US"/>
+            </a:defPPr>
+            <a:lvl1pPr>
+              <a:defRPr sz="1400" b="1">
+                <a:solidFill>
+                  <a:srgbClr val="7030A0"/>
+                </a:solidFill>
+              </a:defRPr>
+            </a:lvl1pPr>
+            <a:lvl2pPr>
+              <a:defRPr>
+                <a:solidFill>
+                  <a:schemeClr val="lt1"/>
+                </a:solidFill>
+              </a:defRPr>
+            </a:lvl2pPr>
+            <a:lvl3pPr>
+              <a:defRPr>
+                <a:solidFill>
+                  <a:schemeClr val="lt1"/>
+                </a:solidFill>
+              </a:defRPr>
+            </a:lvl3pPr>
+            <a:lvl4pPr>
+              <a:defRPr>
+                <a:solidFill>
+                  <a:schemeClr val="lt1"/>
+                </a:solidFill>
+              </a:defRPr>
+            </a:lvl4pPr>
+            <a:lvl5pPr>
+              <a:defRPr>
+                <a:solidFill>
+                  <a:schemeClr val="lt1"/>
+                </a:solidFill>
+              </a:defRPr>
+            </a:lvl5pPr>
+            <a:lvl6pPr>
+              <a:defRPr>
+                <a:solidFill>
+                  <a:schemeClr val="lt1"/>
+                </a:solidFill>
+              </a:defRPr>
+            </a:lvl6pPr>
+            <a:lvl7pPr>
+              <a:defRPr>
+                <a:solidFill>
+                  <a:schemeClr val="lt1"/>
+                </a:solidFill>
+              </a:defRPr>
+            </a:lvl7pPr>
+            <a:lvl8pPr>
+              <a:defRPr>
+                <a:solidFill>
+                  <a:schemeClr val="lt1"/>
+                </a:solidFill>
+              </a:defRPr>
+            </a:lvl8pPr>
+            <a:lvl9pPr>
+              <a:defRPr>
+                <a:solidFill>
+                  <a:schemeClr val="lt1"/>
+                </a:solidFill>
+              </a:defRPr>
+            </a:lvl9pPr>
+          </a:lstStyle>
+          <a:p>
+            <a:pPr algn="ctr"/>
+            <a:r>
+              <a:rPr lang="en-US" dirty="0" smtClean="0">
+                <a:solidFill>
+                  <a:srgbClr val="92D050"/>
+                </a:solidFill>
+              </a:rPr>
+              <a:t>Remote API </a:t>
+            </a:r>
+            <a:r>
+              <a:rPr lang="en-US" dirty="0" err="1" smtClean="0">
+                <a:solidFill>
+                  <a:srgbClr val="92D050"/>
+                </a:solidFill>
+              </a:rPr>
+              <a:t>Servlet</a:t>
+            </a:r>
+            <a:r>
+              <a:rPr lang="en-US" dirty="0" smtClean="0">
+                <a:solidFill>
+                  <a:srgbClr val="92D050"/>
+                </a:solidFill>
+              </a:rPr>
+              <a:t> (GAE)</a:t>
+            </a:r>
+            <a:endParaRPr lang="en-SG" dirty="0">
+              <a:solidFill>
+                <a:srgbClr val="92D050"/>
+              </a:solidFill>
+            </a:endParaRPr>
+          </a:p>
+        </p:txBody>
+      </p:sp>
+      <p:sp>
+        <p:nvSpPr>
+          <p:cNvPr id="114" name="Smiley Face 113"/>
+          <p:cNvSpPr/>
+          <p:nvPr/>
+        </p:nvSpPr>
+        <p:spPr>
+          <a:xfrm>
+            <a:off x="152400" y="975519"/>
+            <a:ext cx="304800" cy="353225"/>
+          </a:xfrm>
+          <a:prstGeom prst="smileyFace">
+            <a:avLst/>
+          </a:prstGeom>
+        </p:spPr>
+        <p:style>
+          <a:lnRef idx="2">
+            <a:schemeClr val="dk1"/>
+          </a:lnRef>
+          <a:fillRef idx="1">
+            <a:schemeClr val="lt1"/>
+          </a:fillRef>
+          <a:effectRef idx="0">
+            <a:schemeClr val="dk1"/>
+          </a:effectRef>
+          <a:fontRef idx="minor">
+            <a:schemeClr val="dk1"/>
+          </a:fontRef>
+        </p:style>
+        <p:txBody>
+          <a:bodyPr rtlCol="0" anchor="ctr"/>
+          <a:lstStyle/>
+          <a:p>
+            <a:pPr algn="ctr"/>
+            <a:endParaRPr lang="en-SG"/>
+          </a:p>
+        </p:txBody>
+      </p:sp>
+      <p:sp>
+        <p:nvSpPr>
+          <p:cNvPr id="115" name="TextBox 114"/>
+          <p:cNvSpPr txBox="1"/>
+          <p:nvPr/>
+        </p:nvSpPr>
+        <p:spPr>
+          <a:xfrm>
+            <a:off x="0" y="2042319"/>
+            <a:ext cx="762000" cy="304800"/>
+          </a:xfrm>
+          <a:prstGeom prst="rect">
+            <a:avLst/>
+          </a:prstGeom>
+          <a:grpFill/>
+          <a:ln>
+            <a:noFill/>
+          </a:ln>
+        </p:spPr>
+        <p:style>
+          <a:lnRef idx="2">
+            <a:schemeClr val="accent1">
+              <a:shade val="50000"/>
+            </a:schemeClr>
+          </a:lnRef>
+          <a:fillRef idx="1">
+            <a:schemeClr val="accent1"/>
+          </a:fillRef>
+          <a:effectRef idx="0">
+            <a:schemeClr val="accent1"/>
+          </a:effectRef>
+          <a:fontRef idx="minor">
+            <a:schemeClr val="lt1"/>
+          </a:fontRef>
+        </p:style>
+        <p:txBody>
+          <a:bodyPr rtlCol="0" anchor="t" anchorCtr="0"/>
+          <a:lstStyle>
+            <a:defPPr>
+              <a:defRPr lang="en-US"/>
+            </a:defPPr>
+            <a:lvl1pPr>
+              <a:defRPr sz="1400" b="1">
+                <a:solidFill>
+                  <a:srgbClr val="7030A0"/>
+                </a:solidFill>
+              </a:defRPr>
+            </a:lvl1pPr>
+            <a:lvl2pPr>
+              <a:defRPr>
+                <a:solidFill>
+                  <a:schemeClr val="lt1"/>
+                </a:solidFill>
+              </a:defRPr>
+            </a:lvl2pPr>
+            <a:lvl3pPr>
+              <a:defRPr>
+                <a:solidFill>
+                  <a:schemeClr val="lt1"/>
+                </a:solidFill>
+              </a:defRPr>
+            </a:lvl3pPr>
+            <a:lvl4pPr>
+              <a:defRPr>
+                <a:solidFill>
+                  <a:schemeClr val="lt1"/>
+                </a:solidFill>
+              </a:defRPr>
+            </a:lvl4pPr>
+            <a:lvl5pPr>
+              <a:defRPr>
+                <a:solidFill>
+                  <a:schemeClr val="lt1"/>
+                </a:solidFill>
+              </a:defRPr>
+            </a:lvl5pPr>
+            <a:lvl6pPr>
+              <a:defRPr>
+                <a:solidFill>
+                  <a:schemeClr val="lt1"/>
+                </a:solidFill>
+              </a:defRPr>
+            </a:lvl6pPr>
+            <a:lvl7pPr>
+              <a:defRPr>
+                <a:solidFill>
+                  <a:schemeClr val="lt1"/>
+                </a:solidFill>
+              </a:defRPr>
+            </a:lvl7pPr>
+            <a:lvl8pPr>
+              <a:defRPr>
+                <a:solidFill>
+                  <a:schemeClr val="lt1"/>
+                </a:solidFill>
+              </a:defRPr>
+            </a:lvl8pPr>
+            <a:lvl9pPr>
+              <a:defRPr>
+                <a:solidFill>
+                  <a:schemeClr val="lt1"/>
+                </a:solidFill>
+              </a:defRPr>
+            </a:lvl9pPr>
+          </a:lstStyle>
+          <a:p>
+            <a:pPr algn="ctr"/>
+            <a:r>
+              <a:rPr lang="en-US" dirty="0" smtClean="0">
+                <a:solidFill>
+                  <a:schemeClr val="tx1"/>
+                </a:solidFill>
+              </a:rPr>
+              <a:t>Dev</a:t>
+            </a:r>
+            <a:endParaRPr lang="en-SG" dirty="0">
+              <a:solidFill>
+                <a:schemeClr val="tx1"/>
+              </a:solidFill>
+            </a:endParaRPr>
+          </a:p>
+        </p:txBody>
+      </p:sp>
+      <p:cxnSp>
+        <p:nvCxnSpPr>
+          <p:cNvPr id="116" name="Straight Arrow Connector 115"/>
+          <p:cNvCxnSpPr/>
+          <p:nvPr/>
+        </p:nvCxnSpPr>
+        <p:spPr>
+          <a:xfrm>
+            <a:off x="457200" y="3794919"/>
+            <a:ext cx="381000" cy="0"/>
+          </a:xfrm>
+          <a:prstGeom prst="straightConnector1">
+            <a:avLst/>
+          </a:prstGeom>
+          <a:ln w="38100">
+            <a:solidFill>
+              <a:schemeClr val="tx1"/>
+            </a:solidFill>
+            <a:prstDash val="sysDot"/>
+            <a:headEnd type="triangle" w="med" len="med"/>
+            <a:tailEnd type="triangle" w="med" len="med"/>
+          </a:ln>
+        </p:spPr>
+        <p:style>
+          <a:lnRef idx="1">
+            <a:schemeClr val="accent1"/>
+          </a:lnRef>
+          <a:fillRef idx="0">
+            <a:schemeClr val="accent1"/>
+          </a:fillRef>
+          <a:effectRef idx="0">
+            <a:schemeClr val="accent1"/>
+          </a:effectRef>
+          <a:fontRef idx="minor">
+            <a:schemeClr val="tx1"/>
+          </a:fontRef>
+        </p:style>
+      </p:cxnSp>
+      <p:sp>
+        <p:nvSpPr>
+          <p:cNvPr id="119" name="Smiley Face 118"/>
+          <p:cNvSpPr/>
+          <p:nvPr/>
+        </p:nvSpPr>
+        <p:spPr>
+          <a:xfrm>
+            <a:off x="152400" y="3566319"/>
+            <a:ext cx="304800" cy="353225"/>
+          </a:xfrm>
+          <a:prstGeom prst="smileyFace">
+            <a:avLst/>
+          </a:prstGeom>
+        </p:spPr>
+        <p:style>
+          <a:lnRef idx="2">
+            <a:schemeClr val="dk1"/>
+          </a:lnRef>
+          <a:fillRef idx="1">
+            <a:schemeClr val="lt1"/>
+          </a:fillRef>
+          <a:effectRef idx="0">
+            <a:schemeClr val="dk1"/>
+          </a:effectRef>
+          <a:fontRef idx="minor">
+            <a:schemeClr val="dk1"/>
+          </a:fontRef>
+        </p:style>
+        <p:txBody>
+          <a:bodyPr rtlCol="0" anchor="ctr"/>
+          <a:lstStyle/>
+          <a:p>
+            <a:pPr algn="ctr"/>
+            <a:endParaRPr lang="en-SG"/>
+          </a:p>
+        </p:txBody>
+      </p:sp>
+      <p:cxnSp>
+        <p:nvCxnSpPr>
+          <p:cNvPr id="121" name="Straight Arrow Connector 120"/>
+          <p:cNvCxnSpPr/>
+          <p:nvPr/>
+        </p:nvCxnSpPr>
+        <p:spPr>
+          <a:xfrm>
+            <a:off x="457200" y="2575719"/>
+            <a:ext cx="381000" cy="0"/>
+          </a:xfrm>
+          <a:prstGeom prst="straightConnector1">
+            <a:avLst/>
+          </a:prstGeom>
+          <a:ln w="38100">
+            <a:solidFill>
+              <a:schemeClr val="tx1"/>
+            </a:solidFill>
+            <a:prstDash val="sysDot"/>
+            <a:headEnd type="triangle" w="med" len="med"/>
+            <a:tailEnd type="triangle" w="med" len="med"/>
+          </a:ln>
+        </p:spPr>
+        <p:style>
+          <a:lnRef idx="1">
+            <a:schemeClr val="accent1"/>
+          </a:lnRef>
+          <a:fillRef idx="0">
+            <a:schemeClr val="accent1"/>
+          </a:fillRef>
+          <a:effectRef idx="0">
+            <a:schemeClr val="accent1"/>
+          </a:effectRef>
+          <a:fontRef idx="minor">
+            <a:schemeClr val="tx1"/>
+          </a:fontRef>
+        </p:style>
+      </p:cxnSp>
+      <p:sp>
+        <p:nvSpPr>
+          <p:cNvPr id="122" name="TextBox 121"/>
+          <p:cNvSpPr txBox="1"/>
+          <p:nvPr/>
+        </p:nvSpPr>
+        <p:spPr>
+          <a:xfrm>
+            <a:off x="0" y="3261519"/>
+            <a:ext cx="762000" cy="304800"/>
+          </a:xfrm>
+          <a:prstGeom prst="rect">
+            <a:avLst/>
+          </a:prstGeom>
+          <a:grpFill/>
+          <a:ln>
+            <a:noFill/>
+          </a:ln>
+        </p:spPr>
+        <p:style>
+          <a:lnRef idx="2">
+            <a:schemeClr val="accent1">
+              <a:shade val="50000"/>
+            </a:schemeClr>
+          </a:lnRef>
+          <a:fillRef idx="1">
+            <a:schemeClr val="accent1"/>
+          </a:fillRef>
+          <a:effectRef idx="0">
+            <a:schemeClr val="accent1"/>
+          </a:effectRef>
+          <a:fontRef idx="minor">
+            <a:schemeClr val="lt1"/>
+          </a:fontRef>
+        </p:style>
+        <p:txBody>
+          <a:bodyPr rtlCol="0" anchor="t" anchorCtr="0"/>
+          <a:lstStyle>
+            <a:defPPr>
+              <a:defRPr lang="en-US"/>
+            </a:defPPr>
+            <a:lvl1pPr>
+              <a:defRPr sz="1400" b="1">
+                <a:solidFill>
+                  <a:srgbClr val="7030A0"/>
+                </a:solidFill>
+              </a:defRPr>
+            </a:lvl1pPr>
+            <a:lvl2pPr>
+              <a:defRPr>
+                <a:solidFill>
+                  <a:schemeClr val="lt1"/>
+                </a:solidFill>
+              </a:defRPr>
+            </a:lvl2pPr>
+            <a:lvl3pPr>
+              <a:defRPr>
+                <a:solidFill>
+                  <a:schemeClr val="lt1"/>
+                </a:solidFill>
+              </a:defRPr>
+            </a:lvl3pPr>
+            <a:lvl4pPr>
+              <a:defRPr>
+                <a:solidFill>
+                  <a:schemeClr val="lt1"/>
+                </a:solidFill>
+              </a:defRPr>
+            </a:lvl4pPr>
+            <a:lvl5pPr>
+              <a:defRPr>
+                <a:solidFill>
+                  <a:schemeClr val="lt1"/>
+                </a:solidFill>
+              </a:defRPr>
+            </a:lvl5pPr>
+            <a:lvl6pPr>
+              <a:defRPr>
+                <a:solidFill>
+                  <a:schemeClr val="lt1"/>
+                </a:solidFill>
+              </a:defRPr>
+            </a:lvl6pPr>
+            <a:lvl7pPr>
+              <a:defRPr>
+                <a:solidFill>
+                  <a:schemeClr val="lt1"/>
+                </a:solidFill>
+              </a:defRPr>
+            </a:lvl7pPr>
+            <a:lvl8pPr>
+              <a:defRPr>
+                <a:solidFill>
+                  <a:schemeClr val="lt1"/>
+                </a:solidFill>
+              </a:defRPr>
+            </a:lvl8pPr>
+            <a:lvl9pPr>
+              <a:defRPr>
+                <a:solidFill>
+                  <a:schemeClr val="lt1"/>
+                </a:solidFill>
+              </a:defRPr>
+            </a:lvl9pPr>
+          </a:lstStyle>
+          <a:p>
+            <a:pPr algn="ctr"/>
+            <a:r>
+              <a:rPr lang="en-US" dirty="0" smtClean="0">
+                <a:solidFill>
+                  <a:schemeClr val="tx1"/>
+                </a:solidFill>
+              </a:rPr>
+              <a:t>Admin</a:t>
+            </a:r>
+            <a:endParaRPr lang="en-SG" dirty="0">
+              <a:solidFill>
+                <a:schemeClr val="tx1"/>
+              </a:solidFill>
+            </a:endParaRPr>
+          </a:p>
+        </p:txBody>
+      </p:sp>
+      <p:sp>
+        <p:nvSpPr>
+          <p:cNvPr id="123" name="TextBox 122"/>
+          <p:cNvSpPr txBox="1"/>
+          <p:nvPr/>
+        </p:nvSpPr>
+        <p:spPr>
+          <a:xfrm>
+            <a:off x="0" y="670719"/>
+            <a:ext cx="762000" cy="304800"/>
+          </a:xfrm>
+          <a:prstGeom prst="rect">
+            <a:avLst/>
+          </a:prstGeom>
+          <a:grpFill/>
+          <a:ln>
+            <a:noFill/>
+          </a:ln>
+        </p:spPr>
+        <p:style>
+          <a:lnRef idx="2">
+            <a:schemeClr val="accent1">
+              <a:shade val="50000"/>
+            </a:schemeClr>
+          </a:lnRef>
+          <a:fillRef idx="1">
+            <a:schemeClr val="accent1"/>
+          </a:fillRef>
+          <a:effectRef idx="0">
+            <a:schemeClr val="accent1"/>
+          </a:effectRef>
+          <a:fontRef idx="minor">
+            <a:schemeClr val="lt1"/>
+          </a:fontRef>
+        </p:style>
+        <p:txBody>
+          <a:bodyPr rtlCol="0" anchor="t" anchorCtr="0"/>
+          <a:lstStyle>
+            <a:defPPr>
+              <a:defRPr lang="en-US"/>
+            </a:defPPr>
+            <a:lvl1pPr>
+              <a:defRPr sz="1400" b="1">
+                <a:solidFill>
+                  <a:srgbClr val="7030A0"/>
+                </a:solidFill>
+              </a:defRPr>
+            </a:lvl1pPr>
+            <a:lvl2pPr>
+              <a:defRPr>
+                <a:solidFill>
+                  <a:schemeClr val="lt1"/>
+                </a:solidFill>
+              </a:defRPr>
+            </a:lvl2pPr>
+            <a:lvl3pPr>
+              <a:defRPr>
+                <a:solidFill>
+                  <a:schemeClr val="lt1"/>
+                </a:solidFill>
+              </a:defRPr>
+            </a:lvl3pPr>
+            <a:lvl4pPr>
+              <a:defRPr>
+                <a:solidFill>
+                  <a:schemeClr val="lt1"/>
+                </a:solidFill>
+              </a:defRPr>
+            </a:lvl4pPr>
+            <a:lvl5pPr>
+              <a:defRPr>
+                <a:solidFill>
+                  <a:schemeClr val="lt1"/>
+                </a:solidFill>
+              </a:defRPr>
+            </a:lvl5pPr>
+            <a:lvl6pPr>
+              <a:defRPr>
+                <a:solidFill>
+                  <a:schemeClr val="lt1"/>
+                </a:solidFill>
+              </a:defRPr>
+            </a:lvl6pPr>
+            <a:lvl7pPr>
+              <a:defRPr>
+                <a:solidFill>
+                  <a:schemeClr val="lt1"/>
+                </a:solidFill>
+              </a:defRPr>
+            </a:lvl7pPr>
+            <a:lvl8pPr>
+              <a:defRPr>
+                <a:solidFill>
+                  <a:schemeClr val="lt1"/>
+                </a:solidFill>
+              </a:defRPr>
+            </a:lvl8pPr>
+            <a:lvl9pPr>
+              <a:defRPr>
+                <a:solidFill>
+                  <a:schemeClr val="lt1"/>
+                </a:solidFill>
+              </a:defRPr>
+            </a:lvl9pPr>
+          </a:lstStyle>
+          <a:p>
+            <a:pPr algn="ctr"/>
+            <a:r>
+              <a:rPr lang="en-US" dirty="0" smtClean="0">
+                <a:solidFill>
+                  <a:schemeClr val="tx1"/>
+                </a:solidFill>
+              </a:rPr>
+              <a:t>User</a:t>
+            </a:r>
+            <a:endParaRPr lang="en-SG" dirty="0">
+              <a:solidFill>
+                <a:schemeClr val="tx1"/>
+              </a:solidFill>
+            </a:endParaRPr>
+          </a:p>
+        </p:txBody>
+      </p:sp>
     </p:spTree>
     <p:extLst>
       <p:ext uri="{BB962C8B-B14F-4D97-AF65-F5344CB8AC3E}">
-        <p14:creationId xmlns:p14="http://schemas.microsoft.com/office/powerpoint/2010/main" val="2312643091"/>
+        <p14:creationId xmlns:p14="http://schemas.microsoft.com/office/powerpoint/2010/main" xmlns="" val="2312643091"/>
       </p:ext>
     </p:extLst>
   </p:cSld>

--- a/doc/diagrams/highlevelArchitecture.pptx
+++ b/doc/diagrams/highlevelArchitecture.pptx
@@ -3067,8 +3067,8 @@
         </p:nvSpPr>
         <p:spPr>
           <a:xfrm>
-            <a:off x="152400" y="137319"/>
-            <a:ext cx="2362200" cy="4572000"/>
+            <a:off x="653990" y="61119"/>
+            <a:ext cx="1860610" cy="4648200"/>
           </a:xfrm>
           <a:prstGeom prst="roundRect">
             <a:avLst>
@@ -3124,7 +3124,7 @@
         <p:spPr>
           <a:xfrm>
             <a:off x="838200" y="2118519"/>
-            <a:ext cx="1524000" cy="762000"/>
+            <a:ext cx="1524000" cy="1143000"/>
           </a:xfrm>
           <a:prstGeom prst="roundRect">
             <a:avLst>
@@ -3248,27 +3248,39 @@
         </p:nvSpPr>
         <p:spPr>
           <a:xfrm>
-            <a:off x="838200" y="2956719"/>
-            <a:ext cx="1524000" cy="1676400"/>
+            <a:off x="838200" y="3490119"/>
+            <a:ext cx="1524000" cy="1143000"/>
           </a:xfrm>
           <a:prstGeom prst="roundRect">
             <a:avLst>
               <a:gd name="adj" fmla="val 9190"/>
             </a:avLst>
           </a:prstGeom>
-          <a:ln/>
+          <a:solidFill>
+            <a:schemeClr val="accent3">
+              <a:lumMod val="40000"/>
+              <a:lumOff val="60000"/>
+            </a:schemeClr>
+          </a:solidFill>
+          <a:ln>
+            <a:solidFill>
+              <a:schemeClr val="accent3">
+                <a:lumMod val="75000"/>
+              </a:schemeClr>
+            </a:solidFill>
+          </a:ln>
         </p:spPr>
         <p:style>
           <a:lnRef idx="2">
-            <a:schemeClr val="accent3">
+            <a:schemeClr val="accent1">
               <a:shade val="50000"/>
             </a:schemeClr>
           </a:lnRef>
           <a:fillRef idx="1">
-            <a:schemeClr val="accent3"/>
+            <a:schemeClr val="accent1"/>
           </a:fillRef>
           <a:effectRef idx="0">
-            <a:schemeClr val="accent3"/>
+            <a:schemeClr val="accent1"/>
           </a:effectRef>
           <a:fontRef idx="minor">
             <a:schemeClr val="lt1"/>
@@ -3278,12 +3290,12 @@
           <a:bodyPr rtlCol="0" anchor="t" anchorCtr="1"/>
           <a:lstStyle/>
           <a:p>
-            <a:pPr algn="ctr"/>
-            <a:r>
-              <a:rPr lang="en-US" sz="1600" b="1" dirty="0" smtClean="0">
+            <a:pPr algn="r"/>
+            <a:r>
+              <a:rPr lang="en-US" sz="1600" b="1" dirty="0">
                 <a:solidFill>
                   <a:schemeClr val="accent3">
-                    <a:lumMod val="50000"/>
+                    <a:lumMod val="75000"/>
                   </a:schemeClr>
                 </a:solidFill>
               </a:rPr>
@@ -3292,7 +3304,7 @@
             <a:endParaRPr lang="en-SG" sz="1600" b="1" dirty="0">
               <a:solidFill>
                 <a:schemeClr val="accent3">
-                  <a:lumMod val="50000"/>
+                  <a:lumMod val="75000"/>
                 </a:schemeClr>
               </a:solidFill>
             </a:endParaRPr>
@@ -3307,8 +3319,8 @@
         </p:nvSpPr>
         <p:spPr>
           <a:xfrm>
-            <a:off x="5181600" y="975519"/>
-            <a:ext cx="1219200" cy="1143000"/>
+            <a:off x="5181600" y="975518"/>
+            <a:ext cx="1219200" cy="2438399"/>
           </a:xfrm>
           <a:prstGeom prst="roundRect">
             <a:avLst>
@@ -3443,8 +3455,8 @@
         </p:nvSpPr>
         <p:spPr>
           <a:xfrm>
-            <a:off x="1219200" y="594519"/>
-            <a:ext cx="1143000" cy="1371600"/>
+            <a:off x="1219200" y="194469"/>
+            <a:ext cx="1143000" cy="1771650"/>
           </a:xfrm>
           <a:prstGeom prst="roundRect">
             <a:avLst>
@@ -3572,7 +3584,7 @@
         </p:nvCxnSpPr>
         <p:spPr>
           <a:xfrm>
-            <a:off x="6400800" y="1585119"/>
+            <a:off x="6400800" y="1432719"/>
             <a:ext cx="457200" cy="0"/>
           </a:xfrm>
           <a:prstGeom prst="straightConnector1">
@@ -3611,7 +3623,7 @@
         <p:spPr>
           <a:xfrm>
             <a:off x="2362200" y="2804319"/>
-            <a:ext cx="4495800" cy="0"/>
+            <a:ext cx="2819401" cy="0"/>
           </a:xfrm>
           <a:prstGeom prst="straightConnector1">
             <a:avLst/>
@@ -3766,7 +3778,7 @@
         </p:nvCxnSpPr>
         <p:spPr>
           <a:xfrm flipH="1">
-            <a:off x="2362200" y="1508919"/>
+            <a:off x="2362200" y="1432719"/>
             <a:ext cx="1295400" cy="0"/>
           </a:xfrm>
           <a:prstGeom prst="straightConnector1">
@@ -3796,50 +3808,10 @@
           </a:fontRef>
         </p:style>
       </p:cxnSp>
-      <p:sp>
-        <p:nvSpPr>
-          <p:cNvPr id="73" name="Smiley Face 72"/>
-          <p:cNvSpPr/>
-          <p:nvPr/>
-        </p:nvSpPr>
-        <p:spPr>
-          <a:xfrm>
-            <a:off x="152400" y="2374894"/>
-            <a:ext cx="304800" cy="353225"/>
-          </a:xfrm>
-          <a:prstGeom prst="smileyFace">
-            <a:avLst/>
-          </a:prstGeom>
-        </p:spPr>
-        <p:style>
-          <a:lnRef idx="2">
-            <a:schemeClr val="dk1"/>
-          </a:lnRef>
-          <a:fillRef idx="1">
-            <a:schemeClr val="lt1"/>
-          </a:fillRef>
-          <a:effectRef idx="0">
-            <a:schemeClr val="dk1"/>
-          </a:effectRef>
-          <a:fontRef idx="minor">
-            <a:schemeClr val="dk1"/>
-          </a:fontRef>
-        </p:style>
-        <p:txBody>
-          <a:bodyPr rtlCol="0" anchor="ctr"/>
-          <a:lstStyle/>
-          <a:p>
-            <a:pPr algn="ctr"/>
-            <a:endParaRPr lang="en-SG"/>
-          </a:p>
-        </p:txBody>
-      </p:sp>
       <p:cxnSp>
         <p:nvCxnSpPr>
           <p:cNvPr id="74" name="Straight Arrow Connector 73"/>
-          <p:cNvCxnSpPr>
-            <a:stCxn id="114" idx="6"/>
-          </p:cNvCxnSpPr>
+          <p:cNvCxnSpPr/>
           <p:nvPr/>
         </p:nvCxnSpPr>
         <p:spPr>
@@ -4574,15 +4546,7 @@
                   <a:schemeClr val="bg1"/>
                 </a:solidFill>
               </a:rPr>
-              <a:t>JSP</a:t>
-            </a:r>
-            <a:r>
-              <a:rPr lang="en-US" dirty="0" smtClean="0">
-                <a:solidFill>
-                  <a:schemeClr val="bg1"/>
-                </a:solidFill>
-              </a:rPr>
-              <a:t>, Servlets </a:t>
+              <a:t>JSP, Servlets </a:t>
             </a:r>
             <a:endParaRPr lang="en-SG" dirty="0">
               <a:solidFill>
@@ -4600,7 +4564,7 @@
         </p:nvSpPr>
         <p:spPr>
           <a:xfrm>
-            <a:off x="2667000" y="1204119"/>
+            <a:off x="2667000" y="1127919"/>
             <a:ext cx="659628" cy="533400"/>
           </a:xfrm>
           <a:prstGeom prst="rect">
@@ -4729,7 +4693,7 @@
         </p:nvCxnSpPr>
         <p:spPr>
           <a:xfrm flipH="1">
-            <a:off x="4648200" y="1661319"/>
+            <a:off x="4648200" y="1432719"/>
             <a:ext cx="533401" cy="0"/>
           </a:xfrm>
           <a:prstGeom prst="straightConnector1">
@@ -5082,7 +5046,7 @@
         </p:nvSpPr>
         <p:spPr>
           <a:xfrm>
-            <a:off x="3505200" y="3490119"/>
+            <a:off x="3505200" y="4023519"/>
             <a:ext cx="4602178" cy="685800"/>
           </a:xfrm>
           <a:custGeom>
@@ -5222,7 +5186,7 @@
         </p:nvSpPr>
         <p:spPr>
           <a:xfrm>
-            <a:off x="4267200" y="3871119"/>
+            <a:off x="4267200" y="4404519"/>
             <a:ext cx="2438400" cy="227111"/>
           </a:xfrm>
           <a:prstGeom prst="rect">
@@ -5357,7 +5321,7 @@
         </p:nvSpPr>
         <p:spPr>
           <a:xfrm rot="16200000">
-            <a:off x="6680013" y="2753711"/>
+            <a:off x="6680013" y="3439511"/>
             <a:ext cx="1371600" cy="1015615"/>
           </a:xfrm>
           <a:prstGeom prst="flowChartMagneticDrum">
@@ -5434,9 +5398,9 @@
           <p:nvPr/>
         </p:nvCxnSpPr>
         <p:spPr>
-          <a:xfrm flipV="1">
-            <a:off x="7365814" y="2118519"/>
-            <a:ext cx="25586" cy="457200"/>
+          <a:xfrm flipH="1" flipV="1">
+            <a:off x="7341372" y="2118519"/>
+            <a:ext cx="24442" cy="1143000"/>
           </a:xfrm>
           <a:prstGeom prst="straightConnector1">
             <a:avLst/>
@@ -5467,230 +5431,6 @@
           </a:fontRef>
         </p:style>
       </p:cxnSp>
-      <p:cxnSp>
-        <p:nvCxnSpPr>
-          <p:cNvPr id="95" name="Straight Arrow Connector 94"/>
-          <p:cNvCxnSpPr/>
-          <p:nvPr/>
-        </p:nvCxnSpPr>
-        <p:spPr>
-          <a:xfrm flipH="1">
-            <a:off x="2209800" y="3413919"/>
-            <a:ext cx="4648204" cy="0"/>
-          </a:xfrm>
-          <a:prstGeom prst="straightConnector1">
-            <a:avLst/>
-          </a:prstGeom>
-          <a:ln w="38100">
-            <a:solidFill>
-              <a:schemeClr val="accent3">
-                <a:lumMod val="75000"/>
-              </a:schemeClr>
-            </a:solidFill>
-            <a:prstDash val="sysDot"/>
-            <a:headEnd type="triangle" w="med" len="med"/>
-            <a:tailEnd type="none" w="med" len="med"/>
-          </a:ln>
-        </p:spPr>
-        <p:style>
-          <a:lnRef idx="1">
-            <a:schemeClr val="accent1"/>
-          </a:lnRef>
-          <a:fillRef idx="0">
-            <a:schemeClr val="accent1"/>
-          </a:fillRef>
-          <a:effectRef idx="0">
-            <a:schemeClr val="accent1"/>
-          </a:effectRef>
-          <a:fontRef idx="minor">
-            <a:schemeClr val="tx1"/>
-          </a:fontRef>
-        </p:style>
-      </p:cxnSp>
-      <p:sp>
-        <p:nvSpPr>
-          <p:cNvPr id="100" name="Rounded Rectangle 99"/>
-          <p:cNvSpPr/>
-          <p:nvPr/>
-        </p:nvSpPr>
-        <p:spPr>
-          <a:xfrm>
-            <a:off x="990600" y="3337719"/>
-            <a:ext cx="1219200" cy="533400"/>
-          </a:xfrm>
-          <a:prstGeom prst="roundRect">
-            <a:avLst>
-              <a:gd name="adj" fmla="val 9190"/>
-            </a:avLst>
-          </a:prstGeom>
-          <a:solidFill>
-            <a:schemeClr val="accent3">
-              <a:lumMod val="40000"/>
-              <a:lumOff val="60000"/>
-            </a:schemeClr>
-          </a:solidFill>
-          <a:ln>
-            <a:solidFill>
-              <a:schemeClr val="accent3">
-                <a:lumMod val="75000"/>
-              </a:schemeClr>
-            </a:solidFill>
-          </a:ln>
-        </p:spPr>
-        <p:style>
-          <a:lnRef idx="2">
-            <a:schemeClr val="accent1">
-              <a:shade val="50000"/>
-            </a:schemeClr>
-          </a:lnRef>
-          <a:fillRef idx="1">
-            <a:schemeClr val="accent1"/>
-          </a:fillRef>
-          <a:effectRef idx="0">
-            <a:schemeClr val="accent1"/>
-          </a:effectRef>
-          <a:fontRef idx="minor">
-            <a:schemeClr val="lt1"/>
-          </a:fontRef>
-        </p:style>
-        <p:txBody>
-          <a:bodyPr rtlCol="0" anchor="t" anchorCtr="1"/>
-          <a:lstStyle/>
-          <a:p>
-            <a:pPr algn="r"/>
-            <a:r>
-              <a:rPr lang="en-US" sz="1600" b="1" dirty="0" smtClean="0">
-                <a:solidFill>
-                  <a:schemeClr val="accent3">
-                    <a:lumMod val="75000"/>
-                  </a:schemeClr>
-                </a:solidFill>
-              </a:rPr>
-              <a:t>Scripts</a:t>
-            </a:r>
-            <a:endParaRPr lang="en-SG" sz="1600" b="1" dirty="0">
-              <a:solidFill>
-                <a:schemeClr val="accent3">
-                  <a:lumMod val="75000"/>
-                </a:schemeClr>
-              </a:solidFill>
-            </a:endParaRPr>
-          </a:p>
-        </p:txBody>
-      </p:sp>
-      <p:sp>
-        <p:nvSpPr>
-          <p:cNvPr id="102" name="Rounded Rectangle 101"/>
-          <p:cNvSpPr/>
-          <p:nvPr/>
-        </p:nvSpPr>
-        <p:spPr>
-          <a:xfrm>
-            <a:off x="990600" y="4023519"/>
-            <a:ext cx="1219200" cy="533400"/>
-          </a:xfrm>
-          <a:prstGeom prst="roundRect">
-            <a:avLst>
-              <a:gd name="adj" fmla="val 9190"/>
-            </a:avLst>
-          </a:prstGeom>
-          <a:solidFill>
-            <a:schemeClr val="accent3">
-              <a:lumMod val="40000"/>
-              <a:lumOff val="60000"/>
-            </a:schemeClr>
-          </a:solidFill>
-          <a:ln>
-            <a:solidFill>
-              <a:schemeClr val="accent3">
-                <a:lumMod val="75000"/>
-              </a:schemeClr>
-            </a:solidFill>
-          </a:ln>
-        </p:spPr>
-        <p:style>
-          <a:lnRef idx="2">
-            <a:schemeClr val="accent1">
-              <a:shade val="50000"/>
-            </a:schemeClr>
-          </a:lnRef>
-          <a:fillRef idx="1">
-            <a:schemeClr val="accent1"/>
-          </a:fillRef>
-          <a:effectRef idx="0">
-            <a:schemeClr val="accent1"/>
-          </a:effectRef>
-          <a:fontRef idx="minor">
-            <a:schemeClr val="lt1"/>
-          </a:fontRef>
-        </p:style>
-        <p:txBody>
-          <a:bodyPr rtlCol="0" anchor="t" anchorCtr="1"/>
-          <a:lstStyle/>
-          <a:p>
-            <a:pPr algn="r"/>
-            <a:r>
-              <a:rPr lang="en-US" sz="1600" b="1" dirty="0" err="1" smtClean="0">
-                <a:solidFill>
-                  <a:schemeClr val="accent3">
-                    <a:lumMod val="75000"/>
-                  </a:schemeClr>
-                </a:solidFill>
-              </a:rPr>
-              <a:t>RemoteAPI</a:t>
-            </a:r>
-            <a:endParaRPr lang="en-SG" sz="1600" b="1" dirty="0">
-              <a:solidFill>
-                <a:schemeClr val="accent3">
-                  <a:lumMod val="75000"/>
-                </a:schemeClr>
-              </a:solidFill>
-            </a:endParaRPr>
-          </a:p>
-        </p:txBody>
-      </p:sp>
-      <p:cxnSp>
-        <p:nvCxnSpPr>
-          <p:cNvPr id="103" name="Elbow Connector 102"/>
-          <p:cNvCxnSpPr/>
-          <p:nvPr/>
-        </p:nvCxnSpPr>
-        <p:spPr>
-          <a:xfrm flipV="1">
-            <a:off x="2209800" y="3947319"/>
-            <a:ext cx="5181600" cy="533400"/>
-          </a:xfrm>
-          <a:prstGeom prst="bentConnector3">
-            <a:avLst>
-              <a:gd name="adj1" fmla="val 100000"/>
-            </a:avLst>
-          </a:prstGeom>
-          <a:ln w="38100">
-            <a:solidFill>
-              <a:schemeClr val="accent3">
-                <a:lumMod val="75000"/>
-              </a:schemeClr>
-            </a:solidFill>
-            <a:prstDash val="sysDot"/>
-            <a:headEnd type="none" w="med" len="med"/>
-            <a:tailEnd type="triangle" w="med" len="med"/>
-          </a:ln>
-        </p:spPr>
-        <p:style>
-          <a:lnRef idx="1">
-            <a:schemeClr val="accent1"/>
-          </a:lnRef>
-          <a:fillRef idx="0">
-            <a:schemeClr val="accent1"/>
-          </a:fillRef>
-          <a:effectRef idx="0">
-            <a:schemeClr val="accent1"/>
-          </a:effectRef>
-          <a:fontRef idx="minor">
-            <a:schemeClr val="tx1"/>
-          </a:fontRef>
-        </p:style>
-      </p:cxnSp>
       <p:sp>
         <p:nvSpPr>
           <p:cNvPr id="113" name="TextBox 112"/>
@@ -5699,7 +5439,7 @@
         </p:nvSpPr>
         <p:spPr>
           <a:xfrm>
-            <a:off x="4648200" y="4175919"/>
+            <a:off x="3488924" y="3443171"/>
             <a:ext cx="2133600" cy="304800"/>
           </a:xfrm>
           <a:prstGeom prst="rect">
@@ -5732,139 +5472,31 @@
             <a:defPPr>
               <a:defRPr lang="en-US"/>
             </a:defPPr>
-            <a:lvl1pPr>
+            <a:lvl1pPr algn="ctr">
               <a:defRPr sz="1400" b="1">
                 <a:solidFill>
-                  <a:srgbClr val="7030A0"/>
+                  <a:schemeClr val="accent3">
+                    <a:lumMod val="60000"/>
+                    <a:lumOff val="40000"/>
+                  </a:schemeClr>
                 </a:solidFill>
               </a:defRPr>
             </a:lvl1pPr>
-            <a:lvl2pPr>
-              <a:defRPr>
-                <a:solidFill>
-                  <a:schemeClr val="lt1"/>
-                </a:solidFill>
-              </a:defRPr>
-            </a:lvl2pPr>
-            <a:lvl3pPr>
-              <a:defRPr>
-                <a:solidFill>
-                  <a:schemeClr val="lt1"/>
-                </a:solidFill>
-              </a:defRPr>
-            </a:lvl3pPr>
-            <a:lvl4pPr>
-              <a:defRPr>
-                <a:solidFill>
-                  <a:schemeClr val="lt1"/>
-                </a:solidFill>
-              </a:defRPr>
-            </a:lvl4pPr>
-            <a:lvl5pPr>
-              <a:defRPr>
-                <a:solidFill>
-                  <a:schemeClr val="lt1"/>
-                </a:solidFill>
-              </a:defRPr>
-            </a:lvl5pPr>
-            <a:lvl6pPr>
-              <a:defRPr>
-                <a:solidFill>
-                  <a:schemeClr val="lt1"/>
-                </a:solidFill>
-              </a:defRPr>
-            </a:lvl6pPr>
-            <a:lvl7pPr>
-              <a:defRPr>
-                <a:solidFill>
-                  <a:schemeClr val="lt1"/>
-                </a:solidFill>
-              </a:defRPr>
-            </a:lvl7pPr>
-            <a:lvl8pPr>
-              <a:defRPr>
-                <a:solidFill>
-                  <a:schemeClr val="lt1"/>
-                </a:solidFill>
-              </a:defRPr>
-            </a:lvl8pPr>
-            <a:lvl9pPr>
-              <a:defRPr>
-                <a:solidFill>
-                  <a:schemeClr val="lt1"/>
-                </a:solidFill>
-              </a:defRPr>
-            </a:lvl9pPr>
           </a:lstStyle>
           <a:p>
-            <a:pPr algn="ctr"/>
-            <a:r>
-              <a:rPr lang="en-US" dirty="0" smtClean="0">
-                <a:solidFill>
-                  <a:srgbClr val="92D050"/>
-                </a:solidFill>
-              </a:rPr>
+            <a:r>
+              <a:rPr lang="en-US" dirty="0"/>
               <a:t>Remote API </a:t>
             </a:r>
             <a:r>
-              <a:rPr lang="en-US" dirty="0" err="1" smtClean="0">
-                <a:solidFill>
-                  <a:srgbClr val="92D050"/>
-                </a:solidFill>
-              </a:rPr>
-              <a:t>Servlet</a:t>
-            </a:r>
-            <a:r>
-              <a:rPr lang="en-US" dirty="0" smtClean="0">
-                <a:solidFill>
-                  <a:srgbClr val="92D050"/>
-                </a:solidFill>
-              </a:rPr>
-              <a:t> (GAE)</a:t>
-            </a:r>
-            <a:endParaRPr lang="en-SG" dirty="0">
-              <a:solidFill>
-                <a:srgbClr val="92D050"/>
-              </a:solidFill>
-            </a:endParaRPr>
-          </a:p>
-        </p:txBody>
-      </p:sp>
-      <p:sp>
-        <p:nvSpPr>
-          <p:cNvPr id="114" name="Smiley Face 113"/>
-          <p:cNvSpPr/>
-          <p:nvPr/>
-        </p:nvSpPr>
-        <p:spPr>
-          <a:xfrm>
-            <a:off x="152400" y="975519"/>
-            <a:ext cx="304800" cy="353225"/>
-          </a:xfrm>
-          <a:prstGeom prst="smileyFace">
-            <a:avLst/>
-          </a:prstGeom>
-        </p:spPr>
-        <p:style>
-          <a:lnRef idx="2">
-            <a:schemeClr val="dk1"/>
-          </a:lnRef>
-          <a:fillRef idx="1">
-            <a:schemeClr val="lt1"/>
-          </a:fillRef>
-          <a:effectRef idx="0">
-            <a:schemeClr val="dk1"/>
-          </a:effectRef>
-          <a:fontRef idx="minor">
-            <a:schemeClr val="dk1"/>
-          </a:fontRef>
-        </p:style>
-        <p:txBody>
-          <a:bodyPr rtlCol="0" anchor="ctr"/>
-          <a:lstStyle/>
-          <a:p>
-            <a:pPr algn="ctr"/>
-            <a:endParaRPr lang="en-SG"/>
+              <a:rPr lang="en-US" dirty="0" smtClean="0"/>
+              <a:t>(</a:t>
+            </a:r>
+            <a:r>
+              <a:rPr lang="en-US" dirty="0"/>
+              <a:t>GAE)</a:t>
+            </a:r>
+            <a:endParaRPr lang="en-SG" dirty="0"/>
           </a:p>
         </p:txBody>
       </p:sp>
@@ -5876,8 +5508,8 @@
         </p:nvSpPr>
         <p:spPr>
           <a:xfrm>
-            <a:off x="0" y="2042319"/>
-            <a:ext cx="762000" cy="304800"/>
+            <a:off x="-76200" y="2042319"/>
+            <a:ext cx="990600" cy="304800"/>
           </a:xfrm>
           <a:prstGeom prst="rect">
             <a:avLst/>
@@ -5976,16 +5608,16 @@
           <a:p>
             <a:pPr algn="ctr"/>
             <a:r>
-              <a:rPr lang="en-US" dirty="0" smtClean="0">
-                <a:solidFill>
-                  <a:schemeClr val="tx1"/>
+              <a:rPr lang="en-US" sz="1200" dirty="0" smtClean="0">
+                <a:solidFill>
+                  <a:schemeClr val="accent2"/>
                 </a:solidFill>
               </a:rPr>
-              <a:t>Dev</a:t>
-            </a:r>
-            <a:endParaRPr lang="en-SG" dirty="0">
+              <a:t>Developers</a:t>
+            </a:r>
+            <a:endParaRPr lang="en-SG" sz="1200" dirty="0">
               <a:solidFill>
-                <a:schemeClr val="tx1"/>
+                <a:schemeClr val="accent2"/>
               </a:solidFill>
             </a:endParaRPr>
           </a:p>
@@ -6029,44 +5661,6 @@
           </a:fontRef>
         </p:style>
       </p:cxnSp>
-      <p:sp>
-        <p:nvSpPr>
-          <p:cNvPr id="119" name="Smiley Face 118"/>
-          <p:cNvSpPr/>
-          <p:nvPr/>
-        </p:nvSpPr>
-        <p:spPr>
-          <a:xfrm>
-            <a:off x="152400" y="3566319"/>
-            <a:ext cx="304800" cy="353225"/>
-          </a:xfrm>
-          <a:prstGeom prst="smileyFace">
-            <a:avLst/>
-          </a:prstGeom>
-        </p:spPr>
-        <p:style>
-          <a:lnRef idx="2">
-            <a:schemeClr val="dk1"/>
-          </a:lnRef>
-          <a:fillRef idx="1">
-            <a:schemeClr val="lt1"/>
-          </a:fillRef>
-          <a:effectRef idx="0">
-            <a:schemeClr val="dk1"/>
-          </a:effectRef>
-          <a:fontRef idx="minor">
-            <a:schemeClr val="dk1"/>
-          </a:fontRef>
-        </p:style>
-        <p:txBody>
-          <a:bodyPr rtlCol="0" anchor="ctr"/>
-          <a:lstStyle/>
-          <a:p>
-            <a:pPr algn="ctr"/>
-            <a:endParaRPr lang="en-SG"/>
-          </a:p>
-        </p:txBody>
-      </p:sp>
       <p:cxnSp>
         <p:nvCxnSpPr>
           <p:cNvPr id="121" name="Straight Arrow Connector 120"/>
@@ -6113,7 +5707,7 @@
         </p:nvSpPr>
         <p:spPr>
           <a:xfrm>
-            <a:off x="0" y="3261519"/>
+            <a:off x="-108010" y="3261519"/>
             <a:ext cx="762000" cy="304800"/>
           </a:xfrm>
           <a:prstGeom prst="rect">
@@ -6213,16 +5807,20 @@
           <a:p>
             <a:pPr algn="ctr"/>
             <a:r>
-              <a:rPr lang="en-US" dirty="0" smtClean="0">
-                <a:solidFill>
-                  <a:schemeClr val="tx1"/>
+              <a:rPr lang="en-US" sz="1200" dirty="0" smtClean="0">
+                <a:solidFill>
+                  <a:schemeClr val="accent3">
+                    <a:lumMod val="75000"/>
+                  </a:schemeClr>
                 </a:solidFill>
               </a:rPr>
               <a:t>Admin</a:t>
             </a:r>
-            <a:endParaRPr lang="en-SG" dirty="0">
+            <a:endParaRPr lang="en-SG" sz="1200" dirty="0">
               <a:solidFill>
-                <a:schemeClr val="tx1"/>
+                <a:schemeClr val="accent3">
+                  <a:lumMod val="75000"/>
+                </a:schemeClr>
               </a:solidFill>
             </a:endParaRPr>
           </a:p>
@@ -6236,7 +5834,7 @@
         </p:nvSpPr>
         <p:spPr>
           <a:xfrm>
-            <a:off x="0" y="670719"/>
+            <a:off x="-152400" y="670719"/>
             <a:ext cx="762000" cy="304800"/>
           </a:xfrm>
           <a:prstGeom prst="rect">
@@ -6336,25 +5934,829 @@
           <a:p>
             <a:pPr algn="ctr"/>
             <a:r>
-              <a:rPr lang="en-US" dirty="0" smtClean="0">
-                <a:solidFill>
-                  <a:schemeClr val="tx1"/>
+              <a:rPr lang="en-US" sz="1200" dirty="0" smtClean="0">
+                <a:solidFill>
+                  <a:schemeClr val="accent1"/>
                 </a:solidFill>
               </a:rPr>
-              <a:t>User</a:t>
-            </a:r>
-            <a:endParaRPr lang="en-SG" dirty="0">
+              <a:t>Users</a:t>
+            </a:r>
+            <a:endParaRPr lang="en-SG" sz="1200" dirty="0">
               <a:solidFill>
-                <a:schemeClr val="tx1"/>
+                <a:schemeClr val="accent1"/>
               </a:solidFill>
             </a:endParaRPr>
           </a:p>
         </p:txBody>
       </p:sp>
+      <p:cxnSp>
+        <p:nvCxnSpPr>
+          <p:cNvPr id="55" name="Straight Arrow Connector 54"/>
+          <p:cNvCxnSpPr/>
+          <p:nvPr/>
+        </p:nvCxnSpPr>
+        <p:spPr>
+          <a:xfrm flipH="1">
+            <a:off x="2362200" y="3742931"/>
+            <a:ext cx="4495805" cy="0"/>
+          </a:xfrm>
+          <a:prstGeom prst="straightConnector1">
+            <a:avLst/>
+          </a:prstGeom>
+          <a:ln w="38100">
+            <a:solidFill>
+              <a:schemeClr val="accent3">
+                <a:lumMod val="75000"/>
+              </a:schemeClr>
+            </a:solidFill>
+            <a:prstDash val="sysDot"/>
+            <a:headEnd type="triangle" w="med" len="med"/>
+            <a:tailEnd type="none" w="med" len="med"/>
+          </a:ln>
+        </p:spPr>
+        <p:style>
+          <a:lnRef idx="1">
+            <a:schemeClr val="accent1"/>
+          </a:lnRef>
+          <a:fillRef idx="0">
+            <a:schemeClr val="accent1"/>
+          </a:fillRef>
+          <a:effectRef idx="0">
+            <a:schemeClr val="accent1"/>
+          </a:effectRef>
+          <a:fontRef idx="minor">
+            <a:schemeClr val="tx1"/>
+          </a:fontRef>
+        </p:style>
+      </p:cxnSp>
+      <p:grpSp>
+        <p:nvGrpSpPr>
+          <p:cNvPr id="20" name="Group 19"/>
+          <p:cNvGrpSpPr/>
+          <p:nvPr/>
+        </p:nvGrpSpPr>
+        <p:grpSpPr>
+          <a:xfrm>
+            <a:off x="69192" y="931968"/>
+            <a:ext cx="388008" cy="342473"/>
+            <a:chOff x="678792" y="144177"/>
+            <a:chExt cx="441804" cy="392765"/>
+          </a:xfrm>
+        </p:grpSpPr>
+        <p:grpSp>
+          <p:nvGrpSpPr>
+            <p:cNvPr id="19" name="Group 18"/>
+            <p:cNvGrpSpPr/>
+            <p:nvPr/>
+          </p:nvGrpSpPr>
+          <p:grpSpPr>
+            <a:xfrm>
+              <a:off x="678792" y="144177"/>
+              <a:ext cx="403224" cy="392765"/>
+              <a:chOff x="678792" y="144177"/>
+              <a:chExt cx="403224" cy="392765"/>
+            </a:xfrm>
+          </p:grpSpPr>
+          <p:sp>
+            <p:nvSpPr>
+              <p:cNvPr id="59" name="Flowchart: Connector 58"/>
+              <p:cNvSpPr/>
+              <p:nvPr/>
+            </p:nvSpPr>
+            <p:spPr>
+              <a:xfrm rot="20830103">
+                <a:off x="678792" y="144177"/>
+                <a:ext cx="403224" cy="392765"/>
+              </a:xfrm>
+              <a:prstGeom prst="flowChartConnector">
+                <a:avLst/>
+              </a:prstGeom>
+              <a:solidFill>
+                <a:schemeClr val="bg1"/>
+              </a:solidFill>
+              <a:ln>
+                <a:solidFill>
+                  <a:schemeClr val="accent1"/>
+                </a:solidFill>
+              </a:ln>
+            </p:spPr>
+            <p:style>
+              <a:lnRef idx="2">
+                <a:schemeClr val="accent1">
+                  <a:shade val="50000"/>
+                </a:schemeClr>
+              </a:lnRef>
+              <a:fillRef idx="1">
+                <a:schemeClr val="accent1"/>
+              </a:fillRef>
+              <a:effectRef idx="0">
+                <a:schemeClr val="accent1"/>
+              </a:effectRef>
+              <a:fontRef idx="minor">
+                <a:schemeClr val="lt1"/>
+              </a:fontRef>
+            </p:style>
+            <p:txBody>
+              <a:bodyPr rtlCol="0" anchor="ctr"/>
+              <a:lstStyle/>
+              <a:p>
+                <a:pPr algn="ctr"/>
+                <a:endParaRPr lang="en-SG"/>
+              </a:p>
+            </p:txBody>
+          </p:sp>
+          <p:sp>
+            <p:nvSpPr>
+              <p:cNvPr id="92" name="Flowchart: Connector 91"/>
+              <p:cNvSpPr/>
+              <p:nvPr/>
+            </p:nvSpPr>
+            <p:spPr>
+              <a:xfrm rot="20830103">
+                <a:off x="883820" y="212217"/>
+                <a:ext cx="83544" cy="81377"/>
+              </a:xfrm>
+              <a:prstGeom prst="flowChartConnector">
+                <a:avLst/>
+              </a:prstGeom>
+              <a:solidFill>
+                <a:schemeClr val="bg1"/>
+              </a:solidFill>
+              <a:ln>
+                <a:solidFill>
+                  <a:schemeClr val="accent1"/>
+                </a:solidFill>
+              </a:ln>
+            </p:spPr>
+            <p:style>
+              <a:lnRef idx="2">
+                <a:schemeClr val="accent1">
+                  <a:shade val="50000"/>
+                </a:schemeClr>
+              </a:lnRef>
+              <a:fillRef idx="1">
+                <a:schemeClr val="accent1"/>
+              </a:fillRef>
+              <a:effectRef idx="0">
+                <a:schemeClr val="accent1"/>
+              </a:effectRef>
+              <a:fontRef idx="minor">
+                <a:schemeClr val="lt1"/>
+              </a:fontRef>
+            </p:style>
+            <p:txBody>
+              <a:bodyPr rtlCol="0" anchor="ctr"/>
+              <a:lstStyle/>
+              <a:p>
+                <a:pPr algn="ctr"/>
+                <a:endParaRPr lang="en-SG"/>
+              </a:p>
+            </p:txBody>
+          </p:sp>
+        </p:grpSp>
+        <p:cxnSp>
+          <p:nvCxnSpPr>
+            <p:cNvPr id="16" name="Straight Connector 15"/>
+            <p:cNvCxnSpPr/>
+            <p:nvPr/>
+          </p:nvCxnSpPr>
+          <p:spPr>
+            <a:xfrm>
+              <a:off x="1082496" y="339765"/>
+              <a:ext cx="38100" cy="0"/>
+            </a:xfrm>
+            <a:prstGeom prst="line">
+              <a:avLst/>
+            </a:prstGeom>
+            <a:solidFill>
+              <a:schemeClr val="bg1"/>
+            </a:solidFill>
+            <a:ln cap="rnd">
+              <a:solidFill>
+                <a:schemeClr val="accent1"/>
+              </a:solidFill>
+            </a:ln>
+          </p:spPr>
+          <p:style>
+            <a:lnRef idx="2">
+              <a:schemeClr val="accent1">
+                <a:shade val="50000"/>
+              </a:schemeClr>
+            </a:lnRef>
+            <a:fillRef idx="1">
+              <a:schemeClr val="accent1"/>
+            </a:fillRef>
+            <a:effectRef idx="0">
+              <a:schemeClr val="accent1"/>
+            </a:effectRef>
+            <a:fontRef idx="minor">
+              <a:schemeClr val="lt1"/>
+            </a:fontRef>
+          </p:style>
+        </p:cxnSp>
+        <p:sp>
+          <p:nvSpPr>
+            <p:cNvPr id="18" name="Freeform 17"/>
+            <p:cNvSpPr/>
+            <p:nvPr/>
+          </p:nvSpPr>
+          <p:spPr>
+            <a:xfrm rot="842210">
+              <a:off x="866775" y="423863"/>
+              <a:ext cx="152400" cy="45690"/>
+            </a:xfrm>
+            <a:custGeom>
+              <a:avLst/>
+              <a:gdLst>
+                <a:gd name="connsiteX0" fmla="*/ 152400 w 152400"/>
+                <a:gd name="connsiteY0" fmla="*/ 38100 h 45690"/>
+                <a:gd name="connsiteX1" fmla="*/ 52388 w 152400"/>
+                <a:gd name="connsiteY1" fmla="*/ 42862 h 45690"/>
+                <a:gd name="connsiteX2" fmla="*/ 0 w 152400"/>
+                <a:gd name="connsiteY2" fmla="*/ 0 h 45690"/>
+              </a:gdLst>
+              <a:ahLst/>
+              <a:cxnLst>
+                <a:cxn ang="0">
+                  <a:pos x="connsiteX0" y="connsiteY0"/>
+                </a:cxn>
+                <a:cxn ang="0">
+                  <a:pos x="connsiteX1" y="connsiteY1"/>
+                </a:cxn>
+                <a:cxn ang="0">
+                  <a:pos x="connsiteX2" y="connsiteY2"/>
+                </a:cxn>
+              </a:cxnLst>
+              <a:rect l="l" t="t" r="r" b="b"/>
+              <a:pathLst>
+                <a:path w="152400" h="45690">
+                  <a:moveTo>
+                    <a:pt x="152400" y="38100"/>
+                  </a:moveTo>
+                  <a:cubicBezTo>
+                    <a:pt x="115094" y="43656"/>
+                    <a:pt x="77788" y="49212"/>
+                    <a:pt x="52388" y="42862"/>
+                  </a:cubicBezTo>
+                  <a:cubicBezTo>
+                    <a:pt x="26988" y="36512"/>
+                    <a:pt x="13494" y="18256"/>
+                    <a:pt x="0" y="0"/>
+                  </a:cubicBezTo>
+                </a:path>
+              </a:pathLst>
+            </a:custGeom>
+            <a:solidFill>
+              <a:schemeClr val="bg1"/>
+            </a:solidFill>
+            <a:ln cap="rnd">
+              <a:solidFill>
+                <a:schemeClr val="accent1"/>
+              </a:solidFill>
+            </a:ln>
+          </p:spPr>
+          <p:style>
+            <a:lnRef idx="2">
+              <a:schemeClr val="accent1">
+                <a:shade val="50000"/>
+              </a:schemeClr>
+            </a:lnRef>
+            <a:fillRef idx="1">
+              <a:schemeClr val="accent1"/>
+            </a:fillRef>
+            <a:effectRef idx="0">
+              <a:schemeClr val="accent1"/>
+            </a:effectRef>
+            <a:fontRef idx="minor">
+              <a:schemeClr val="lt1"/>
+            </a:fontRef>
+          </p:style>
+          <p:txBody>
+            <a:bodyPr rtlCol="0" anchor="ctr"/>
+            <a:lstStyle/>
+            <a:p>
+              <a:pPr algn="ctr"/>
+              <a:endParaRPr lang="en-US"/>
+            </a:p>
+          </p:txBody>
+        </p:sp>
+      </p:grpSp>
+      <p:grpSp>
+        <p:nvGrpSpPr>
+          <p:cNvPr id="96" name="Group 95"/>
+          <p:cNvGrpSpPr/>
+          <p:nvPr/>
+        </p:nvGrpSpPr>
+        <p:grpSpPr>
+          <a:xfrm>
+            <a:off x="52461" y="2323474"/>
+            <a:ext cx="388008" cy="342473"/>
+            <a:chOff x="678792" y="144177"/>
+            <a:chExt cx="441804" cy="392765"/>
+          </a:xfrm>
+        </p:grpSpPr>
+        <p:grpSp>
+          <p:nvGrpSpPr>
+            <p:cNvPr id="97" name="Group 96"/>
+            <p:cNvGrpSpPr/>
+            <p:nvPr/>
+          </p:nvGrpSpPr>
+          <p:grpSpPr>
+            <a:xfrm>
+              <a:off x="678792" y="144177"/>
+              <a:ext cx="403224" cy="392765"/>
+              <a:chOff x="678792" y="144177"/>
+              <a:chExt cx="403224" cy="392765"/>
+            </a:xfrm>
+          </p:grpSpPr>
+          <p:sp>
+            <p:nvSpPr>
+              <p:cNvPr id="101" name="Flowchart: Connector 100"/>
+              <p:cNvSpPr/>
+              <p:nvPr/>
+            </p:nvSpPr>
+            <p:spPr>
+              <a:xfrm rot="20830103">
+                <a:off x="678792" y="144177"/>
+                <a:ext cx="403224" cy="392765"/>
+              </a:xfrm>
+              <a:prstGeom prst="flowChartConnector">
+                <a:avLst/>
+              </a:prstGeom>
+              <a:solidFill>
+                <a:schemeClr val="bg1"/>
+              </a:solidFill>
+              <a:ln>
+                <a:solidFill>
+                  <a:schemeClr val="accent2"/>
+                </a:solidFill>
+              </a:ln>
+            </p:spPr>
+            <p:style>
+              <a:lnRef idx="2">
+                <a:schemeClr val="accent1">
+                  <a:shade val="50000"/>
+                </a:schemeClr>
+              </a:lnRef>
+              <a:fillRef idx="1">
+                <a:schemeClr val="accent1"/>
+              </a:fillRef>
+              <a:effectRef idx="0">
+                <a:schemeClr val="accent1"/>
+              </a:effectRef>
+              <a:fontRef idx="minor">
+                <a:schemeClr val="lt1"/>
+              </a:fontRef>
+            </p:style>
+            <p:txBody>
+              <a:bodyPr rtlCol="0" anchor="ctr"/>
+              <a:lstStyle/>
+              <a:p>
+                <a:pPr algn="ctr"/>
+                <a:endParaRPr lang="en-SG"/>
+              </a:p>
+            </p:txBody>
+          </p:sp>
+          <p:sp>
+            <p:nvSpPr>
+              <p:cNvPr id="104" name="Flowchart: Connector 103"/>
+              <p:cNvSpPr/>
+              <p:nvPr/>
+            </p:nvSpPr>
+            <p:spPr>
+              <a:xfrm rot="20830103">
+                <a:off x="883820" y="212217"/>
+                <a:ext cx="83544" cy="81377"/>
+              </a:xfrm>
+              <a:prstGeom prst="flowChartConnector">
+                <a:avLst/>
+              </a:prstGeom>
+              <a:solidFill>
+                <a:schemeClr val="bg1"/>
+              </a:solidFill>
+              <a:ln>
+                <a:solidFill>
+                  <a:schemeClr val="accent2"/>
+                </a:solidFill>
+              </a:ln>
+            </p:spPr>
+            <p:style>
+              <a:lnRef idx="2">
+                <a:schemeClr val="accent1">
+                  <a:shade val="50000"/>
+                </a:schemeClr>
+              </a:lnRef>
+              <a:fillRef idx="1">
+                <a:schemeClr val="accent1"/>
+              </a:fillRef>
+              <a:effectRef idx="0">
+                <a:schemeClr val="accent1"/>
+              </a:effectRef>
+              <a:fontRef idx="minor">
+                <a:schemeClr val="lt1"/>
+              </a:fontRef>
+            </p:style>
+            <p:txBody>
+              <a:bodyPr rtlCol="0" anchor="ctr"/>
+              <a:lstStyle/>
+              <a:p>
+                <a:pPr algn="ctr"/>
+                <a:endParaRPr lang="en-SG"/>
+              </a:p>
+            </p:txBody>
+          </p:sp>
+        </p:grpSp>
+        <p:cxnSp>
+          <p:nvCxnSpPr>
+            <p:cNvPr id="98" name="Straight Connector 97"/>
+            <p:cNvCxnSpPr/>
+            <p:nvPr/>
+          </p:nvCxnSpPr>
+          <p:spPr>
+            <a:xfrm>
+              <a:off x="1082496" y="339765"/>
+              <a:ext cx="38100" cy="0"/>
+            </a:xfrm>
+            <a:prstGeom prst="line">
+              <a:avLst/>
+            </a:prstGeom>
+            <a:solidFill>
+              <a:schemeClr val="bg1"/>
+            </a:solidFill>
+            <a:ln cap="rnd">
+              <a:solidFill>
+                <a:schemeClr val="accent2"/>
+              </a:solidFill>
+            </a:ln>
+          </p:spPr>
+          <p:style>
+            <a:lnRef idx="2">
+              <a:schemeClr val="accent1">
+                <a:shade val="50000"/>
+              </a:schemeClr>
+            </a:lnRef>
+            <a:fillRef idx="1">
+              <a:schemeClr val="accent1"/>
+            </a:fillRef>
+            <a:effectRef idx="0">
+              <a:schemeClr val="accent1"/>
+            </a:effectRef>
+            <a:fontRef idx="minor">
+              <a:schemeClr val="lt1"/>
+            </a:fontRef>
+          </p:style>
+        </p:cxnSp>
+        <p:sp>
+          <p:nvSpPr>
+            <p:cNvPr id="99" name="Freeform 98"/>
+            <p:cNvSpPr/>
+            <p:nvPr/>
+          </p:nvSpPr>
+          <p:spPr>
+            <a:xfrm rot="842210">
+              <a:off x="866775" y="423863"/>
+              <a:ext cx="152400" cy="45690"/>
+            </a:xfrm>
+            <a:custGeom>
+              <a:avLst/>
+              <a:gdLst>
+                <a:gd name="connsiteX0" fmla="*/ 152400 w 152400"/>
+                <a:gd name="connsiteY0" fmla="*/ 38100 h 45690"/>
+                <a:gd name="connsiteX1" fmla="*/ 52388 w 152400"/>
+                <a:gd name="connsiteY1" fmla="*/ 42862 h 45690"/>
+                <a:gd name="connsiteX2" fmla="*/ 0 w 152400"/>
+                <a:gd name="connsiteY2" fmla="*/ 0 h 45690"/>
+              </a:gdLst>
+              <a:ahLst/>
+              <a:cxnLst>
+                <a:cxn ang="0">
+                  <a:pos x="connsiteX0" y="connsiteY0"/>
+                </a:cxn>
+                <a:cxn ang="0">
+                  <a:pos x="connsiteX1" y="connsiteY1"/>
+                </a:cxn>
+                <a:cxn ang="0">
+                  <a:pos x="connsiteX2" y="connsiteY2"/>
+                </a:cxn>
+              </a:cxnLst>
+              <a:rect l="l" t="t" r="r" b="b"/>
+              <a:pathLst>
+                <a:path w="152400" h="45690">
+                  <a:moveTo>
+                    <a:pt x="152400" y="38100"/>
+                  </a:moveTo>
+                  <a:cubicBezTo>
+                    <a:pt x="115094" y="43656"/>
+                    <a:pt x="77788" y="49212"/>
+                    <a:pt x="52388" y="42862"/>
+                  </a:cubicBezTo>
+                  <a:cubicBezTo>
+                    <a:pt x="26988" y="36512"/>
+                    <a:pt x="13494" y="18256"/>
+                    <a:pt x="0" y="0"/>
+                  </a:cubicBezTo>
+                </a:path>
+              </a:pathLst>
+            </a:custGeom>
+            <a:solidFill>
+              <a:schemeClr val="bg1"/>
+            </a:solidFill>
+            <a:ln cap="rnd">
+              <a:solidFill>
+                <a:schemeClr val="accent2"/>
+              </a:solidFill>
+            </a:ln>
+          </p:spPr>
+          <p:style>
+            <a:lnRef idx="2">
+              <a:schemeClr val="accent1">
+                <a:shade val="50000"/>
+              </a:schemeClr>
+            </a:lnRef>
+            <a:fillRef idx="1">
+              <a:schemeClr val="accent1"/>
+            </a:fillRef>
+            <a:effectRef idx="0">
+              <a:schemeClr val="accent1"/>
+            </a:effectRef>
+            <a:fontRef idx="minor">
+              <a:schemeClr val="lt1"/>
+            </a:fontRef>
+          </p:style>
+          <p:txBody>
+            <a:bodyPr rtlCol="0" anchor="ctr"/>
+            <a:lstStyle/>
+            <a:p>
+              <a:pPr algn="ctr"/>
+              <a:endParaRPr lang="en-US"/>
+            </a:p>
+          </p:txBody>
+        </p:sp>
+      </p:grpSp>
+      <p:grpSp>
+        <p:nvGrpSpPr>
+          <p:cNvPr id="105" name="Group 104"/>
+          <p:cNvGrpSpPr/>
+          <p:nvPr/>
+        </p:nvGrpSpPr>
+        <p:grpSpPr>
+          <a:xfrm>
+            <a:off x="67006" y="3560763"/>
+            <a:ext cx="388008" cy="342473"/>
+            <a:chOff x="678792" y="144177"/>
+            <a:chExt cx="441804" cy="392765"/>
+          </a:xfrm>
+        </p:grpSpPr>
+        <p:grpSp>
+          <p:nvGrpSpPr>
+            <p:cNvPr id="106" name="Group 105"/>
+            <p:cNvGrpSpPr/>
+            <p:nvPr/>
+          </p:nvGrpSpPr>
+          <p:grpSpPr>
+            <a:xfrm>
+              <a:off x="678792" y="144177"/>
+              <a:ext cx="403224" cy="392765"/>
+              <a:chOff x="678792" y="144177"/>
+              <a:chExt cx="403224" cy="392765"/>
+            </a:xfrm>
+          </p:grpSpPr>
+          <p:sp>
+            <p:nvSpPr>
+              <p:cNvPr id="109" name="Flowchart: Connector 108"/>
+              <p:cNvSpPr/>
+              <p:nvPr/>
+            </p:nvSpPr>
+            <p:spPr>
+              <a:xfrm rot="20830103">
+                <a:off x="678792" y="144177"/>
+                <a:ext cx="403224" cy="392765"/>
+              </a:xfrm>
+              <a:prstGeom prst="flowChartConnector">
+                <a:avLst/>
+              </a:prstGeom>
+              <a:solidFill>
+                <a:schemeClr val="bg1"/>
+              </a:solidFill>
+              <a:ln>
+                <a:solidFill>
+                  <a:schemeClr val="accent3">
+                    <a:lumMod val="75000"/>
+                  </a:schemeClr>
+                </a:solidFill>
+              </a:ln>
+            </p:spPr>
+            <p:style>
+              <a:lnRef idx="2">
+                <a:schemeClr val="accent1">
+                  <a:shade val="50000"/>
+                </a:schemeClr>
+              </a:lnRef>
+              <a:fillRef idx="1">
+                <a:schemeClr val="accent1"/>
+              </a:fillRef>
+              <a:effectRef idx="0">
+                <a:schemeClr val="accent1"/>
+              </a:effectRef>
+              <a:fontRef idx="minor">
+                <a:schemeClr val="lt1"/>
+              </a:fontRef>
+            </p:style>
+            <p:txBody>
+              <a:bodyPr rtlCol="0" anchor="ctr"/>
+              <a:lstStyle/>
+              <a:p>
+                <a:pPr algn="ctr"/>
+                <a:endParaRPr lang="en-SG"/>
+              </a:p>
+            </p:txBody>
+          </p:sp>
+          <p:sp>
+            <p:nvSpPr>
+              <p:cNvPr id="110" name="Flowchart: Connector 109"/>
+              <p:cNvSpPr/>
+              <p:nvPr/>
+            </p:nvSpPr>
+            <p:spPr>
+              <a:xfrm rot="20830103">
+                <a:off x="883820" y="212217"/>
+                <a:ext cx="83544" cy="81377"/>
+              </a:xfrm>
+              <a:prstGeom prst="flowChartConnector">
+                <a:avLst/>
+              </a:prstGeom>
+              <a:solidFill>
+                <a:schemeClr val="bg1"/>
+              </a:solidFill>
+              <a:ln>
+                <a:solidFill>
+                  <a:schemeClr val="accent3">
+                    <a:lumMod val="75000"/>
+                  </a:schemeClr>
+                </a:solidFill>
+              </a:ln>
+            </p:spPr>
+            <p:style>
+              <a:lnRef idx="2">
+                <a:schemeClr val="accent1">
+                  <a:shade val="50000"/>
+                </a:schemeClr>
+              </a:lnRef>
+              <a:fillRef idx="1">
+                <a:schemeClr val="accent1"/>
+              </a:fillRef>
+              <a:effectRef idx="0">
+                <a:schemeClr val="accent1"/>
+              </a:effectRef>
+              <a:fontRef idx="minor">
+                <a:schemeClr val="lt1"/>
+              </a:fontRef>
+            </p:style>
+            <p:txBody>
+              <a:bodyPr rtlCol="0" anchor="ctr"/>
+              <a:lstStyle/>
+              <a:p>
+                <a:pPr algn="ctr"/>
+                <a:endParaRPr lang="en-SG"/>
+              </a:p>
+            </p:txBody>
+          </p:sp>
+        </p:grpSp>
+        <p:cxnSp>
+          <p:nvCxnSpPr>
+            <p:cNvPr id="107" name="Straight Connector 106"/>
+            <p:cNvCxnSpPr/>
+            <p:nvPr/>
+          </p:nvCxnSpPr>
+          <p:spPr>
+            <a:xfrm>
+              <a:off x="1082496" y="339765"/>
+              <a:ext cx="38100" cy="0"/>
+            </a:xfrm>
+            <a:prstGeom prst="line">
+              <a:avLst/>
+            </a:prstGeom>
+            <a:solidFill>
+              <a:schemeClr val="bg1"/>
+            </a:solidFill>
+            <a:ln cap="rnd">
+              <a:solidFill>
+                <a:schemeClr val="accent3">
+                  <a:lumMod val="75000"/>
+                </a:schemeClr>
+              </a:solidFill>
+            </a:ln>
+          </p:spPr>
+          <p:style>
+            <a:lnRef idx="2">
+              <a:schemeClr val="accent1">
+                <a:shade val="50000"/>
+              </a:schemeClr>
+            </a:lnRef>
+            <a:fillRef idx="1">
+              <a:schemeClr val="accent1"/>
+            </a:fillRef>
+            <a:effectRef idx="0">
+              <a:schemeClr val="accent1"/>
+            </a:effectRef>
+            <a:fontRef idx="minor">
+              <a:schemeClr val="lt1"/>
+            </a:fontRef>
+          </p:style>
+        </p:cxnSp>
+        <p:sp>
+          <p:nvSpPr>
+            <p:cNvPr id="108" name="Freeform 107"/>
+            <p:cNvSpPr/>
+            <p:nvPr/>
+          </p:nvSpPr>
+          <p:spPr>
+            <a:xfrm rot="842210">
+              <a:off x="866775" y="423863"/>
+              <a:ext cx="152400" cy="45690"/>
+            </a:xfrm>
+            <a:custGeom>
+              <a:avLst/>
+              <a:gdLst>
+                <a:gd name="connsiteX0" fmla="*/ 152400 w 152400"/>
+                <a:gd name="connsiteY0" fmla="*/ 38100 h 45690"/>
+                <a:gd name="connsiteX1" fmla="*/ 52388 w 152400"/>
+                <a:gd name="connsiteY1" fmla="*/ 42862 h 45690"/>
+                <a:gd name="connsiteX2" fmla="*/ 0 w 152400"/>
+                <a:gd name="connsiteY2" fmla="*/ 0 h 45690"/>
+              </a:gdLst>
+              <a:ahLst/>
+              <a:cxnLst>
+                <a:cxn ang="0">
+                  <a:pos x="connsiteX0" y="connsiteY0"/>
+                </a:cxn>
+                <a:cxn ang="0">
+                  <a:pos x="connsiteX1" y="connsiteY1"/>
+                </a:cxn>
+                <a:cxn ang="0">
+                  <a:pos x="connsiteX2" y="connsiteY2"/>
+                </a:cxn>
+              </a:cxnLst>
+              <a:rect l="l" t="t" r="r" b="b"/>
+              <a:pathLst>
+                <a:path w="152400" h="45690">
+                  <a:moveTo>
+                    <a:pt x="152400" y="38100"/>
+                  </a:moveTo>
+                  <a:cubicBezTo>
+                    <a:pt x="115094" y="43656"/>
+                    <a:pt x="77788" y="49212"/>
+                    <a:pt x="52388" y="42862"/>
+                  </a:cubicBezTo>
+                  <a:cubicBezTo>
+                    <a:pt x="26988" y="36512"/>
+                    <a:pt x="13494" y="18256"/>
+                    <a:pt x="0" y="0"/>
+                  </a:cubicBezTo>
+                </a:path>
+              </a:pathLst>
+            </a:custGeom>
+            <a:solidFill>
+              <a:schemeClr val="bg1"/>
+            </a:solidFill>
+            <a:ln cap="rnd">
+              <a:solidFill>
+                <a:schemeClr val="accent3">
+                  <a:lumMod val="75000"/>
+                </a:schemeClr>
+              </a:solidFill>
+            </a:ln>
+          </p:spPr>
+          <p:style>
+            <a:lnRef idx="2">
+              <a:schemeClr val="accent1">
+                <a:shade val="50000"/>
+              </a:schemeClr>
+            </a:lnRef>
+            <a:fillRef idx="1">
+              <a:schemeClr val="accent1"/>
+            </a:fillRef>
+            <a:effectRef idx="0">
+              <a:schemeClr val="accent1"/>
+            </a:effectRef>
+            <a:fontRef idx="minor">
+              <a:schemeClr val="lt1"/>
+            </a:fontRef>
+          </p:style>
+          <p:txBody>
+            <a:bodyPr rtlCol="0" anchor="ctr"/>
+            <a:lstStyle/>
+            <a:p>
+              <a:pPr algn="ctr"/>
+              <a:endParaRPr lang="en-US"/>
+            </a:p>
+          </p:txBody>
+        </p:sp>
+      </p:grpSp>
     </p:spTree>
     <p:extLst>
       <p:ext uri="{BB962C8B-B14F-4D97-AF65-F5344CB8AC3E}">
-        <p14:creationId xmlns:p14="http://schemas.microsoft.com/office/powerpoint/2010/main" xmlns="" val="2312643091"/>
+        <p14:creationId xmlns:p14="http://schemas.microsoft.com/office/powerpoint/2010/main" val="2312643091"/>
       </p:ext>
     </p:extLst>
   </p:cSld>

--- a/doc/diagrams/highlevelArchitecture.pptx
+++ b/doc/diagrams/highlevelArchitecture.pptx
@@ -289,7 +289,7 @@
             <a:fld id="{1D8BD707-D9CF-40AE-B4C6-C98DA3205C09}" type="datetimeFigureOut">
               <a:rPr lang="en-US" smtClean="0"/>
               <a:pPr/>
-              <a:t>12/9/2012</a:t>
+              <a:t>3/24/2013</a:t>
             </a:fld>
             <a:endParaRPr lang="en-US"/>
           </a:p>
@@ -456,7 +456,7 @@
             <a:fld id="{1D8BD707-D9CF-40AE-B4C6-C98DA3205C09}" type="datetimeFigureOut">
               <a:rPr lang="en-US" smtClean="0"/>
               <a:pPr/>
-              <a:t>12/9/2012</a:t>
+              <a:t>3/24/2013</a:t>
             </a:fld>
             <a:endParaRPr lang="en-US"/>
           </a:p>
@@ -633,7 +633,7 @@
             <a:fld id="{1D8BD707-D9CF-40AE-B4C6-C98DA3205C09}" type="datetimeFigureOut">
               <a:rPr lang="en-US" smtClean="0"/>
               <a:pPr/>
-              <a:t>12/9/2012</a:t>
+              <a:t>3/24/2013</a:t>
             </a:fld>
             <a:endParaRPr lang="en-US"/>
           </a:p>
@@ -800,7 +800,7 @@
             <a:fld id="{1D8BD707-D9CF-40AE-B4C6-C98DA3205C09}" type="datetimeFigureOut">
               <a:rPr lang="en-US" smtClean="0"/>
               <a:pPr/>
-              <a:t>12/9/2012</a:t>
+              <a:t>3/24/2013</a:t>
             </a:fld>
             <a:endParaRPr lang="en-US"/>
           </a:p>
@@ -1043,7 +1043,7 @@
             <a:fld id="{1D8BD707-D9CF-40AE-B4C6-C98DA3205C09}" type="datetimeFigureOut">
               <a:rPr lang="en-US" smtClean="0"/>
               <a:pPr/>
-              <a:t>12/9/2012</a:t>
+              <a:t>3/24/2013</a:t>
             </a:fld>
             <a:endParaRPr lang="en-US"/>
           </a:p>
@@ -1328,7 +1328,7 @@
             <a:fld id="{1D8BD707-D9CF-40AE-B4C6-C98DA3205C09}" type="datetimeFigureOut">
               <a:rPr lang="en-US" smtClean="0"/>
               <a:pPr/>
-              <a:t>12/9/2012</a:t>
+              <a:t>3/24/2013</a:t>
             </a:fld>
             <a:endParaRPr lang="en-US"/>
           </a:p>
@@ -1747,7 +1747,7 @@
             <a:fld id="{1D8BD707-D9CF-40AE-B4C6-C98DA3205C09}" type="datetimeFigureOut">
               <a:rPr lang="en-US" smtClean="0"/>
               <a:pPr/>
-              <a:t>12/9/2012</a:t>
+              <a:t>3/24/2013</a:t>
             </a:fld>
             <a:endParaRPr lang="en-US"/>
           </a:p>
@@ -1862,7 +1862,7 @@
             <a:fld id="{1D8BD707-D9CF-40AE-B4C6-C98DA3205C09}" type="datetimeFigureOut">
               <a:rPr lang="en-US" smtClean="0"/>
               <a:pPr/>
-              <a:t>12/9/2012</a:t>
+              <a:t>3/24/2013</a:t>
             </a:fld>
             <a:endParaRPr lang="en-US"/>
           </a:p>
@@ -1954,7 +1954,7 @@
             <a:fld id="{1D8BD707-D9CF-40AE-B4C6-C98DA3205C09}" type="datetimeFigureOut">
               <a:rPr lang="en-US" smtClean="0"/>
               <a:pPr/>
-              <a:t>12/9/2012</a:t>
+              <a:t>3/24/2013</a:t>
             </a:fld>
             <a:endParaRPr lang="en-US"/>
           </a:p>
@@ -2228,7 +2228,7 @@
             <a:fld id="{1D8BD707-D9CF-40AE-B4C6-C98DA3205C09}" type="datetimeFigureOut">
               <a:rPr lang="en-US" smtClean="0"/>
               <a:pPr/>
-              <a:t>12/9/2012</a:t>
+              <a:t>3/24/2013</a:t>
             </a:fld>
             <a:endParaRPr lang="en-US"/>
           </a:p>
@@ -2478,7 +2478,7 @@
             <a:fld id="{1D8BD707-D9CF-40AE-B4C6-C98DA3205C09}" type="datetimeFigureOut">
               <a:rPr lang="en-US" smtClean="0"/>
               <a:pPr/>
-              <a:t>12/9/2012</a:t>
+              <a:t>3/24/2013</a:t>
             </a:fld>
             <a:endParaRPr lang="en-US"/>
           </a:p>
@@ -2688,7 +2688,7 @@
             <a:fld id="{1D8BD707-D9CF-40AE-B4C6-C98DA3205C09}" type="datetimeFigureOut">
               <a:rPr lang="en-US" smtClean="0"/>
               <a:pPr/>
-              <a:t>12/9/2012</a:t>
+              <a:t>3/24/2013</a:t>
             </a:fld>
             <a:endParaRPr lang="en-US"/>
           </a:p>
@@ -3067,8 +3067,8 @@
         </p:nvSpPr>
         <p:spPr>
           <a:xfrm>
-            <a:off x="76200" y="61119"/>
-            <a:ext cx="2438400" cy="4703570"/>
+            <a:off x="653990" y="61119"/>
+            <a:ext cx="1860610" cy="4648200"/>
           </a:xfrm>
           <a:prstGeom prst="roundRect">
             <a:avLst>
@@ -3117,6 +3117,75 @@
       </p:sp>
       <p:sp>
         <p:nvSpPr>
+          <p:cNvPr id="90" name="Rounded Rectangle 89"/>
+          <p:cNvSpPr/>
+          <p:nvPr/>
+        </p:nvSpPr>
+        <p:spPr>
+          <a:xfrm>
+            <a:off x="838200" y="2118519"/>
+            <a:ext cx="1524000" cy="1143000"/>
+          </a:xfrm>
+          <a:prstGeom prst="roundRect">
+            <a:avLst>
+              <a:gd name="adj" fmla="val 9190"/>
+            </a:avLst>
+          </a:prstGeom>
+          <a:solidFill>
+            <a:schemeClr val="accent2">
+              <a:lumMod val="40000"/>
+              <a:lumOff val="60000"/>
+            </a:schemeClr>
+          </a:solidFill>
+          <a:ln>
+            <a:solidFill>
+              <a:schemeClr val="accent2"/>
+            </a:solidFill>
+          </a:ln>
+        </p:spPr>
+        <p:style>
+          <a:lnRef idx="2">
+            <a:schemeClr val="accent1">
+              <a:shade val="50000"/>
+            </a:schemeClr>
+          </a:lnRef>
+          <a:fillRef idx="1">
+            <a:schemeClr val="accent1"/>
+          </a:fillRef>
+          <a:effectRef idx="0">
+            <a:schemeClr val="accent1"/>
+          </a:effectRef>
+          <a:fontRef idx="minor">
+            <a:schemeClr val="lt1"/>
+          </a:fontRef>
+        </p:style>
+        <p:txBody>
+          <a:bodyPr rtlCol="0" anchor="t" anchorCtr="1"/>
+          <a:lstStyle/>
+          <a:p>
+            <a:pPr algn="ctr"/>
+            <a:r>
+              <a:rPr lang="en-US" sz="1600" b="1" dirty="0" smtClean="0">
+                <a:solidFill>
+                  <a:schemeClr val="accent2">
+                    <a:lumMod val="75000"/>
+                  </a:schemeClr>
+                </a:solidFill>
+              </a:rPr>
+              <a:t>Test Driver</a:t>
+            </a:r>
+            <a:endParaRPr lang="en-SG" sz="1600" b="1" dirty="0">
+              <a:solidFill>
+                <a:schemeClr val="accent2">
+                  <a:lumMod val="75000"/>
+                </a:schemeClr>
+              </a:solidFill>
+            </a:endParaRPr>
+          </a:p>
+        </p:txBody>
+      </p:sp>
+      <p:sp>
+        <p:nvSpPr>
           <p:cNvPr id="61" name="Rounded Rectangle 60"/>
           <p:cNvSpPr/>
           <p:nvPr/>
@@ -3124,7 +3193,7 @@
         <p:spPr>
           <a:xfrm>
             <a:off x="3505200" y="61119"/>
-            <a:ext cx="4602178" cy="4476750"/>
+            <a:ext cx="4602178" cy="4648200"/>
           </a:xfrm>
           <a:prstGeom prst="roundRect">
             <a:avLst>
@@ -3179,142 +3248,8 @@
         </p:nvSpPr>
         <p:spPr>
           <a:xfrm>
-            <a:off x="304800" y="3242469"/>
-            <a:ext cx="1524000" cy="1373381"/>
-          </a:xfrm>
-          <a:prstGeom prst="roundRect">
-            <a:avLst>
-              <a:gd name="adj" fmla="val 9190"/>
-            </a:avLst>
-          </a:prstGeom>
-          <a:solidFill>
-            <a:schemeClr val="accent2">
-              <a:lumMod val="40000"/>
-              <a:lumOff val="60000"/>
-            </a:schemeClr>
-          </a:solidFill>
-          <a:ln>
-            <a:solidFill>
-              <a:schemeClr val="accent2"/>
-            </a:solidFill>
-          </a:ln>
-        </p:spPr>
-        <p:style>
-          <a:lnRef idx="2">
-            <a:schemeClr val="accent1">
-              <a:shade val="50000"/>
-            </a:schemeClr>
-          </a:lnRef>
-          <a:fillRef idx="1">
-            <a:schemeClr val="accent1"/>
-          </a:fillRef>
-          <a:effectRef idx="0">
-            <a:schemeClr val="accent1"/>
-          </a:effectRef>
-          <a:fontRef idx="minor">
-            <a:schemeClr val="lt1"/>
-          </a:fontRef>
-        </p:style>
-        <p:txBody>
-          <a:bodyPr rtlCol="0" anchor="t" anchorCtr="1"/>
-          <a:lstStyle/>
-          <a:p>
-            <a:pPr algn="ctr"/>
-            <a:r>
-              <a:rPr lang="en-US" sz="1600" b="1" dirty="0" smtClean="0">
-                <a:solidFill>
-                  <a:schemeClr val="accent2">
-                    <a:lumMod val="75000"/>
-                  </a:schemeClr>
-                </a:solidFill>
-              </a:rPr>
-              <a:t>Test Driver</a:t>
-            </a:r>
-            <a:endParaRPr lang="en-SG" sz="1600" b="1" dirty="0">
-              <a:solidFill>
-                <a:schemeClr val="accent2">
-                  <a:lumMod val="75000"/>
-                </a:schemeClr>
-              </a:solidFill>
-            </a:endParaRPr>
-          </a:p>
-        </p:txBody>
-      </p:sp>
-      <p:sp>
-        <p:nvSpPr>
-          <p:cNvPr id="63" name="Rounded Rectangle 62"/>
-          <p:cNvSpPr/>
-          <p:nvPr/>
-        </p:nvSpPr>
-        <p:spPr>
-          <a:xfrm>
-            <a:off x="5178182" y="1109583"/>
-            <a:ext cx="1219200" cy="3038832"/>
-          </a:xfrm>
-          <a:prstGeom prst="roundRect">
-            <a:avLst>
-              <a:gd name="adj" fmla="val 9190"/>
-            </a:avLst>
-          </a:prstGeom>
-          <a:solidFill>
-            <a:schemeClr val="accent4">
-              <a:lumMod val="40000"/>
-              <a:lumOff val="60000"/>
-            </a:schemeClr>
-          </a:solidFill>
-          <a:ln>
-            <a:solidFill>
-              <a:schemeClr val="accent4"/>
-            </a:solidFill>
-          </a:ln>
-        </p:spPr>
-        <p:style>
-          <a:lnRef idx="2">
-            <a:schemeClr val="accent1">
-              <a:shade val="50000"/>
-            </a:schemeClr>
-          </a:lnRef>
-          <a:fillRef idx="1">
-            <a:schemeClr val="accent1"/>
-          </a:fillRef>
-          <a:effectRef idx="0">
-            <a:schemeClr val="accent1"/>
-          </a:effectRef>
-          <a:fontRef idx="minor">
-            <a:schemeClr val="lt1"/>
-          </a:fontRef>
-        </p:style>
-        <p:txBody>
-          <a:bodyPr rtlCol="0" anchor="t" anchorCtr="1"/>
-          <a:lstStyle/>
-          <a:p>
-            <a:pPr algn="ctr"/>
-            <a:r>
-              <a:rPr lang="en-US" sz="1600" b="1" dirty="0" smtClean="0">
-                <a:solidFill>
-                  <a:schemeClr val="accent4"/>
-                </a:solidFill>
-              </a:rPr>
-              <a:t>Logic</a:t>
-            </a:r>
-            <a:endParaRPr lang="en-SG" sz="1600" b="1" dirty="0">
-              <a:solidFill>
-                <a:schemeClr val="accent4"/>
-              </a:solidFill>
-            </a:endParaRPr>
-          </a:p>
-        </p:txBody>
-      </p:sp>
-      <p:sp>
-        <p:nvSpPr>
-          <p:cNvPr id="64" name="Rounded Rectangle 63"/>
-          <p:cNvSpPr/>
-          <p:nvPr/>
-        </p:nvSpPr>
-        <p:spPr>
-          <a:xfrm>
-            <a:off x="6854582" y="1109582"/>
-            <a:ext cx="1143000" cy="1789987"/>
+            <a:off x="838200" y="3490119"/>
+            <a:ext cx="1524000" cy="1143000"/>
           </a:xfrm>
           <a:prstGeom prst="roundRect">
             <a:avLst>
@@ -3357,14 +3292,14 @@
           <a:p>
             <a:pPr algn="r"/>
             <a:r>
-              <a:rPr lang="en-US" sz="1600" b="1" dirty="0" smtClean="0">
+              <a:rPr lang="en-US" sz="1600" b="1" dirty="0">
                 <a:solidFill>
                   <a:schemeClr val="accent3">
                     <a:lumMod val="75000"/>
                   </a:schemeClr>
                 </a:solidFill>
               </a:rPr>
-              <a:t>Storage</a:t>
+              <a:t>Client</a:t>
             </a:r>
             <a:endParaRPr lang="en-SG" sz="1600" b="1" dirty="0">
               <a:solidFill>
@@ -3378,14 +3313,150 @@
       </p:sp>
       <p:sp>
         <p:nvSpPr>
+          <p:cNvPr id="63" name="Rounded Rectangle 62"/>
+          <p:cNvSpPr/>
+          <p:nvPr/>
+        </p:nvSpPr>
+        <p:spPr>
+          <a:xfrm>
+            <a:off x="5181600" y="975518"/>
+            <a:ext cx="1219200" cy="2438399"/>
+          </a:xfrm>
+          <a:prstGeom prst="roundRect">
+            <a:avLst>
+              <a:gd name="adj" fmla="val 9190"/>
+            </a:avLst>
+          </a:prstGeom>
+          <a:solidFill>
+            <a:schemeClr val="accent4">
+              <a:lumMod val="40000"/>
+              <a:lumOff val="60000"/>
+            </a:schemeClr>
+          </a:solidFill>
+          <a:ln>
+            <a:solidFill>
+              <a:schemeClr val="accent4"/>
+            </a:solidFill>
+          </a:ln>
+        </p:spPr>
+        <p:style>
+          <a:lnRef idx="2">
+            <a:schemeClr val="accent1">
+              <a:shade val="50000"/>
+            </a:schemeClr>
+          </a:lnRef>
+          <a:fillRef idx="1">
+            <a:schemeClr val="accent1"/>
+          </a:fillRef>
+          <a:effectRef idx="0">
+            <a:schemeClr val="accent1"/>
+          </a:effectRef>
+          <a:fontRef idx="minor">
+            <a:schemeClr val="lt1"/>
+          </a:fontRef>
+        </p:style>
+        <p:txBody>
+          <a:bodyPr rtlCol="0" anchor="t" anchorCtr="1"/>
+          <a:lstStyle/>
+          <a:p>
+            <a:pPr algn="ctr"/>
+            <a:r>
+              <a:rPr lang="en-US" sz="1600" b="1" dirty="0" smtClean="0">
+                <a:solidFill>
+                  <a:schemeClr val="accent4"/>
+                </a:solidFill>
+              </a:rPr>
+              <a:t>Logic</a:t>
+            </a:r>
+            <a:endParaRPr lang="en-SG" sz="1600" b="1" dirty="0">
+              <a:solidFill>
+                <a:schemeClr val="accent4"/>
+              </a:solidFill>
+            </a:endParaRPr>
+          </a:p>
+        </p:txBody>
+      </p:sp>
+      <p:sp>
+        <p:nvSpPr>
+          <p:cNvPr id="64" name="Rounded Rectangle 63"/>
+          <p:cNvSpPr/>
+          <p:nvPr/>
+        </p:nvSpPr>
+        <p:spPr>
+          <a:xfrm>
+            <a:off x="6858000" y="975519"/>
+            <a:ext cx="1143000" cy="1142999"/>
+          </a:xfrm>
+          <a:prstGeom prst="roundRect">
+            <a:avLst>
+              <a:gd name="adj" fmla="val 9190"/>
+            </a:avLst>
+          </a:prstGeom>
+          <a:solidFill>
+            <a:schemeClr val="accent3">
+              <a:lumMod val="40000"/>
+              <a:lumOff val="60000"/>
+            </a:schemeClr>
+          </a:solidFill>
+          <a:ln>
+            <a:solidFill>
+              <a:schemeClr val="accent3">
+                <a:lumMod val="75000"/>
+              </a:schemeClr>
+            </a:solidFill>
+          </a:ln>
+        </p:spPr>
+        <p:style>
+          <a:lnRef idx="2">
+            <a:schemeClr val="accent1">
+              <a:shade val="50000"/>
+            </a:schemeClr>
+          </a:lnRef>
+          <a:fillRef idx="1">
+            <a:schemeClr val="accent1"/>
+          </a:fillRef>
+          <a:effectRef idx="0">
+            <a:schemeClr val="accent1"/>
+          </a:effectRef>
+          <a:fontRef idx="minor">
+            <a:schemeClr val="lt1"/>
+          </a:fontRef>
+        </p:style>
+        <p:txBody>
+          <a:bodyPr rtlCol="0" anchor="t" anchorCtr="1"/>
+          <a:lstStyle/>
+          <a:p>
+            <a:pPr algn="r"/>
+            <a:r>
+              <a:rPr lang="en-US" sz="1600" b="1" dirty="0" smtClean="0">
+                <a:solidFill>
+                  <a:schemeClr val="accent3">
+                    <a:lumMod val="75000"/>
+                  </a:schemeClr>
+                </a:solidFill>
+              </a:rPr>
+              <a:t>Storage</a:t>
+            </a:r>
+            <a:endParaRPr lang="en-SG" sz="1600" b="1" dirty="0">
+              <a:solidFill>
+                <a:schemeClr val="accent3">
+                  <a:lumMod val="75000"/>
+                </a:schemeClr>
+              </a:solidFill>
+            </a:endParaRPr>
+          </a:p>
+        </p:txBody>
+      </p:sp>
+      <p:sp>
+        <p:nvSpPr>
           <p:cNvPr id="65" name="Rounded Rectangle 64"/>
           <p:cNvSpPr/>
           <p:nvPr/>
         </p:nvSpPr>
         <p:spPr>
           <a:xfrm>
-            <a:off x="1219200" y="1108869"/>
-            <a:ext cx="1143000" cy="1752600"/>
+            <a:off x="1219200" y="194469"/>
+            <a:ext cx="1143000" cy="1771650"/>
           </a:xfrm>
           <a:prstGeom prst="roundRect">
             <a:avLst>
@@ -3513,7 +3584,7 @@
         </p:nvCxnSpPr>
         <p:spPr>
           <a:xfrm>
-            <a:off x="6397382" y="2103387"/>
+            <a:off x="6400800" y="1432719"/>
             <a:ext cx="457200" cy="0"/>
           </a:xfrm>
           <a:prstGeom prst="straightConnector1">
@@ -3551,8 +3622,8 @@
         </p:nvCxnSpPr>
         <p:spPr>
           <a:xfrm>
-            <a:off x="1828800" y="3780320"/>
-            <a:ext cx="3349382" cy="0"/>
+            <a:off x="2362200" y="2804319"/>
+            <a:ext cx="2819401" cy="0"/>
           </a:xfrm>
           <a:prstGeom prst="straightConnector1">
             <a:avLst/>
@@ -3592,7 +3663,7 @@
         <p:spPr>
           <a:xfrm>
             <a:off x="4187582" y="645260"/>
-            <a:ext cx="0" cy="457198"/>
+            <a:ext cx="3418" cy="406459"/>
           </a:xfrm>
           <a:prstGeom prst="straightConnector1">
             <a:avLst/>
@@ -3630,7 +3701,7 @@
         <p:spPr>
           <a:xfrm>
             <a:off x="5787782" y="647397"/>
-            <a:ext cx="0" cy="457198"/>
+            <a:ext cx="3418" cy="328122"/>
           </a:xfrm>
           <a:prstGeom prst="straightConnector1">
             <a:avLst/>
@@ -3666,9 +3737,9 @@
           <p:nvPr/>
         </p:nvCxnSpPr>
         <p:spPr>
-          <a:xfrm flipV="1">
+          <a:xfrm flipH="1" flipV="1">
             <a:off x="7387982" y="647397"/>
-            <a:ext cx="0" cy="462186"/>
+            <a:ext cx="3418" cy="328122"/>
           </a:xfrm>
           <a:prstGeom prst="straightConnector1">
             <a:avLst/>
@@ -3702,16 +3773,13 @@
       <p:cxnSp>
         <p:nvCxnSpPr>
           <p:cNvPr id="72" name="Straight Arrow Connector 71"/>
-          <p:cNvCxnSpPr>
-            <a:stCxn id="79" idx="1"/>
-            <a:endCxn id="65" idx="3"/>
-          </p:cNvCxnSpPr>
+          <p:cNvCxnSpPr/>
           <p:nvPr/>
         </p:nvCxnSpPr>
         <p:spPr>
           <a:xfrm flipH="1">
-            <a:off x="2362200" y="1984457"/>
-            <a:ext cx="1312722" cy="712"/>
+            <a:off x="2362200" y="1432719"/>
+            <a:ext cx="1295400" cy="0"/>
           </a:xfrm>
           <a:prstGeom prst="straightConnector1">
             <a:avLst/>
@@ -3740,44 +3808,6 @@
           </a:fontRef>
         </p:style>
       </p:cxnSp>
-      <p:sp>
-        <p:nvSpPr>
-          <p:cNvPr id="73" name="Smiley Face 72"/>
-          <p:cNvSpPr/>
-          <p:nvPr/>
-        </p:nvSpPr>
-        <p:spPr>
-          <a:xfrm>
-            <a:off x="189414" y="1593131"/>
-            <a:ext cx="304800" cy="353225"/>
-          </a:xfrm>
-          <a:prstGeom prst="smileyFace">
-            <a:avLst/>
-          </a:prstGeom>
-        </p:spPr>
-        <p:style>
-          <a:lnRef idx="2">
-            <a:schemeClr val="dk1"/>
-          </a:lnRef>
-          <a:fillRef idx="1">
-            <a:schemeClr val="lt1"/>
-          </a:fillRef>
-          <a:effectRef idx="0">
-            <a:schemeClr val="dk1"/>
-          </a:effectRef>
-          <a:fontRef idx="minor">
-            <a:schemeClr val="dk1"/>
-          </a:fontRef>
-        </p:style>
-        <p:txBody>
-          <a:bodyPr rtlCol="0" anchor="ctr"/>
-          <a:lstStyle/>
-          <a:p>
-            <a:pPr algn="ctr"/>
-            <a:endParaRPr lang="en-SG"/>
-          </a:p>
-        </p:txBody>
-      </p:sp>
       <p:cxnSp>
         <p:nvCxnSpPr>
           <p:cNvPr id="74" name="Straight Arrow Connector 73"/>
@@ -3786,8 +3816,8 @@
         </p:nvCxnSpPr>
         <p:spPr>
           <a:xfrm flipV="1">
-            <a:off x="533400" y="1750338"/>
-            <a:ext cx="609600" cy="19406"/>
+            <a:off x="457200" y="1127919"/>
+            <a:ext cx="762000" cy="24213"/>
           </a:xfrm>
           <a:prstGeom prst="straightConnector1">
             <a:avLst/>
@@ -3824,7 +3854,7 @@
         </p:nvSpPr>
         <p:spPr>
           <a:xfrm>
-            <a:off x="1321570" y="1769744"/>
+            <a:off x="1295400" y="1204119"/>
             <a:ext cx="964429" cy="864015"/>
           </a:xfrm>
           <a:prstGeom prst="rect">
@@ -3947,7 +3977,7 @@
         </p:nvSpPr>
         <p:spPr>
           <a:xfrm>
-            <a:off x="407171" y="3780320"/>
+            <a:off x="838200" y="2423319"/>
             <a:ext cx="1319257" cy="533400"/>
           </a:xfrm>
           <a:prstGeom prst="rect">
@@ -4094,7 +4124,7 @@
         </p:nvSpPr>
         <p:spPr>
           <a:xfrm>
-            <a:off x="5330582" y="2480469"/>
+            <a:off x="5334000" y="1356519"/>
             <a:ext cx="888228" cy="533400"/>
           </a:xfrm>
           <a:prstGeom prst="rect">
@@ -4217,8 +4247,8 @@
         </p:nvSpPr>
         <p:spPr>
           <a:xfrm>
-            <a:off x="3554125" y="3490119"/>
-            <a:ext cx="1395457" cy="457200"/>
+            <a:off x="3657600" y="2499519"/>
+            <a:ext cx="1395457" cy="304800"/>
           </a:xfrm>
           <a:prstGeom prst="rect">
             <a:avLst/>
@@ -4346,8 +4376,8 @@
         </p:nvSpPr>
         <p:spPr>
           <a:xfrm>
-            <a:off x="3674922" y="1108157"/>
-            <a:ext cx="969859" cy="1752600"/>
+            <a:off x="3657600" y="975519"/>
+            <a:ext cx="969859" cy="1143000"/>
           </a:xfrm>
           <a:prstGeom prst="roundRect">
             <a:avLst>
@@ -4411,8 +4441,8 @@
         </p:nvSpPr>
         <p:spPr>
           <a:xfrm>
-            <a:off x="3674923" y="1569987"/>
-            <a:ext cx="889919" cy="1066800"/>
+            <a:off x="3733800" y="1508919"/>
+            <a:ext cx="889919" cy="685800"/>
           </a:xfrm>
           <a:prstGeom prst="rect">
             <a:avLst/>
@@ -4510,14 +4540,6 @@
           </a:lstStyle>
           <a:p>
             <a:pPr algn="ctr"/>
-            <a:endParaRPr lang="en-US" dirty="0">
-              <a:solidFill>
-                <a:schemeClr val="bg1"/>
-              </a:solidFill>
-            </a:endParaRPr>
-          </a:p>
-          <a:p>
-            <a:pPr algn="ctr"/>
             <a:r>
               <a:rPr lang="en-US" dirty="0" smtClean="0">
                 <a:solidFill>
@@ -4542,8 +4564,8 @@
         </p:nvSpPr>
         <p:spPr>
           <a:xfrm>
-            <a:off x="2693172" y="1432719"/>
-            <a:ext cx="659628" cy="457200"/>
+            <a:off x="2667000" y="1127919"/>
+            <a:ext cx="659628" cy="533400"/>
           </a:xfrm>
           <a:prstGeom prst="rect">
             <a:avLst/>
@@ -4642,7 +4664,7 @@
           <a:p>
             <a:pPr algn="ctr"/>
             <a:r>
-              <a:rPr lang="en-US" dirty="0" smtClean="0">
+              <a:rPr lang="en-US" sz="1600" dirty="0" smtClean="0">
                 <a:solidFill>
                   <a:schemeClr val="accent1">
                     <a:lumMod val="40000"/>
@@ -4652,7 +4674,7 @@
               </a:rPr>
               <a:t>HTTP, AJAX</a:t>
             </a:r>
-            <a:endParaRPr lang="en-SG" dirty="0">
+            <a:endParaRPr lang="en-SG" sz="1600" dirty="0">
               <a:solidFill>
                 <a:schemeClr val="accent1">
                   <a:lumMod val="40000"/>
@@ -4671,7 +4693,7 @@
         </p:nvCxnSpPr>
         <p:spPr>
           <a:xfrm flipH="1">
-            <a:off x="4644781" y="2023269"/>
+            <a:off x="4648200" y="1432719"/>
             <a:ext cx="533401" cy="0"/>
           </a:xfrm>
           <a:prstGeom prst="straightConnector1">
@@ -4709,7 +4731,7 @@
         </p:nvCxnSpPr>
         <p:spPr>
           <a:xfrm rot="5400000" flipH="1" flipV="1">
-            <a:off x="723900" y="2747169"/>
+            <a:off x="723900" y="1623219"/>
             <a:ext cx="685800" cy="304800"/>
           </a:xfrm>
           <a:prstGeom prst="bentConnector3">
@@ -4751,8 +4773,8 @@
         </p:nvSpPr>
         <p:spPr>
           <a:xfrm>
-            <a:off x="6981968" y="1908969"/>
-            <a:ext cx="888228" cy="533400"/>
+            <a:off x="6934200" y="1432719"/>
+            <a:ext cx="888228" cy="285750"/>
           </a:xfrm>
           <a:prstGeom prst="rect">
             <a:avLst/>
@@ -4874,7 +4896,7 @@
         </p:nvSpPr>
         <p:spPr>
           <a:xfrm>
-            <a:off x="7261754" y="3051613"/>
+            <a:off x="7341372" y="2118519"/>
             <a:ext cx="888228" cy="514706"/>
           </a:xfrm>
           <a:prstGeom prst="rect">
@@ -5024,8 +5046,8 @@
         </p:nvSpPr>
         <p:spPr>
           <a:xfrm>
-            <a:off x="3505200" y="4080669"/>
-            <a:ext cx="4602178" cy="684020"/>
+            <a:off x="3505200" y="4023519"/>
+            <a:ext cx="4602178" cy="685800"/>
           </a:xfrm>
           <a:custGeom>
             <a:avLst/>
@@ -5164,7 +5186,7 @@
         </p:nvSpPr>
         <p:spPr>
           <a:xfrm>
-            <a:off x="4339982" y="4459889"/>
+            <a:off x="4267200" y="4404519"/>
             <a:ext cx="2438400" cy="227111"/>
           </a:xfrm>
           <a:prstGeom prst="rect">
@@ -5299,8 +5321,8 @@
         </p:nvSpPr>
         <p:spPr>
           <a:xfrm rot="16200000">
-            <a:off x="6833218" y="3748539"/>
-            <a:ext cx="905944" cy="1015615"/>
+            <a:off x="6680013" y="3439511"/>
+            <a:ext cx="1371600" cy="1015615"/>
           </a:xfrm>
           <a:prstGeom prst="flowChartMagneticDrum">
             <a:avLst/>
@@ -5344,12 +5366,20 @@
           <a:p>
             <a:pPr algn="ctr"/>
             <a:r>
-              <a:rPr lang="en-US" sz="1600" b="1">
+              <a:rPr lang="en-US" sz="1600" b="1" dirty="0">
                 <a:solidFill>
                   <a:schemeClr val="accent6"/>
                 </a:solidFill>
               </a:rPr>
-              <a:t>GAE Datastore</a:t>
+              <a:t>GAE </a:t>
+            </a:r>
+            <a:r>
+              <a:rPr lang="en-US" sz="1600" b="1" dirty="0" err="1">
+                <a:solidFill>
+                  <a:schemeClr val="accent6"/>
+                </a:solidFill>
+              </a:rPr>
+              <a:t>Datastore</a:t>
             </a:r>
             <a:endParaRPr lang="en-SG" sz="1600" b="1" dirty="0">
               <a:solidFill>
@@ -5362,13 +5392,15 @@
       <p:cxnSp>
         <p:nvCxnSpPr>
           <p:cNvPr id="86" name="Straight Arrow Connector 85"/>
-          <p:cNvCxnSpPr/>
+          <p:cNvCxnSpPr>
+            <a:stCxn id="85" idx="4"/>
+          </p:cNvCxnSpPr>
           <p:nvPr/>
         </p:nvCxnSpPr>
         <p:spPr>
           <a:xfrm flipH="1" flipV="1">
-            <a:off x="7426082" y="2899569"/>
-            <a:ext cx="12509" cy="1047750"/>
+            <a:off x="7341372" y="2118519"/>
+            <a:ext cx="24442" cy="1143000"/>
           </a:xfrm>
           <a:prstGeom prst="straightConnector1">
             <a:avLst/>
@@ -5399,6 +5431,1328 @@
           </a:fontRef>
         </p:style>
       </p:cxnSp>
+      <p:sp>
+        <p:nvSpPr>
+          <p:cNvPr id="113" name="TextBox 112"/>
+          <p:cNvSpPr txBox="1"/>
+          <p:nvPr/>
+        </p:nvSpPr>
+        <p:spPr>
+          <a:xfrm>
+            <a:off x="3488924" y="3443171"/>
+            <a:ext cx="2133600" cy="304800"/>
+          </a:xfrm>
+          <a:prstGeom prst="rect">
+            <a:avLst/>
+          </a:prstGeom>
+          <a:grpFill/>
+          <a:ln>
+            <a:noFill/>
+          </a:ln>
+        </p:spPr>
+        <p:style>
+          <a:lnRef idx="2">
+            <a:schemeClr val="accent1">
+              <a:shade val="50000"/>
+            </a:schemeClr>
+          </a:lnRef>
+          <a:fillRef idx="1">
+            <a:schemeClr val="accent1"/>
+          </a:fillRef>
+          <a:effectRef idx="0">
+            <a:schemeClr val="accent1"/>
+          </a:effectRef>
+          <a:fontRef idx="minor">
+            <a:schemeClr val="lt1"/>
+          </a:fontRef>
+        </p:style>
+        <p:txBody>
+          <a:bodyPr rtlCol="0" anchor="t" anchorCtr="0"/>
+          <a:lstStyle>
+            <a:defPPr>
+              <a:defRPr lang="en-US"/>
+            </a:defPPr>
+            <a:lvl1pPr algn="ctr">
+              <a:defRPr sz="1400" b="1">
+                <a:solidFill>
+                  <a:schemeClr val="accent3">
+                    <a:lumMod val="60000"/>
+                    <a:lumOff val="40000"/>
+                  </a:schemeClr>
+                </a:solidFill>
+              </a:defRPr>
+            </a:lvl1pPr>
+          </a:lstStyle>
+          <a:p>
+            <a:r>
+              <a:rPr lang="en-US" dirty="0"/>
+              <a:t>Remote API </a:t>
+            </a:r>
+            <a:r>
+              <a:rPr lang="en-US" dirty="0" smtClean="0"/>
+              <a:t>(</a:t>
+            </a:r>
+            <a:r>
+              <a:rPr lang="en-US" dirty="0"/>
+              <a:t>GAE)</a:t>
+            </a:r>
+            <a:endParaRPr lang="en-SG" dirty="0"/>
+          </a:p>
+        </p:txBody>
+      </p:sp>
+      <p:sp>
+        <p:nvSpPr>
+          <p:cNvPr id="115" name="TextBox 114"/>
+          <p:cNvSpPr txBox="1"/>
+          <p:nvPr/>
+        </p:nvSpPr>
+        <p:spPr>
+          <a:xfrm>
+            <a:off x="-76200" y="2042319"/>
+            <a:ext cx="990600" cy="304800"/>
+          </a:xfrm>
+          <a:prstGeom prst="rect">
+            <a:avLst/>
+          </a:prstGeom>
+          <a:grpFill/>
+          <a:ln>
+            <a:noFill/>
+          </a:ln>
+        </p:spPr>
+        <p:style>
+          <a:lnRef idx="2">
+            <a:schemeClr val="accent1">
+              <a:shade val="50000"/>
+            </a:schemeClr>
+          </a:lnRef>
+          <a:fillRef idx="1">
+            <a:schemeClr val="accent1"/>
+          </a:fillRef>
+          <a:effectRef idx="0">
+            <a:schemeClr val="accent1"/>
+          </a:effectRef>
+          <a:fontRef idx="minor">
+            <a:schemeClr val="lt1"/>
+          </a:fontRef>
+        </p:style>
+        <p:txBody>
+          <a:bodyPr rtlCol="0" anchor="t" anchorCtr="0"/>
+          <a:lstStyle>
+            <a:defPPr>
+              <a:defRPr lang="en-US"/>
+            </a:defPPr>
+            <a:lvl1pPr>
+              <a:defRPr sz="1400" b="1">
+                <a:solidFill>
+                  <a:srgbClr val="7030A0"/>
+                </a:solidFill>
+              </a:defRPr>
+            </a:lvl1pPr>
+            <a:lvl2pPr>
+              <a:defRPr>
+                <a:solidFill>
+                  <a:schemeClr val="lt1"/>
+                </a:solidFill>
+              </a:defRPr>
+            </a:lvl2pPr>
+            <a:lvl3pPr>
+              <a:defRPr>
+                <a:solidFill>
+                  <a:schemeClr val="lt1"/>
+                </a:solidFill>
+              </a:defRPr>
+            </a:lvl3pPr>
+            <a:lvl4pPr>
+              <a:defRPr>
+                <a:solidFill>
+                  <a:schemeClr val="lt1"/>
+                </a:solidFill>
+              </a:defRPr>
+            </a:lvl4pPr>
+            <a:lvl5pPr>
+              <a:defRPr>
+                <a:solidFill>
+                  <a:schemeClr val="lt1"/>
+                </a:solidFill>
+              </a:defRPr>
+            </a:lvl5pPr>
+            <a:lvl6pPr>
+              <a:defRPr>
+                <a:solidFill>
+                  <a:schemeClr val="lt1"/>
+                </a:solidFill>
+              </a:defRPr>
+            </a:lvl6pPr>
+            <a:lvl7pPr>
+              <a:defRPr>
+                <a:solidFill>
+                  <a:schemeClr val="lt1"/>
+                </a:solidFill>
+              </a:defRPr>
+            </a:lvl7pPr>
+            <a:lvl8pPr>
+              <a:defRPr>
+                <a:solidFill>
+                  <a:schemeClr val="lt1"/>
+                </a:solidFill>
+              </a:defRPr>
+            </a:lvl8pPr>
+            <a:lvl9pPr>
+              <a:defRPr>
+                <a:solidFill>
+                  <a:schemeClr val="lt1"/>
+                </a:solidFill>
+              </a:defRPr>
+            </a:lvl9pPr>
+          </a:lstStyle>
+          <a:p>
+            <a:pPr algn="ctr"/>
+            <a:r>
+              <a:rPr lang="en-US" sz="1200" dirty="0" smtClean="0">
+                <a:solidFill>
+                  <a:schemeClr val="accent2"/>
+                </a:solidFill>
+              </a:rPr>
+              <a:t>Developers</a:t>
+            </a:r>
+            <a:endParaRPr lang="en-SG" sz="1200" dirty="0">
+              <a:solidFill>
+                <a:schemeClr val="accent2"/>
+              </a:solidFill>
+            </a:endParaRPr>
+          </a:p>
+        </p:txBody>
+      </p:sp>
+      <p:cxnSp>
+        <p:nvCxnSpPr>
+          <p:cNvPr id="116" name="Straight Arrow Connector 115"/>
+          <p:cNvCxnSpPr/>
+          <p:nvPr/>
+        </p:nvCxnSpPr>
+        <p:spPr>
+          <a:xfrm>
+            <a:off x="457200" y="3794919"/>
+            <a:ext cx="381000" cy="0"/>
+          </a:xfrm>
+          <a:prstGeom prst="straightConnector1">
+            <a:avLst/>
+          </a:prstGeom>
+          <a:ln w="38100">
+            <a:solidFill>
+              <a:schemeClr val="tx1"/>
+            </a:solidFill>
+            <a:prstDash val="sysDot"/>
+            <a:headEnd type="triangle" w="med" len="med"/>
+            <a:tailEnd type="triangle" w="med" len="med"/>
+          </a:ln>
+        </p:spPr>
+        <p:style>
+          <a:lnRef idx="1">
+            <a:schemeClr val="accent1"/>
+          </a:lnRef>
+          <a:fillRef idx="0">
+            <a:schemeClr val="accent1"/>
+          </a:fillRef>
+          <a:effectRef idx="0">
+            <a:schemeClr val="accent1"/>
+          </a:effectRef>
+          <a:fontRef idx="minor">
+            <a:schemeClr val="tx1"/>
+          </a:fontRef>
+        </p:style>
+      </p:cxnSp>
+      <p:cxnSp>
+        <p:nvCxnSpPr>
+          <p:cNvPr id="121" name="Straight Arrow Connector 120"/>
+          <p:cNvCxnSpPr/>
+          <p:nvPr/>
+        </p:nvCxnSpPr>
+        <p:spPr>
+          <a:xfrm>
+            <a:off x="457200" y="2575719"/>
+            <a:ext cx="381000" cy="0"/>
+          </a:xfrm>
+          <a:prstGeom prst="straightConnector1">
+            <a:avLst/>
+          </a:prstGeom>
+          <a:ln w="38100">
+            <a:solidFill>
+              <a:schemeClr val="tx1"/>
+            </a:solidFill>
+            <a:prstDash val="sysDot"/>
+            <a:headEnd type="triangle" w="med" len="med"/>
+            <a:tailEnd type="triangle" w="med" len="med"/>
+          </a:ln>
+        </p:spPr>
+        <p:style>
+          <a:lnRef idx="1">
+            <a:schemeClr val="accent1"/>
+          </a:lnRef>
+          <a:fillRef idx="0">
+            <a:schemeClr val="accent1"/>
+          </a:fillRef>
+          <a:effectRef idx="0">
+            <a:schemeClr val="accent1"/>
+          </a:effectRef>
+          <a:fontRef idx="minor">
+            <a:schemeClr val="tx1"/>
+          </a:fontRef>
+        </p:style>
+      </p:cxnSp>
+      <p:sp>
+        <p:nvSpPr>
+          <p:cNvPr id="122" name="TextBox 121"/>
+          <p:cNvSpPr txBox="1"/>
+          <p:nvPr/>
+        </p:nvSpPr>
+        <p:spPr>
+          <a:xfrm>
+            <a:off x="-108010" y="3261519"/>
+            <a:ext cx="762000" cy="304800"/>
+          </a:xfrm>
+          <a:prstGeom prst="rect">
+            <a:avLst/>
+          </a:prstGeom>
+          <a:grpFill/>
+          <a:ln>
+            <a:noFill/>
+          </a:ln>
+        </p:spPr>
+        <p:style>
+          <a:lnRef idx="2">
+            <a:schemeClr val="accent1">
+              <a:shade val="50000"/>
+            </a:schemeClr>
+          </a:lnRef>
+          <a:fillRef idx="1">
+            <a:schemeClr val="accent1"/>
+          </a:fillRef>
+          <a:effectRef idx="0">
+            <a:schemeClr val="accent1"/>
+          </a:effectRef>
+          <a:fontRef idx="minor">
+            <a:schemeClr val="lt1"/>
+          </a:fontRef>
+        </p:style>
+        <p:txBody>
+          <a:bodyPr rtlCol="0" anchor="t" anchorCtr="0"/>
+          <a:lstStyle>
+            <a:defPPr>
+              <a:defRPr lang="en-US"/>
+            </a:defPPr>
+            <a:lvl1pPr>
+              <a:defRPr sz="1400" b="1">
+                <a:solidFill>
+                  <a:srgbClr val="7030A0"/>
+                </a:solidFill>
+              </a:defRPr>
+            </a:lvl1pPr>
+            <a:lvl2pPr>
+              <a:defRPr>
+                <a:solidFill>
+                  <a:schemeClr val="lt1"/>
+                </a:solidFill>
+              </a:defRPr>
+            </a:lvl2pPr>
+            <a:lvl3pPr>
+              <a:defRPr>
+                <a:solidFill>
+                  <a:schemeClr val="lt1"/>
+                </a:solidFill>
+              </a:defRPr>
+            </a:lvl3pPr>
+            <a:lvl4pPr>
+              <a:defRPr>
+                <a:solidFill>
+                  <a:schemeClr val="lt1"/>
+                </a:solidFill>
+              </a:defRPr>
+            </a:lvl4pPr>
+            <a:lvl5pPr>
+              <a:defRPr>
+                <a:solidFill>
+                  <a:schemeClr val="lt1"/>
+                </a:solidFill>
+              </a:defRPr>
+            </a:lvl5pPr>
+            <a:lvl6pPr>
+              <a:defRPr>
+                <a:solidFill>
+                  <a:schemeClr val="lt1"/>
+                </a:solidFill>
+              </a:defRPr>
+            </a:lvl6pPr>
+            <a:lvl7pPr>
+              <a:defRPr>
+                <a:solidFill>
+                  <a:schemeClr val="lt1"/>
+                </a:solidFill>
+              </a:defRPr>
+            </a:lvl7pPr>
+            <a:lvl8pPr>
+              <a:defRPr>
+                <a:solidFill>
+                  <a:schemeClr val="lt1"/>
+                </a:solidFill>
+              </a:defRPr>
+            </a:lvl8pPr>
+            <a:lvl9pPr>
+              <a:defRPr>
+                <a:solidFill>
+                  <a:schemeClr val="lt1"/>
+                </a:solidFill>
+              </a:defRPr>
+            </a:lvl9pPr>
+          </a:lstStyle>
+          <a:p>
+            <a:pPr algn="ctr"/>
+            <a:r>
+              <a:rPr lang="en-US" sz="1200" dirty="0" smtClean="0">
+                <a:solidFill>
+                  <a:schemeClr val="accent3">
+                    <a:lumMod val="75000"/>
+                  </a:schemeClr>
+                </a:solidFill>
+              </a:rPr>
+              <a:t>Admin</a:t>
+            </a:r>
+            <a:endParaRPr lang="en-SG" sz="1200" dirty="0">
+              <a:solidFill>
+                <a:schemeClr val="accent3">
+                  <a:lumMod val="75000"/>
+                </a:schemeClr>
+              </a:solidFill>
+            </a:endParaRPr>
+          </a:p>
+        </p:txBody>
+      </p:sp>
+      <p:sp>
+        <p:nvSpPr>
+          <p:cNvPr id="123" name="TextBox 122"/>
+          <p:cNvSpPr txBox="1"/>
+          <p:nvPr/>
+        </p:nvSpPr>
+        <p:spPr>
+          <a:xfrm>
+            <a:off x="-152400" y="670719"/>
+            <a:ext cx="762000" cy="304800"/>
+          </a:xfrm>
+          <a:prstGeom prst="rect">
+            <a:avLst/>
+          </a:prstGeom>
+          <a:grpFill/>
+          <a:ln>
+            <a:noFill/>
+          </a:ln>
+        </p:spPr>
+        <p:style>
+          <a:lnRef idx="2">
+            <a:schemeClr val="accent1">
+              <a:shade val="50000"/>
+            </a:schemeClr>
+          </a:lnRef>
+          <a:fillRef idx="1">
+            <a:schemeClr val="accent1"/>
+          </a:fillRef>
+          <a:effectRef idx="0">
+            <a:schemeClr val="accent1"/>
+          </a:effectRef>
+          <a:fontRef idx="minor">
+            <a:schemeClr val="lt1"/>
+          </a:fontRef>
+        </p:style>
+        <p:txBody>
+          <a:bodyPr rtlCol="0" anchor="t" anchorCtr="0"/>
+          <a:lstStyle>
+            <a:defPPr>
+              <a:defRPr lang="en-US"/>
+            </a:defPPr>
+            <a:lvl1pPr>
+              <a:defRPr sz="1400" b="1">
+                <a:solidFill>
+                  <a:srgbClr val="7030A0"/>
+                </a:solidFill>
+              </a:defRPr>
+            </a:lvl1pPr>
+            <a:lvl2pPr>
+              <a:defRPr>
+                <a:solidFill>
+                  <a:schemeClr val="lt1"/>
+                </a:solidFill>
+              </a:defRPr>
+            </a:lvl2pPr>
+            <a:lvl3pPr>
+              <a:defRPr>
+                <a:solidFill>
+                  <a:schemeClr val="lt1"/>
+                </a:solidFill>
+              </a:defRPr>
+            </a:lvl3pPr>
+            <a:lvl4pPr>
+              <a:defRPr>
+                <a:solidFill>
+                  <a:schemeClr val="lt1"/>
+                </a:solidFill>
+              </a:defRPr>
+            </a:lvl4pPr>
+            <a:lvl5pPr>
+              <a:defRPr>
+                <a:solidFill>
+                  <a:schemeClr val="lt1"/>
+                </a:solidFill>
+              </a:defRPr>
+            </a:lvl5pPr>
+            <a:lvl6pPr>
+              <a:defRPr>
+                <a:solidFill>
+                  <a:schemeClr val="lt1"/>
+                </a:solidFill>
+              </a:defRPr>
+            </a:lvl6pPr>
+            <a:lvl7pPr>
+              <a:defRPr>
+                <a:solidFill>
+                  <a:schemeClr val="lt1"/>
+                </a:solidFill>
+              </a:defRPr>
+            </a:lvl7pPr>
+            <a:lvl8pPr>
+              <a:defRPr>
+                <a:solidFill>
+                  <a:schemeClr val="lt1"/>
+                </a:solidFill>
+              </a:defRPr>
+            </a:lvl8pPr>
+            <a:lvl9pPr>
+              <a:defRPr>
+                <a:solidFill>
+                  <a:schemeClr val="lt1"/>
+                </a:solidFill>
+              </a:defRPr>
+            </a:lvl9pPr>
+          </a:lstStyle>
+          <a:p>
+            <a:pPr algn="ctr"/>
+            <a:r>
+              <a:rPr lang="en-US" sz="1200" dirty="0" smtClean="0">
+                <a:solidFill>
+                  <a:schemeClr val="accent1"/>
+                </a:solidFill>
+              </a:rPr>
+              <a:t>Users</a:t>
+            </a:r>
+            <a:endParaRPr lang="en-SG" sz="1200" dirty="0">
+              <a:solidFill>
+                <a:schemeClr val="accent1"/>
+              </a:solidFill>
+            </a:endParaRPr>
+          </a:p>
+        </p:txBody>
+      </p:sp>
+      <p:cxnSp>
+        <p:nvCxnSpPr>
+          <p:cNvPr id="55" name="Straight Arrow Connector 54"/>
+          <p:cNvCxnSpPr/>
+          <p:nvPr/>
+        </p:nvCxnSpPr>
+        <p:spPr>
+          <a:xfrm flipH="1">
+            <a:off x="2362200" y="3742931"/>
+            <a:ext cx="4495805" cy="0"/>
+          </a:xfrm>
+          <a:prstGeom prst="straightConnector1">
+            <a:avLst/>
+          </a:prstGeom>
+          <a:ln w="38100">
+            <a:solidFill>
+              <a:schemeClr val="accent3">
+                <a:lumMod val="75000"/>
+              </a:schemeClr>
+            </a:solidFill>
+            <a:prstDash val="sysDot"/>
+            <a:headEnd type="triangle" w="med" len="med"/>
+            <a:tailEnd type="none" w="med" len="med"/>
+          </a:ln>
+        </p:spPr>
+        <p:style>
+          <a:lnRef idx="1">
+            <a:schemeClr val="accent1"/>
+          </a:lnRef>
+          <a:fillRef idx="0">
+            <a:schemeClr val="accent1"/>
+          </a:fillRef>
+          <a:effectRef idx="0">
+            <a:schemeClr val="accent1"/>
+          </a:effectRef>
+          <a:fontRef idx="minor">
+            <a:schemeClr val="tx1"/>
+          </a:fontRef>
+        </p:style>
+      </p:cxnSp>
+      <p:grpSp>
+        <p:nvGrpSpPr>
+          <p:cNvPr id="20" name="Group 19"/>
+          <p:cNvGrpSpPr/>
+          <p:nvPr/>
+        </p:nvGrpSpPr>
+        <p:grpSpPr>
+          <a:xfrm>
+            <a:off x="69192" y="931968"/>
+            <a:ext cx="388008" cy="342473"/>
+            <a:chOff x="678792" y="144177"/>
+            <a:chExt cx="441804" cy="392765"/>
+          </a:xfrm>
+        </p:grpSpPr>
+        <p:grpSp>
+          <p:nvGrpSpPr>
+            <p:cNvPr id="19" name="Group 18"/>
+            <p:cNvGrpSpPr/>
+            <p:nvPr/>
+          </p:nvGrpSpPr>
+          <p:grpSpPr>
+            <a:xfrm>
+              <a:off x="678792" y="144177"/>
+              <a:ext cx="403224" cy="392765"/>
+              <a:chOff x="678792" y="144177"/>
+              <a:chExt cx="403224" cy="392765"/>
+            </a:xfrm>
+          </p:grpSpPr>
+          <p:sp>
+            <p:nvSpPr>
+              <p:cNvPr id="59" name="Flowchart: Connector 58"/>
+              <p:cNvSpPr/>
+              <p:nvPr/>
+            </p:nvSpPr>
+            <p:spPr>
+              <a:xfrm rot="20830103">
+                <a:off x="678792" y="144177"/>
+                <a:ext cx="403224" cy="392765"/>
+              </a:xfrm>
+              <a:prstGeom prst="flowChartConnector">
+                <a:avLst/>
+              </a:prstGeom>
+              <a:solidFill>
+                <a:schemeClr val="bg1"/>
+              </a:solidFill>
+              <a:ln>
+                <a:solidFill>
+                  <a:schemeClr val="accent1"/>
+                </a:solidFill>
+              </a:ln>
+            </p:spPr>
+            <p:style>
+              <a:lnRef idx="2">
+                <a:schemeClr val="accent1">
+                  <a:shade val="50000"/>
+                </a:schemeClr>
+              </a:lnRef>
+              <a:fillRef idx="1">
+                <a:schemeClr val="accent1"/>
+              </a:fillRef>
+              <a:effectRef idx="0">
+                <a:schemeClr val="accent1"/>
+              </a:effectRef>
+              <a:fontRef idx="minor">
+                <a:schemeClr val="lt1"/>
+              </a:fontRef>
+            </p:style>
+            <p:txBody>
+              <a:bodyPr rtlCol="0" anchor="ctr"/>
+              <a:lstStyle/>
+              <a:p>
+                <a:pPr algn="ctr"/>
+                <a:endParaRPr lang="en-SG"/>
+              </a:p>
+            </p:txBody>
+          </p:sp>
+          <p:sp>
+            <p:nvSpPr>
+              <p:cNvPr id="92" name="Flowchart: Connector 91"/>
+              <p:cNvSpPr/>
+              <p:nvPr/>
+            </p:nvSpPr>
+            <p:spPr>
+              <a:xfrm rot="20830103">
+                <a:off x="883820" y="212217"/>
+                <a:ext cx="83544" cy="81377"/>
+              </a:xfrm>
+              <a:prstGeom prst="flowChartConnector">
+                <a:avLst/>
+              </a:prstGeom>
+              <a:solidFill>
+                <a:schemeClr val="bg1"/>
+              </a:solidFill>
+              <a:ln>
+                <a:solidFill>
+                  <a:schemeClr val="accent1"/>
+                </a:solidFill>
+              </a:ln>
+            </p:spPr>
+            <p:style>
+              <a:lnRef idx="2">
+                <a:schemeClr val="accent1">
+                  <a:shade val="50000"/>
+                </a:schemeClr>
+              </a:lnRef>
+              <a:fillRef idx="1">
+                <a:schemeClr val="accent1"/>
+              </a:fillRef>
+              <a:effectRef idx="0">
+                <a:schemeClr val="accent1"/>
+              </a:effectRef>
+              <a:fontRef idx="minor">
+                <a:schemeClr val="lt1"/>
+              </a:fontRef>
+            </p:style>
+            <p:txBody>
+              <a:bodyPr rtlCol="0" anchor="ctr"/>
+              <a:lstStyle/>
+              <a:p>
+                <a:pPr algn="ctr"/>
+                <a:endParaRPr lang="en-SG"/>
+              </a:p>
+            </p:txBody>
+          </p:sp>
+        </p:grpSp>
+        <p:cxnSp>
+          <p:nvCxnSpPr>
+            <p:cNvPr id="16" name="Straight Connector 15"/>
+            <p:cNvCxnSpPr/>
+            <p:nvPr/>
+          </p:nvCxnSpPr>
+          <p:spPr>
+            <a:xfrm>
+              <a:off x="1082496" y="339765"/>
+              <a:ext cx="38100" cy="0"/>
+            </a:xfrm>
+            <a:prstGeom prst="line">
+              <a:avLst/>
+            </a:prstGeom>
+            <a:solidFill>
+              <a:schemeClr val="bg1"/>
+            </a:solidFill>
+            <a:ln cap="rnd">
+              <a:solidFill>
+                <a:schemeClr val="accent1"/>
+              </a:solidFill>
+            </a:ln>
+          </p:spPr>
+          <p:style>
+            <a:lnRef idx="2">
+              <a:schemeClr val="accent1">
+                <a:shade val="50000"/>
+              </a:schemeClr>
+            </a:lnRef>
+            <a:fillRef idx="1">
+              <a:schemeClr val="accent1"/>
+            </a:fillRef>
+            <a:effectRef idx="0">
+              <a:schemeClr val="accent1"/>
+            </a:effectRef>
+            <a:fontRef idx="minor">
+              <a:schemeClr val="lt1"/>
+            </a:fontRef>
+          </p:style>
+        </p:cxnSp>
+        <p:sp>
+          <p:nvSpPr>
+            <p:cNvPr id="18" name="Freeform 17"/>
+            <p:cNvSpPr/>
+            <p:nvPr/>
+          </p:nvSpPr>
+          <p:spPr>
+            <a:xfrm rot="842210">
+              <a:off x="866775" y="423863"/>
+              <a:ext cx="152400" cy="45690"/>
+            </a:xfrm>
+            <a:custGeom>
+              <a:avLst/>
+              <a:gdLst>
+                <a:gd name="connsiteX0" fmla="*/ 152400 w 152400"/>
+                <a:gd name="connsiteY0" fmla="*/ 38100 h 45690"/>
+                <a:gd name="connsiteX1" fmla="*/ 52388 w 152400"/>
+                <a:gd name="connsiteY1" fmla="*/ 42862 h 45690"/>
+                <a:gd name="connsiteX2" fmla="*/ 0 w 152400"/>
+                <a:gd name="connsiteY2" fmla="*/ 0 h 45690"/>
+              </a:gdLst>
+              <a:ahLst/>
+              <a:cxnLst>
+                <a:cxn ang="0">
+                  <a:pos x="connsiteX0" y="connsiteY0"/>
+                </a:cxn>
+                <a:cxn ang="0">
+                  <a:pos x="connsiteX1" y="connsiteY1"/>
+                </a:cxn>
+                <a:cxn ang="0">
+                  <a:pos x="connsiteX2" y="connsiteY2"/>
+                </a:cxn>
+              </a:cxnLst>
+              <a:rect l="l" t="t" r="r" b="b"/>
+              <a:pathLst>
+                <a:path w="152400" h="45690">
+                  <a:moveTo>
+                    <a:pt x="152400" y="38100"/>
+                  </a:moveTo>
+                  <a:cubicBezTo>
+                    <a:pt x="115094" y="43656"/>
+                    <a:pt x="77788" y="49212"/>
+                    <a:pt x="52388" y="42862"/>
+                  </a:cubicBezTo>
+                  <a:cubicBezTo>
+                    <a:pt x="26988" y="36512"/>
+                    <a:pt x="13494" y="18256"/>
+                    <a:pt x="0" y="0"/>
+                  </a:cubicBezTo>
+                </a:path>
+              </a:pathLst>
+            </a:custGeom>
+            <a:solidFill>
+              <a:schemeClr val="bg1"/>
+            </a:solidFill>
+            <a:ln cap="rnd">
+              <a:solidFill>
+                <a:schemeClr val="accent1"/>
+              </a:solidFill>
+            </a:ln>
+          </p:spPr>
+          <p:style>
+            <a:lnRef idx="2">
+              <a:schemeClr val="accent1">
+                <a:shade val="50000"/>
+              </a:schemeClr>
+            </a:lnRef>
+            <a:fillRef idx="1">
+              <a:schemeClr val="accent1"/>
+            </a:fillRef>
+            <a:effectRef idx="0">
+              <a:schemeClr val="accent1"/>
+            </a:effectRef>
+            <a:fontRef idx="minor">
+              <a:schemeClr val="lt1"/>
+            </a:fontRef>
+          </p:style>
+          <p:txBody>
+            <a:bodyPr rtlCol="0" anchor="ctr"/>
+            <a:lstStyle/>
+            <a:p>
+              <a:pPr algn="ctr"/>
+              <a:endParaRPr lang="en-US"/>
+            </a:p>
+          </p:txBody>
+        </p:sp>
+      </p:grpSp>
+      <p:grpSp>
+        <p:nvGrpSpPr>
+          <p:cNvPr id="96" name="Group 95"/>
+          <p:cNvGrpSpPr/>
+          <p:nvPr/>
+        </p:nvGrpSpPr>
+        <p:grpSpPr>
+          <a:xfrm>
+            <a:off x="52461" y="2323474"/>
+            <a:ext cx="388008" cy="342473"/>
+            <a:chOff x="678792" y="144177"/>
+            <a:chExt cx="441804" cy="392765"/>
+          </a:xfrm>
+        </p:grpSpPr>
+        <p:grpSp>
+          <p:nvGrpSpPr>
+            <p:cNvPr id="97" name="Group 96"/>
+            <p:cNvGrpSpPr/>
+            <p:nvPr/>
+          </p:nvGrpSpPr>
+          <p:grpSpPr>
+            <a:xfrm>
+              <a:off x="678792" y="144177"/>
+              <a:ext cx="403224" cy="392765"/>
+              <a:chOff x="678792" y="144177"/>
+              <a:chExt cx="403224" cy="392765"/>
+            </a:xfrm>
+          </p:grpSpPr>
+          <p:sp>
+            <p:nvSpPr>
+              <p:cNvPr id="101" name="Flowchart: Connector 100"/>
+              <p:cNvSpPr/>
+              <p:nvPr/>
+            </p:nvSpPr>
+            <p:spPr>
+              <a:xfrm rot="20830103">
+                <a:off x="678792" y="144177"/>
+                <a:ext cx="403224" cy="392765"/>
+              </a:xfrm>
+              <a:prstGeom prst="flowChartConnector">
+                <a:avLst/>
+              </a:prstGeom>
+              <a:solidFill>
+                <a:schemeClr val="bg1"/>
+              </a:solidFill>
+              <a:ln>
+                <a:solidFill>
+                  <a:schemeClr val="accent2"/>
+                </a:solidFill>
+              </a:ln>
+            </p:spPr>
+            <p:style>
+              <a:lnRef idx="2">
+                <a:schemeClr val="accent1">
+                  <a:shade val="50000"/>
+                </a:schemeClr>
+              </a:lnRef>
+              <a:fillRef idx="1">
+                <a:schemeClr val="accent1"/>
+              </a:fillRef>
+              <a:effectRef idx="0">
+                <a:schemeClr val="accent1"/>
+              </a:effectRef>
+              <a:fontRef idx="minor">
+                <a:schemeClr val="lt1"/>
+              </a:fontRef>
+            </p:style>
+            <p:txBody>
+              <a:bodyPr rtlCol="0" anchor="ctr"/>
+              <a:lstStyle/>
+              <a:p>
+                <a:pPr algn="ctr"/>
+                <a:endParaRPr lang="en-SG"/>
+              </a:p>
+            </p:txBody>
+          </p:sp>
+          <p:sp>
+            <p:nvSpPr>
+              <p:cNvPr id="104" name="Flowchart: Connector 103"/>
+              <p:cNvSpPr/>
+              <p:nvPr/>
+            </p:nvSpPr>
+            <p:spPr>
+              <a:xfrm rot="20830103">
+                <a:off x="883820" y="212217"/>
+                <a:ext cx="83544" cy="81377"/>
+              </a:xfrm>
+              <a:prstGeom prst="flowChartConnector">
+                <a:avLst/>
+              </a:prstGeom>
+              <a:solidFill>
+                <a:schemeClr val="bg1"/>
+              </a:solidFill>
+              <a:ln>
+                <a:solidFill>
+                  <a:schemeClr val="accent2"/>
+                </a:solidFill>
+              </a:ln>
+            </p:spPr>
+            <p:style>
+              <a:lnRef idx="2">
+                <a:schemeClr val="accent1">
+                  <a:shade val="50000"/>
+                </a:schemeClr>
+              </a:lnRef>
+              <a:fillRef idx="1">
+                <a:schemeClr val="accent1"/>
+              </a:fillRef>
+              <a:effectRef idx="0">
+                <a:schemeClr val="accent1"/>
+              </a:effectRef>
+              <a:fontRef idx="minor">
+                <a:schemeClr val="lt1"/>
+              </a:fontRef>
+            </p:style>
+            <p:txBody>
+              <a:bodyPr rtlCol="0" anchor="ctr"/>
+              <a:lstStyle/>
+              <a:p>
+                <a:pPr algn="ctr"/>
+                <a:endParaRPr lang="en-SG"/>
+              </a:p>
+            </p:txBody>
+          </p:sp>
+        </p:grpSp>
+        <p:cxnSp>
+          <p:nvCxnSpPr>
+            <p:cNvPr id="98" name="Straight Connector 97"/>
+            <p:cNvCxnSpPr/>
+            <p:nvPr/>
+          </p:nvCxnSpPr>
+          <p:spPr>
+            <a:xfrm>
+              <a:off x="1082496" y="339765"/>
+              <a:ext cx="38100" cy="0"/>
+            </a:xfrm>
+            <a:prstGeom prst="line">
+              <a:avLst/>
+            </a:prstGeom>
+            <a:solidFill>
+              <a:schemeClr val="bg1"/>
+            </a:solidFill>
+            <a:ln cap="rnd">
+              <a:solidFill>
+                <a:schemeClr val="accent2"/>
+              </a:solidFill>
+            </a:ln>
+          </p:spPr>
+          <p:style>
+            <a:lnRef idx="2">
+              <a:schemeClr val="accent1">
+                <a:shade val="50000"/>
+              </a:schemeClr>
+            </a:lnRef>
+            <a:fillRef idx="1">
+              <a:schemeClr val="accent1"/>
+            </a:fillRef>
+            <a:effectRef idx="0">
+              <a:schemeClr val="accent1"/>
+            </a:effectRef>
+            <a:fontRef idx="minor">
+              <a:schemeClr val="lt1"/>
+            </a:fontRef>
+          </p:style>
+        </p:cxnSp>
+        <p:sp>
+          <p:nvSpPr>
+            <p:cNvPr id="99" name="Freeform 98"/>
+            <p:cNvSpPr/>
+            <p:nvPr/>
+          </p:nvSpPr>
+          <p:spPr>
+            <a:xfrm rot="842210">
+              <a:off x="866775" y="423863"/>
+              <a:ext cx="152400" cy="45690"/>
+            </a:xfrm>
+            <a:custGeom>
+              <a:avLst/>
+              <a:gdLst>
+                <a:gd name="connsiteX0" fmla="*/ 152400 w 152400"/>
+                <a:gd name="connsiteY0" fmla="*/ 38100 h 45690"/>
+                <a:gd name="connsiteX1" fmla="*/ 52388 w 152400"/>
+                <a:gd name="connsiteY1" fmla="*/ 42862 h 45690"/>
+                <a:gd name="connsiteX2" fmla="*/ 0 w 152400"/>
+                <a:gd name="connsiteY2" fmla="*/ 0 h 45690"/>
+              </a:gdLst>
+              <a:ahLst/>
+              <a:cxnLst>
+                <a:cxn ang="0">
+                  <a:pos x="connsiteX0" y="connsiteY0"/>
+                </a:cxn>
+                <a:cxn ang="0">
+                  <a:pos x="connsiteX1" y="connsiteY1"/>
+                </a:cxn>
+                <a:cxn ang="0">
+                  <a:pos x="connsiteX2" y="connsiteY2"/>
+                </a:cxn>
+              </a:cxnLst>
+              <a:rect l="l" t="t" r="r" b="b"/>
+              <a:pathLst>
+                <a:path w="152400" h="45690">
+                  <a:moveTo>
+                    <a:pt x="152400" y="38100"/>
+                  </a:moveTo>
+                  <a:cubicBezTo>
+                    <a:pt x="115094" y="43656"/>
+                    <a:pt x="77788" y="49212"/>
+                    <a:pt x="52388" y="42862"/>
+                  </a:cubicBezTo>
+                  <a:cubicBezTo>
+                    <a:pt x="26988" y="36512"/>
+                    <a:pt x="13494" y="18256"/>
+                    <a:pt x="0" y="0"/>
+                  </a:cubicBezTo>
+                </a:path>
+              </a:pathLst>
+            </a:custGeom>
+            <a:solidFill>
+              <a:schemeClr val="bg1"/>
+            </a:solidFill>
+            <a:ln cap="rnd">
+              <a:solidFill>
+                <a:schemeClr val="accent2"/>
+              </a:solidFill>
+            </a:ln>
+          </p:spPr>
+          <p:style>
+            <a:lnRef idx="2">
+              <a:schemeClr val="accent1">
+                <a:shade val="50000"/>
+              </a:schemeClr>
+            </a:lnRef>
+            <a:fillRef idx="1">
+              <a:schemeClr val="accent1"/>
+            </a:fillRef>
+            <a:effectRef idx="0">
+              <a:schemeClr val="accent1"/>
+            </a:effectRef>
+            <a:fontRef idx="minor">
+              <a:schemeClr val="lt1"/>
+            </a:fontRef>
+          </p:style>
+          <p:txBody>
+            <a:bodyPr rtlCol="0" anchor="ctr"/>
+            <a:lstStyle/>
+            <a:p>
+              <a:pPr algn="ctr"/>
+              <a:endParaRPr lang="en-US"/>
+            </a:p>
+          </p:txBody>
+        </p:sp>
+      </p:grpSp>
+      <p:grpSp>
+        <p:nvGrpSpPr>
+          <p:cNvPr id="105" name="Group 104"/>
+          <p:cNvGrpSpPr/>
+          <p:nvPr/>
+        </p:nvGrpSpPr>
+        <p:grpSpPr>
+          <a:xfrm>
+            <a:off x="67006" y="3560763"/>
+            <a:ext cx="388008" cy="342473"/>
+            <a:chOff x="678792" y="144177"/>
+            <a:chExt cx="441804" cy="392765"/>
+          </a:xfrm>
+        </p:grpSpPr>
+        <p:grpSp>
+          <p:nvGrpSpPr>
+            <p:cNvPr id="106" name="Group 105"/>
+            <p:cNvGrpSpPr/>
+            <p:nvPr/>
+          </p:nvGrpSpPr>
+          <p:grpSpPr>
+            <a:xfrm>
+              <a:off x="678792" y="144177"/>
+              <a:ext cx="403224" cy="392765"/>
+              <a:chOff x="678792" y="144177"/>
+              <a:chExt cx="403224" cy="392765"/>
+            </a:xfrm>
+          </p:grpSpPr>
+          <p:sp>
+            <p:nvSpPr>
+              <p:cNvPr id="109" name="Flowchart: Connector 108"/>
+              <p:cNvSpPr/>
+              <p:nvPr/>
+            </p:nvSpPr>
+            <p:spPr>
+              <a:xfrm rot="20830103">
+                <a:off x="678792" y="144177"/>
+                <a:ext cx="403224" cy="392765"/>
+              </a:xfrm>
+              <a:prstGeom prst="flowChartConnector">
+                <a:avLst/>
+              </a:prstGeom>
+              <a:solidFill>
+                <a:schemeClr val="bg1"/>
+              </a:solidFill>
+              <a:ln>
+                <a:solidFill>
+                  <a:schemeClr val="accent3">
+                    <a:lumMod val="75000"/>
+                  </a:schemeClr>
+                </a:solidFill>
+              </a:ln>
+            </p:spPr>
+            <p:style>
+              <a:lnRef idx="2">
+                <a:schemeClr val="accent1">
+                  <a:shade val="50000"/>
+                </a:schemeClr>
+              </a:lnRef>
+              <a:fillRef idx="1">
+                <a:schemeClr val="accent1"/>
+              </a:fillRef>
+              <a:effectRef idx="0">
+                <a:schemeClr val="accent1"/>
+              </a:effectRef>
+              <a:fontRef idx="minor">
+                <a:schemeClr val="lt1"/>
+              </a:fontRef>
+            </p:style>
+            <p:txBody>
+              <a:bodyPr rtlCol="0" anchor="ctr"/>
+              <a:lstStyle/>
+              <a:p>
+                <a:pPr algn="ctr"/>
+                <a:endParaRPr lang="en-SG"/>
+              </a:p>
+            </p:txBody>
+          </p:sp>
+          <p:sp>
+            <p:nvSpPr>
+              <p:cNvPr id="110" name="Flowchart: Connector 109"/>
+              <p:cNvSpPr/>
+              <p:nvPr/>
+            </p:nvSpPr>
+            <p:spPr>
+              <a:xfrm rot="20830103">
+                <a:off x="883820" y="212217"/>
+                <a:ext cx="83544" cy="81377"/>
+              </a:xfrm>
+              <a:prstGeom prst="flowChartConnector">
+                <a:avLst/>
+              </a:prstGeom>
+              <a:solidFill>
+                <a:schemeClr val="bg1"/>
+              </a:solidFill>
+              <a:ln>
+                <a:solidFill>
+                  <a:schemeClr val="accent3">
+                    <a:lumMod val="75000"/>
+                  </a:schemeClr>
+                </a:solidFill>
+              </a:ln>
+            </p:spPr>
+            <p:style>
+              <a:lnRef idx="2">
+                <a:schemeClr val="accent1">
+                  <a:shade val="50000"/>
+                </a:schemeClr>
+              </a:lnRef>
+              <a:fillRef idx="1">
+                <a:schemeClr val="accent1"/>
+              </a:fillRef>
+              <a:effectRef idx="0">
+                <a:schemeClr val="accent1"/>
+              </a:effectRef>
+              <a:fontRef idx="minor">
+                <a:schemeClr val="lt1"/>
+              </a:fontRef>
+            </p:style>
+            <p:txBody>
+              <a:bodyPr rtlCol="0" anchor="ctr"/>
+              <a:lstStyle/>
+              <a:p>
+                <a:pPr algn="ctr"/>
+                <a:endParaRPr lang="en-SG"/>
+              </a:p>
+            </p:txBody>
+          </p:sp>
+        </p:grpSp>
+        <p:cxnSp>
+          <p:nvCxnSpPr>
+            <p:cNvPr id="107" name="Straight Connector 106"/>
+            <p:cNvCxnSpPr/>
+            <p:nvPr/>
+          </p:nvCxnSpPr>
+          <p:spPr>
+            <a:xfrm>
+              <a:off x="1082496" y="339765"/>
+              <a:ext cx="38100" cy="0"/>
+            </a:xfrm>
+            <a:prstGeom prst="line">
+              <a:avLst/>
+            </a:prstGeom>
+            <a:solidFill>
+              <a:schemeClr val="bg1"/>
+            </a:solidFill>
+            <a:ln cap="rnd">
+              <a:solidFill>
+                <a:schemeClr val="accent3">
+                  <a:lumMod val="75000"/>
+                </a:schemeClr>
+              </a:solidFill>
+            </a:ln>
+          </p:spPr>
+          <p:style>
+            <a:lnRef idx="2">
+              <a:schemeClr val="accent1">
+                <a:shade val="50000"/>
+              </a:schemeClr>
+            </a:lnRef>
+            <a:fillRef idx="1">
+              <a:schemeClr val="accent1"/>
+            </a:fillRef>
+            <a:effectRef idx="0">
+              <a:schemeClr val="accent1"/>
+            </a:effectRef>
+            <a:fontRef idx="minor">
+              <a:schemeClr val="lt1"/>
+            </a:fontRef>
+          </p:style>
+        </p:cxnSp>
+        <p:sp>
+          <p:nvSpPr>
+            <p:cNvPr id="108" name="Freeform 107"/>
+            <p:cNvSpPr/>
+            <p:nvPr/>
+          </p:nvSpPr>
+          <p:spPr>
+            <a:xfrm rot="842210">
+              <a:off x="866775" y="423863"/>
+              <a:ext cx="152400" cy="45690"/>
+            </a:xfrm>
+            <a:custGeom>
+              <a:avLst/>
+              <a:gdLst>
+                <a:gd name="connsiteX0" fmla="*/ 152400 w 152400"/>
+                <a:gd name="connsiteY0" fmla="*/ 38100 h 45690"/>
+                <a:gd name="connsiteX1" fmla="*/ 52388 w 152400"/>
+                <a:gd name="connsiteY1" fmla="*/ 42862 h 45690"/>
+                <a:gd name="connsiteX2" fmla="*/ 0 w 152400"/>
+                <a:gd name="connsiteY2" fmla="*/ 0 h 45690"/>
+              </a:gdLst>
+              <a:ahLst/>
+              <a:cxnLst>
+                <a:cxn ang="0">
+                  <a:pos x="connsiteX0" y="connsiteY0"/>
+                </a:cxn>
+                <a:cxn ang="0">
+                  <a:pos x="connsiteX1" y="connsiteY1"/>
+                </a:cxn>
+                <a:cxn ang="0">
+                  <a:pos x="connsiteX2" y="connsiteY2"/>
+                </a:cxn>
+              </a:cxnLst>
+              <a:rect l="l" t="t" r="r" b="b"/>
+              <a:pathLst>
+                <a:path w="152400" h="45690">
+                  <a:moveTo>
+                    <a:pt x="152400" y="38100"/>
+                  </a:moveTo>
+                  <a:cubicBezTo>
+                    <a:pt x="115094" y="43656"/>
+                    <a:pt x="77788" y="49212"/>
+                    <a:pt x="52388" y="42862"/>
+                  </a:cubicBezTo>
+                  <a:cubicBezTo>
+                    <a:pt x="26988" y="36512"/>
+                    <a:pt x="13494" y="18256"/>
+                    <a:pt x="0" y="0"/>
+                  </a:cubicBezTo>
+                </a:path>
+              </a:pathLst>
+            </a:custGeom>
+            <a:solidFill>
+              <a:schemeClr val="bg1"/>
+            </a:solidFill>
+            <a:ln cap="rnd">
+              <a:solidFill>
+                <a:schemeClr val="accent3">
+                  <a:lumMod val="75000"/>
+                </a:schemeClr>
+              </a:solidFill>
+            </a:ln>
+          </p:spPr>
+          <p:style>
+            <a:lnRef idx="2">
+              <a:schemeClr val="accent1">
+                <a:shade val="50000"/>
+              </a:schemeClr>
+            </a:lnRef>
+            <a:fillRef idx="1">
+              <a:schemeClr val="accent1"/>
+            </a:fillRef>
+            <a:effectRef idx="0">
+              <a:schemeClr val="accent1"/>
+            </a:effectRef>
+            <a:fontRef idx="minor">
+              <a:schemeClr val="lt1"/>
+            </a:fontRef>
+          </p:style>
+          <p:txBody>
+            <a:bodyPr rtlCol="0" anchor="ctr"/>
+            <a:lstStyle/>
+            <a:p>
+              <a:pPr algn="ctr"/>
+              <a:endParaRPr lang="en-US"/>
+            </a:p>
+          </p:txBody>
+        </p:sp>
+      </p:grpSp>
     </p:spTree>
     <p:extLst>
       <p:ext uri="{BB962C8B-B14F-4D97-AF65-F5344CB8AC3E}">

--- a/doc/diagrams/highlevelArchitecture.pptx
+++ b/doc/diagrams/highlevelArchitecture.pptx
@@ -289,7 +289,7 @@
             <a:fld id="{1D8BD707-D9CF-40AE-B4C6-C98DA3205C09}" type="datetimeFigureOut">
               <a:rPr lang="en-US" smtClean="0"/>
               <a:pPr/>
-              <a:t>3/24/2013</a:t>
+              <a:t>4/28/2013</a:t>
             </a:fld>
             <a:endParaRPr lang="en-US"/>
           </a:p>
@@ -456,7 +456,7 @@
             <a:fld id="{1D8BD707-D9CF-40AE-B4C6-C98DA3205C09}" type="datetimeFigureOut">
               <a:rPr lang="en-US" smtClean="0"/>
               <a:pPr/>
-              <a:t>3/24/2013</a:t>
+              <a:t>4/28/2013</a:t>
             </a:fld>
             <a:endParaRPr lang="en-US"/>
           </a:p>
@@ -633,7 +633,7 @@
             <a:fld id="{1D8BD707-D9CF-40AE-B4C6-C98DA3205C09}" type="datetimeFigureOut">
               <a:rPr lang="en-US" smtClean="0"/>
               <a:pPr/>
-              <a:t>3/24/2013</a:t>
+              <a:t>4/28/2013</a:t>
             </a:fld>
             <a:endParaRPr lang="en-US"/>
           </a:p>
@@ -800,7 +800,7 @@
             <a:fld id="{1D8BD707-D9CF-40AE-B4C6-C98DA3205C09}" type="datetimeFigureOut">
               <a:rPr lang="en-US" smtClean="0"/>
               <a:pPr/>
-              <a:t>3/24/2013</a:t>
+              <a:t>4/28/2013</a:t>
             </a:fld>
             <a:endParaRPr lang="en-US"/>
           </a:p>
@@ -1043,7 +1043,7 @@
             <a:fld id="{1D8BD707-D9CF-40AE-B4C6-C98DA3205C09}" type="datetimeFigureOut">
               <a:rPr lang="en-US" smtClean="0"/>
               <a:pPr/>
-              <a:t>3/24/2013</a:t>
+              <a:t>4/28/2013</a:t>
             </a:fld>
             <a:endParaRPr lang="en-US"/>
           </a:p>
@@ -1328,7 +1328,7 @@
             <a:fld id="{1D8BD707-D9CF-40AE-B4C6-C98DA3205C09}" type="datetimeFigureOut">
               <a:rPr lang="en-US" smtClean="0"/>
               <a:pPr/>
-              <a:t>3/24/2013</a:t>
+              <a:t>4/28/2013</a:t>
             </a:fld>
             <a:endParaRPr lang="en-US"/>
           </a:p>
@@ -1747,7 +1747,7 @@
             <a:fld id="{1D8BD707-D9CF-40AE-B4C6-C98DA3205C09}" type="datetimeFigureOut">
               <a:rPr lang="en-US" smtClean="0"/>
               <a:pPr/>
-              <a:t>3/24/2013</a:t>
+              <a:t>4/28/2013</a:t>
             </a:fld>
             <a:endParaRPr lang="en-US"/>
           </a:p>
@@ -1862,7 +1862,7 @@
             <a:fld id="{1D8BD707-D9CF-40AE-B4C6-C98DA3205C09}" type="datetimeFigureOut">
               <a:rPr lang="en-US" smtClean="0"/>
               <a:pPr/>
-              <a:t>3/24/2013</a:t>
+              <a:t>4/28/2013</a:t>
             </a:fld>
             <a:endParaRPr lang="en-US"/>
           </a:p>
@@ -1954,7 +1954,7 @@
             <a:fld id="{1D8BD707-D9CF-40AE-B4C6-C98DA3205C09}" type="datetimeFigureOut">
               <a:rPr lang="en-US" smtClean="0"/>
               <a:pPr/>
-              <a:t>3/24/2013</a:t>
+              <a:t>4/28/2013</a:t>
             </a:fld>
             <a:endParaRPr lang="en-US"/>
           </a:p>
@@ -2228,7 +2228,7 @@
             <a:fld id="{1D8BD707-D9CF-40AE-B4C6-C98DA3205C09}" type="datetimeFigureOut">
               <a:rPr lang="en-US" smtClean="0"/>
               <a:pPr/>
-              <a:t>3/24/2013</a:t>
+              <a:t>4/28/2013</a:t>
             </a:fld>
             <a:endParaRPr lang="en-US"/>
           </a:p>
@@ -2478,7 +2478,7 @@
             <a:fld id="{1D8BD707-D9CF-40AE-B4C6-C98DA3205C09}" type="datetimeFigureOut">
               <a:rPr lang="en-US" smtClean="0"/>
               <a:pPr/>
-              <a:t>3/24/2013</a:t>
+              <a:t>4/28/2013</a:t>
             </a:fld>
             <a:endParaRPr lang="en-US"/>
           </a:p>
@@ -2688,7 +2688,7 @@
             <a:fld id="{1D8BD707-D9CF-40AE-B4C6-C98DA3205C09}" type="datetimeFigureOut">
               <a:rPr lang="en-US" smtClean="0"/>
               <a:pPr/>
-              <a:t>3/24/2013</a:t>
+              <a:t>4/28/2013</a:t>
             </a:fld>
             <a:endParaRPr lang="en-US"/>
           </a:p>
@@ -4082,7 +4082,7 @@
                   <a:schemeClr val="bg1"/>
                 </a:solidFill>
               </a:rPr>
-              <a:t>JUnit</a:t>
+              <a:t>TestNG</a:t>
             </a:r>
             <a:r>
               <a:rPr lang="en-US" dirty="0" smtClean="0">
@@ -4098,7 +4098,7 @@
                   <a:schemeClr val="bg1"/>
                 </a:solidFill>
               </a:rPr>
-              <a:t>Qunit</a:t>
+              <a:t>QUnit</a:t>
             </a:r>
             <a:r>
               <a:rPr lang="en-US" dirty="0" smtClean="0">

--- a/doc/diagrams/highlevelArchitecture.pptx
+++ b/doc/diagrams/highlevelArchitecture.pptx
@@ -289,7 +289,7 @@
             <a:fld id="{1D8BD707-D9CF-40AE-B4C6-C98DA3205C09}" type="datetimeFigureOut">
               <a:rPr lang="en-US" smtClean="0"/>
               <a:pPr/>
-              <a:t>4/28/2013</a:t>
+              <a:t>7/5/2013</a:t>
             </a:fld>
             <a:endParaRPr lang="en-US"/>
           </a:p>
@@ -456,7 +456,7 @@
             <a:fld id="{1D8BD707-D9CF-40AE-B4C6-C98DA3205C09}" type="datetimeFigureOut">
               <a:rPr lang="en-US" smtClean="0"/>
               <a:pPr/>
-              <a:t>4/28/2013</a:t>
+              <a:t>7/5/2013</a:t>
             </a:fld>
             <a:endParaRPr lang="en-US"/>
           </a:p>
@@ -633,7 +633,7 @@
             <a:fld id="{1D8BD707-D9CF-40AE-B4C6-C98DA3205C09}" type="datetimeFigureOut">
               <a:rPr lang="en-US" smtClean="0"/>
               <a:pPr/>
-              <a:t>4/28/2013</a:t>
+              <a:t>7/5/2013</a:t>
             </a:fld>
             <a:endParaRPr lang="en-US"/>
           </a:p>
@@ -800,7 +800,7 @@
             <a:fld id="{1D8BD707-D9CF-40AE-B4C6-C98DA3205C09}" type="datetimeFigureOut">
               <a:rPr lang="en-US" smtClean="0"/>
               <a:pPr/>
-              <a:t>4/28/2013</a:t>
+              <a:t>7/5/2013</a:t>
             </a:fld>
             <a:endParaRPr lang="en-US"/>
           </a:p>
@@ -1043,7 +1043,7 @@
             <a:fld id="{1D8BD707-D9CF-40AE-B4C6-C98DA3205C09}" type="datetimeFigureOut">
               <a:rPr lang="en-US" smtClean="0"/>
               <a:pPr/>
-              <a:t>4/28/2013</a:t>
+              <a:t>7/5/2013</a:t>
             </a:fld>
             <a:endParaRPr lang="en-US"/>
           </a:p>
@@ -1328,7 +1328,7 @@
             <a:fld id="{1D8BD707-D9CF-40AE-B4C6-C98DA3205C09}" type="datetimeFigureOut">
               <a:rPr lang="en-US" smtClean="0"/>
               <a:pPr/>
-              <a:t>4/28/2013</a:t>
+              <a:t>7/5/2013</a:t>
             </a:fld>
             <a:endParaRPr lang="en-US"/>
           </a:p>
@@ -1747,7 +1747,7 @@
             <a:fld id="{1D8BD707-D9CF-40AE-B4C6-C98DA3205C09}" type="datetimeFigureOut">
               <a:rPr lang="en-US" smtClean="0"/>
               <a:pPr/>
-              <a:t>4/28/2013</a:t>
+              <a:t>7/5/2013</a:t>
             </a:fld>
             <a:endParaRPr lang="en-US"/>
           </a:p>
@@ -1862,7 +1862,7 @@
             <a:fld id="{1D8BD707-D9CF-40AE-B4C6-C98DA3205C09}" type="datetimeFigureOut">
               <a:rPr lang="en-US" smtClean="0"/>
               <a:pPr/>
-              <a:t>4/28/2013</a:t>
+              <a:t>7/5/2013</a:t>
             </a:fld>
             <a:endParaRPr lang="en-US"/>
           </a:p>
@@ -1954,7 +1954,7 @@
             <a:fld id="{1D8BD707-D9CF-40AE-B4C6-C98DA3205C09}" type="datetimeFigureOut">
               <a:rPr lang="en-US" smtClean="0"/>
               <a:pPr/>
-              <a:t>4/28/2013</a:t>
+              <a:t>7/5/2013</a:t>
             </a:fld>
             <a:endParaRPr lang="en-US"/>
           </a:p>
@@ -2228,7 +2228,7 @@
             <a:fld id="{1D8BD707-D9CF-40AE-B4C6-C98DA3205C09}" type="datetimeFigureOut">
               <a:rPr lang="en-US" smtClean="0"/>
               <a:pPr/>
-              <a:t>4/28/2013</a:t>
+              <a:t>7/5/2013</a:t>
             </a:fld>
             <a:endParaRPr lang="en-US"/>
           </a:p>
@@ -2478,7 +2478,7 @@
             <a:fld id="{1D8BD707-D9CF-40AE-B4C6-C98DA3205C09}" type="datetimeFigureOut">
               <a:rPr lang="en-US" smtClean="0"/>
               <a:pPr/>
-              <a:t>4/28/2013</a:t>
+              <a:t>7/5/2013</a:t>
             </a:fld>
             <a:endParaRPr lang="en-US"/>
           </a:p>
@@ -2688,7 +2688,7 @@
             <a:fld id="{1D8BD707-D9CF-40AE-B4C6-C98DA3205C09}" type="datetimeFigureOut">
               <a:rPr lang="en-US" smtClean="0"/>
               <a:pPr/>
-              <a:t>4/28/2013</a:t>
+              <a:t>7/5/2013</a:t>
             </a:fld>
             <a:endParaRPr lang="en-US"/>
           </a:p>
@@ -3124,7 +3124,7 @@
         <p:spPr>
           <a:xfrm>
             <a:off x="838200" y="2118519"/>
-            <a:ext cx="1524000" cy="1143000"/>
+            <a:ext cx="1524000" cy="1219200"/>
           </a:xfrm>
           <a:prstGeom prst="roundRect">
             <a:avLst>
@@ -3817,7 +3817,7 @@
         <p:spPr>
           <a:xfrm flipV="1">
             <a:off x="457200" y="1127919"/>
-            <a:ext cx="762000" cy="24213"/>
+            <a:ext cx="762000" cy="24214"/>
           </a:xfrm>
           <a:prstGeom prst="straightConnector1">
             <a:avLst/>
@@ -3854,8 +3854,8 @@
         </p:nvSpPr>
         <p:spPr>
           <a:xfrm>
-            <a:off x="1295400" y="1204119"/>
-            <a:ext cx="964429" cy="864015"/>
+            <a:off x="1219200" y="899319"/>
+            <a:ext cx="1066800" cy="864015"/>
           </a:xfrm>
           <a:prstGeom prst="rect">
             <a:avLst/>
@@ -3959,7 +3959,23 @@
                   <a:schemeClr val="bg1"/>
                 </a:solidFill>
               </a:rPr>
-              <a:t>HTML, CSS, JavaScript</a:t>
+              <a:t>HTML, CSS, </a:t>
+            </a:r>
+            <a:r>
+              <a:rPr lang="en-US" dirty="0" smtClean="0">
+                <a:solidFill>
+                  <a:schemeClr val="bg1"/>
+                </a:solidFill>
+              </a:rPr>
+              <a:t>JavaScript, </a:t>
+            </a:r>
+            <a:r>
+              <a:rPr lang="en-US" dirty="0" err="1" smtClean="0">
+                <a:solidFill>
+                  <a:schemeClr val="bg1"/>
+                </a:solidFill>
+              </a:rPr>
+              <a:t>JQuery</a:t>
             </a:r>
             <a:endParaRPr lang="en-SG" dirty="0">
               <a:solidFill>
@@ -3978,7 +3994,7 @@
         <p:spPr>
           <a:xfrm>
             <a:off x="838200" y="2423319"/>
-            <a:ext cx="1319257" cy="533400"/>
+            <a:ext cx="1524000" cy="914400"/>
           </a:xfrm>
           <a:prstGeom prst="rect">
             <a:avLst/>
@@ -4106,7 +4122,39 @@
                   <a:schemeClr val="bg1"/>
                 </a:solidFill>
               </a:rPr>
-              <a:t>, Selenium</a:t>
+              <a:t>, </a:t>
+            </a:r>
+            <a:r>
+              <a:rPr lang="en-US" dirty="0" smtClean="0">
+                <a:solidFill>
+                  <a:schemeClr val="bg1"/>
+                </a:solidFill>
+              </a:rPr>
+              <a:t>Selenium, </a:t>
+            </a:r>
+            <a:r>
+              <a:rPr lang="en-US" dirty="0" err="1" smtClean="0">
+                <a:solidFill>
+                  <a:schemeClr val="bg1"/>
+                </a:solidFill>
+              </a:rPr>
+              <a:t>HttpUnit</a:t>
+            </a:r>
+            <a:r>
+              <a:rPr lang="en-US" dirty="0" smtClean="0">
+                <a:solidFill>
+                  <a:schemeClr val="bg1"/>
+                </a:solidFill>
+              </a:rPr>
+              <a:t>, </a:t>
+            </a:r>
+            <a:r>
+              <a:rPr lang="en-US" dirty="0" err="1" smtClean="0">
+                <a:solidFill>
+                  <a:schemeClr val="bg1"/>
+                </a:solidFill>
+              </a:rPr>
+              <a:t>NekoHtml</a:t>
             </a:r>
             <a:endParaRPr lang="en-SG" dirty="0">
               <a:solidFill>
@@ -4896,8 +4944,8 @@
         </p:nvSpPr>
         <p:spPr>
           <a:xfrm>
-            <a:off x="7341372" y="2118519"/>
-            <a:ext cx="888228" cy="514706"/>
+            <a:off x="7315200" y="2365813"/>
+            <a:ext cx="583428" cy="362306"/>
           </a:xfrm>
           <a:prstGeom prst="rect">
             <a:avLst/>
@@ -5005,27 +5053,6 @@
                 </a:solidFill>
               </a:rPr>
               <a:t>JDO</a:t>
-            </a:r>
-            <a:br>
-              <a:rPr lang="en-US" dirty="0" smtClean="0">
-                <a:solidFill>
-                  <a:schemeClr val="accent3">
-                    <a:lumMod val="60000"/>
-                    <a:lumOff val="40000"/>
-                  </a:schemeClr>
-                </a:solidFill>
-              </a:rPr>
-            </a:br>
-            <a:r>
-              <a:rPr lang="en-US" dirty="0" smtClean="0">
-                <a:solidFill>
-                  <a:schemeClr val="accent3">
-                    <a:lumMod val="60000"/>
-                    <a:lumOff val="40000"/>
-                  </a:schemeClr>
-                </a:solidFill>
-              </a:rPr>
-              <a:t> GQL</a:t>
             </a:r>
             <a:endParaRPr lang="en-SG" dirty="0">
               <a:solidFill>
@@ -5398,9 +5425,9 @@
           <p:nvPr/>
         </p:nvCxnSpPr>
         <p:spPr>
-          <a:xfrm flipH="1" flipV="1">
-            <a:off x="7341372" y="2118519"/>
-            <a:ext cx="24442" cy="1143000"/>
+          <a:xfrm flipV="1">
+            <a:off x="7365814" y="2118519"/>
+            <a:ext cx="14683" cy="1143000"/>
           </a:xfrm>
           <a:prstGeom prst="straightConnector1">
             <a:avLst/>
@@ -6753,6 +6780,129 @@
           </p:txBody>
         </p:sp>
       </p:grpSp>
+      <p:sp>
+        <p:nvSpPr>
+          <p:cNvPr id="57" name="TextBox 56"/>
+          <p:cNvSpPr txBox="1"/>
+          <p:nvPr/>
+        </p:nvSpPr>
+        <p:spPr>
+          <a:xfrm>
+            <a:off x="6400800" y="232701"/>
+            <a:ext cx="1319257" cy="381000"/>
+          </a:xfrm>
+          <a:prstGeom prst="rect">
+            <a:avLst/>
+          </a:prstGeom>
+          <a:grpFill/>
+          <a:ln>
+            <a:noFill/>
+          </a:ln>
+        </p:spPr>
+        <p:style>
+          <a:lnRef idx="2">
+            <a:schemeClr val="accent1">
+              <a:shade val="50000"/>
+            </a:schemeClr>
+          </a:lnRef>
+          <a:fillRef idx="1">
+            <a:schemeClr val="accent1"/>
+          </a:fillRef>
+          <a:effectRef idx="0">
+            <a:schemeClr val="accent1"/>
+          </a:effectRef>
+          <a:fontRef idx="minor">
+            <a:schemeClr val="lt1"/>
+          </a:fontRef>
+        </p:style>
+        <p:txBody>
+          <a:bodyPr rtlCol="0" anchor="t" anchorCtr="0"/>
+          <a:lstStyle>
+            <a:defPPr>
+              <a:defRPr lang="en-US"/>
+            </a:defPPr>
+            <a:lvl1pPr>
+              <a:defRPr sz="1400" b="1">
+                <a:solidFill>
+                  <a:srgbClr val="7030A0"/>
+                </a:solidFill>
+              </a:defRPr>
+            </a:lvl1pPr>
+            <a:lvl2pPr>
+              <a:defRPr>
+                <a:solidFill>
+                  <a:schemeClr val="lt1"/>
+                </a:solidFill>
+              </a:defRPr>
+            </a:lvl2pPr>
+            <a:lvl3pPr>
+              <a:defRPr>
+                <a:solidFill>
+                  <a:schemeClr val="lt1"/>
+                </a:solidFill>
+              </a:defRPr>
+            </a:lvl3pPr>
+            <a:lvl4pPr>
+              <a:defRPr>
+                <a:solidFill>
+                  <a:schemeClr val="lt1"/>
+                </a:solidFill>
+              </a:defRPr>
+            </a:lvl4pPr>
+            <a:lvl5pPr>
+              <a:defRPr>
+                <a:solidFill>
+                  <a:schemeClr val="lt1"/>
+                </a:solidFill>
+              </a:defRPr>
+            </a:lvl5pPr>
+            <a:lvl6pPr>
+              <a:defRPr>
+                <a:solidFill>
+                  <a:schemeClr val="lt1"/>
+                </a:solidFill>
+              </a:defRPr>
+            </a:lvl6pPr>
+            <a:lvl7pPr>
+              <a:defRPr>
+                <a:solidFill>
+                  <a:schemeClr val="lt1"/>
+                </a:solidFill>
+              </a:defRPr>
+            </a:lvl7pPr>
+            <a:lvl8pPr>
+              <a:defRPr>
+                <a:solidFill>
+                  <a:schemeClr val="lt1"/>
+                </a:solidFill>
+              </a:defRPr>
+            </a:lvl8pPr>
+            <a:lvl9pPr>
+              <a:defRPr>
+                <a:solidFill>
+                  <a:schemeClr val="lt1"/>
+                </a:solidFill>
+              </a:defRPr>
+            </a:lvl9pPr>
+          </a:lstStyle>
+          <a:p>
+            <a:pPr algn="ctr"/>
+            <a:r>
+              <a:rPr lang="en-US" dirty="0" err="1" smtClean="0">
+                <a:solidFill>
+                  <a:schemeClr val="bg1"/>
+                </a:solidFill>
+              </a:rPr>
+              <a:t>GSon</a:t>
+            </a:r>
+            <a:endParaRPr lang="en-SG" dirty="0">
+              <a:solidFill>
+                <a:schemeClr val="bg1"/>
+              </a:solidFill>
+            </a:endParaRPr>
+          </a:p>
+        </p:txBody>
+      </p:sp>
     </p:spTree>
     <p:extLst>
       <p:ext uri="{BB962C8B-B14F-4D97-AF65-F5344CB8AC3E}">
